--- a/Final Project - Presentation.pptx
+++ b/Final Project - Presentation.pptx
@@ -5,7 +5,7 @@
     <p:sldMasterId id="2147483648" r:id="rId1"/>
   </p:sldMasterIdLst>
   <p:notesMasterIdLst>
-    <p:notesMasterId r:id="rId43"/>
+    <p:notesMasterId r:id="rId45"/>
   </p:notesMasterIdLst>
   <p:sldIdLst>
     <p:sldId id="256" r:id="rId2"/>
@@ -30,40 +30,42 @@
     <p:sldId id="271" r:id="rId21"/>
     <p:sldId id="328" r:id="rId22"/>
     <p:sldId id="327" r:id="rId23"/>
-    <p:sldId id="329" r:id="rId24"/>
+    <p:sldId id="330" r:id="rId24"/>
     <p:sldId id="306" r:id="rId25"/>
     <p:sldId id="307" r:id="rId26"/>
     <p:sldId id="308" r:id="rId27"/>
     <p:sldId id="309" r:id="rId28"/>
     <p:sldId id="310" r:id="rId29"/>
     <p:sldId id="311" r:id="rId30"/>
-    <p:sldId id="313" r:id="rId31"/>
-    <p:sldId id="312" r:id="rId32"/>
-    <p:sldId id="273" r:id="rId33"/>
-    <p:sldId id="314" r:id="rId34"/>
-    <p:sldId id="315" r:id="rId35"/>
-    <p:sldId id="317" r:id="rId36"/>
-    <p:sldId id="316" r:id="rId37"/>
-    <p:sldId id="318" r:id="rId38"/>
-    <p:sldId id="319" r:id="rId39"/>
-    <p:sldId id="320" r:id="rId40"/>
-    <p:sldId id="321" r:id="rId41"/>
-    <p:sldId id="274" r:id="rId42"/>
+    <p:sldId id="332" r:id="rId31"/>
+    <p:sldId id="331" r:id="rId32"/>
+    <p:sldId id="312" r:id="rId33"/>
+    <p:sldId id="273" r:id="rId34"/>
+    <p:sldId id="314" r:id="rId35"/>
+    <p:sldId id="315" r:id="rId36"/>
+    <p:sldId id="317" r:id="rId37"/>
+    <p:sldId id="316" r:id="rId38"/>
+    <p:sldId id="318" r:id="rId39"/>
+    <p:sldId id="319" r:id="rId40"/>
+    <p:sldId id="320" r:id="rId41"/>
+    <p:sldId id="321" r:id="rId42"/>
+    <p:sldId id="333" r:id="rId43"/>
+    <p:sldId id="274" r:id="rId44"/>
   </p:sldIdLst>
   <p:sldSz cx="9144000" cy="5143500" type="screen16x9"/>
   <p:notesSz cx="6858000" cy="9144000"/>
   <p:embeddedFontLst>
     <p:embeddedFont>
       <p:font typeface="Calibri" panose="020F0502020204030204" pitchFamily="34" charset="0"/>
-      <p:regular r:id="rId44"/>
-      <p:bold r:id="rId45"/>
-      <p:italic r:id="rId46"/>
-      <p:boldItalic r:id="rId47"/>
+      <p:regular r:id="rId46"/>
+      <p:bold r:id="rId47"/>
+      <p:italic r:id="rId48"/>
+      <p:boldItalic r:id="rId49"/>
     </p:embeddedFont>
     <p:embeddedFont>
       <p:font typeface="Quicksand" panose="020B0604020202020204" charset="0"/>
-      <p:regular r:id="rId48"/>
-      <p:bold r:id="rId49"/>
+      <p:regular r:id="rId50"/>
+      <p:bold r:id="rId51"/>
     </p:embeddedFont>
   </p:embeddedFontLst>
   <p:defaultTextStyle>
@@ -3207,7 +3209,7 @@
     </p:spTree>
     <p:extLst>
       <p:ext uri="{BB962C8B-B14F-4D97-AF65-F5344CB8AC3E}">
-        <p14:creationId xmlns:p14="http://schemas.microsoft.com/office/powerpoint/2010/main" val="2686962029"/>
+        <p14:creationId xmlns:p14="http://schemas.microsoft.com/office/powerpoint/2010/main" val="127465016"/>
       </p:ext>
     </p:extLst>
   </p:cSld>
@@ -4218,7 +4220,7 @@
     </p:spTree>
     <p:extLst>
       <p:ext uri="{BB962C8B-B14F-4D97-AF65-F5344CB8AC3E}">
-        <p14:creationId xmlns:p14="http://schemas.microsoft.com/office/powerpoint/2010/main" val="2257947224"/>
+        <p14:creationId xmlns:p14="http://schemas.microsoft.com/office/powerpoint/2010/main" val="2915421195"/>
       </p:ext>
     </p:extLst>
   </p:cSld>
@@ -4233,7 +4235,7 @@
   <p:cSld>
     <p:spTree>
       <p:nvGrpSpPr>
-        <p:cNvPr id="1" name="Shape 144"/>
+        <p:cNvPr id="1" name="Shape 152"/>
         <p:cNvGrpSpPr/>
         <p:nvPr/>
       </p:nvGrpSpPr>
@@ -4247,7 +4249,7 @@
       </p:grpSpPr>
       <p:sp>
         <p:nvSpPr>
-          <p:cNvPr id="145" name="Google Shape;145;p8:notes"/>
+          <p:cNvPr id="153" name="Google Shape;153;p9:notes"/>
           <p:cNvSpPr>
             <a:spLocks noGrp="1" noRot="1" noChangeAspect="1"/>
           </p:cNvSpPr>
@@ -4298,7 +4300,7 @@
       </p:sp>
       <p:sp>
         <p:nvSpPr>
-          <p:cNvPr id="146" name="Google Shape;146;p8:notes"/>
+          <p:cNvPr id="154" name="Google Shape;154;p9:notes"/>
           <p:cNvSpPr txBox="1">
             <a:spLocks noGrp="1"/>
           </p:cNvSpPr>
@@ -4345,7 +4347,7 @@
     </p:spTree>
     <p:extLst>
       <p:ext uri="{BB962C8B-B14F-4D97-AF65-F5344CB8AC3E}">
-        <p14:creationId xmlns:p14="http://schemas.microsoft.com/office/powerpoint/2010/main" val="3631063814"/>
+        <p14:creationId xmlns:p14="http://schemas.microsoft.com/office/powerpoint/2010/main" val="1238288016"/>
       </p:ext>
     </p:extLst>
   </p:cSld>
@@ -4360,7 +4362,7 @@
   <p:cSld>
     <p:spTree>
       <p:nvGrpSpPr>
-        <p:cNvPr id="1" name="Shape 229"/>
+        <p:cNvPr id="1" name="Shape 144"/>
         <p:cNvGrpSpPr/>
         <p:nvPr/>
       </p:nvGrpSpPr>
@@ -4374,7 +4376,7 @@
       </p:grpSpPr>
       <p:sp>
         <p:nvSpPr>
-          <p:cNvPr id="230" name="Google Shape;230;p18:notes"/>
+          <p:cNvPr id="145" name="Google Shape;145;p8:notes"/>
           <p:cNvSpPr>
             <a:spLocks noGrp="1" noRot="1" noChangeAspect="1"/>
           </p:cNvSpPr>
@@ -4425,7 +4427,7 @@
       </p:sp>
       <p:sp>
         <p:nvSpPr>
-          <p:cNvPr id="231" name="Google Shape;231;p18:notes"/>
+          <p:cNvPr id="146" name="Google Shape;146;p8:notes"/>
           <p:cNvSpPr txBox="1">
             <a:spLocks noGrp="1"/>
           </p:cNvSpPr>
@@ -4470,6 +4472,11 @@
         </p:txBody>
       </p:sp>
     </p:spTree>
+    <p:extLst>
+      <p:ext uri="{BB962C8B-B14F-4D97-AF65-F5344CB8AC3E}">
+        <p14:creationId xmlns:p14="http://schemas.microsoft.com/office/powerpoint/2010/main" val="3631063814"/>
+      </p:ext>
+    </p:extLst>
   </p:cSld>
   <p:clrMapOvr>
     <a:masterClrMapping/>
@@ -4592,11 +4599,6 @@
         </p:txBody>
       </p:sp>
     </p:spTree>
-    <p:extLst>
-      <p:ext uri="{BB962C8B-B14F-4D97-AF65-F5344CB8AC3E}">
-        <p14:creationId xmlns:p14="http://schemas.microsoft.com/office/powerpoint/2010/main" val="3253680670"/>
-      </p:ext>
-    </p:extLst>
   </p:cSld>
   <p:clrMapOvr>
     <a:masterClrMapping/>
@@ -4609,7 +4611,7 @@
   <p:cSld>
     <p:spTree>
       <p:nvGrpSpPr>
-        <p:cNvPr id="1" name="Shape 160"/>
+        <p:cNvPr id="1" name="Shape 229"/>
         <p:cNvGrpSpPr/>
         <p:nvPr/>
       </p:nvGrpSpPr>
@@ -4623,7 +4625,7 @@
       </p:grpSpPr>
       <p:sp>
         <p:nvSpPr>
-          <p:cNvPr id="161" name="Google Shape;161;p10:notes"/>
+          <p:cNvPr id="230" name="Google Shape;230;p18:notes"/>
           <p:cNvSpPr>
             <a:spLocks noGrp="1" noRot="1" noChangeAspect="1"/>
           </p:cNvSpPr>
@@ -4674,7 +4676,7 @@
       </p:sp>
       <p:sp>
         <p:nvSpPr>
-          <p:cNvPr id="162" name="Google Shape;162;p10:notes"/>
+          <p:cNvPr id="231" name="Google Shape;231;p18:notes"/>
           <p:cNvSpPr txBox="1">
             <a:spLocks noGrp="1"/>
           </p:cNvSpPr>
@@ -4721,7 +4723,7 @@
     </p:spTree>
     <p:extLst>
       <p:ext uri="{BB962C8B-B14F-4D97-AF65-F5344CB8AC3E}">
-        <p14:creationId xmlns:p14="http://schemas.microsoft.com/office/powerpoint/2010/main" val="1578648515"/>
+        <p14:creationId xmlns:p14="http://schemas.microsoft.com/office/powerpoint/2010/main" val="3253680670"/>
       </p:ext>
     </p:extLst>
   </p:cSld>
@@ -4736,7 +4738,7 @@
   <p:cSld>
     <p:spTree>
       <p:nvGrpSpPr>
-        <p:cNvPr id="1" name="Shape 229"/>
+        <p:cNvPr id="1" name="Shape 160"/>
         <p:cNvGrpSpPr/>
         <p:nvPr/>
       </p:nvGrpSpPr>
@@ -4750,7 +4752,7 @@
       </p:grpSpPr>
       <p:sp>
         <p:nvSpPr>
-          <p:cNvPr id="230" name="Google Shape;230;p18:notes"/>
+          <p:cNvPr id="161" name="Google Shape;161;p10:notes"/>
           <p:cNvSpPr>
             <a:spLocks noGrp="1" noRot="1" noChangeAspect="1"/>
           </p:cNvSpPr>
@@ -4801,7 +4803,7 @@
       </p:sp>
       <p:sp>
         <p:nvSpPr>
-          <p:cNvPr id="231" name="Google Shape;231;p18:notes"/>
+          <p:cNvPr id="162" name="Google Shape;162;p10:notes"/>
           <p:cNvSpPr txBox="1">
             <a:spLocks noGrp="1"/>
           </p:cNvSpPr>
@@ -4848,7 +4850,7 @@
     </p:spTree>
     <p:extLst>
       <p:ext uri="{BB962C8B-B14F-4D97-AF65-F5344CB8AC3E}">
-        <p14:creationId xmlns:p14="http://schemas.microsoft.com/office/powerpoint/2010/main" val="4292805569"/>
+        <p14:creationId xmlns:p14="http://schemas.microsoft.com/office/powerpoint/2010/main" val="1578648515"/>
       </p:ext>
     </p:extLst>
   </p:cSld>
@@ -4863,7 +4865,7 @@
   <p:cSld>
     <p:spTree>
       <p:nvGrpSpPr>
-        <p:cNvPr id="1" name="Shape 144"/>
+        <p:cNvPr id="1" name="Shape 229"/>
         <p:cNvGrpSpPr/>
         <p:nvPr/>
       </p:nvGrpSpPr>
@@ -4877,7 +4879,7 @@
       </p:grpSpPr>
       <p:sp>
         <p:nvSpPr>
-          <p:cNvPr id="145" name="Google Shape;145;p8:notes"/>
+          <p:cNvPr id="230" name="Google Shape;230;p18:notes"/>
           <p:cNvSpPr>
             <a:spLocks noGrp="1" noRot="1" noChangeAspect="1"/>
           </p:cNvSpPr>
@@ -4928,7 +4930,7 @@
       </p:sp>
       <p:sp>
         <p:nvSpPr>
-          <p:cNvPr id="146" name="Google Shape;146;p8:notes"/>
+          <p:cNvPr id="231" name="Google Shape;231;p18:notes"/>
           <p:cNvSpPr txBox="1">
             <a:spLocks noGrp="1"/>
           </p:cNvSpPr>
@@ -4975,7 +4977,7 @@
     </p:spTree>
     <p:extLst>
       <p:ext uri="{BB962C8B-B14F-4D97-AF65-F5344CB8AC3E}">
-        <p14:creationId xmlns:p14="http://schemas.microsoft.com/office/powerpoint/2010/main" val="2378306454"/>
+        <p14:creationId xmlns:p14="http://schemas.microsoft.com/office/powerpoint/2010/main" val="4292805569"/>
       </p:ext>
     </p:extLst>
   </p:cSld>
@@ -4990,7 +4992,7 @@
   <p:cSld>
     <p:spTree>
       <p:nvGrpSpPr>
-        <p:cNvPr id="1" name="Shape 229"/>
+        <p:cNvPr id="1" name="Shape 144"/>
         <p:cNvGrpSpPr/>
         <p:nvPr/>
       </p:nvGrpSpPr>
@@ -5004,7 +5006,7 @@
       </p:grpSpPr>
       <p:sp>
         <p:nvSpPr>
-          <p:cNvPr id="230" name="Google Shape;230;p18:notes"/>
+          <p:cNvPr id="145" name="Google Shape;145;p8:notes"/>
           <p:cNvSpPr>
             <a:spLocks noGrp="1" noRot="1" noChangeAspect="1"/>
           </p:cNvSpPr>
@@ -5055,7 +5057,7 @@
       </p:sp>
       <p:sp>
         <p:nvSpPr>
-          <p:cNvPr id="231" name="Google Shape;231;p18:notes"/>
+          <p:cNvPr id="146" name="Google Shape;146;p8:notes"/>
           <p:cNvSpPr txBox="1">
             <a:spLocks noGrp="1"/>
           </p:cNvSpPr>
@@ -5102,7 +5104,7 @@
     </p:spTree>
     <p:extLst>
       <p:ext uri="{BB962C8B-B14F-4D97-AF65-F5344CB8AC3E}">
-        <p14:creationId xmlns:p14="http://schemas.microsoft.com/office/powerpoint/2010/main" val="2818331455"/>
+        <p14:creationId xmlns:p14="http://schemas.microsoft.com/office/powerpoint/2010/main" val="2378306454"/>
       </p:ext>
     </p:extLst>
   </p:cSld>
@@ -5229,7 +5231,7 @@
     </p:spTree>
     <p:extLst>
       <p:ext uri="{BB962C8B-B14F-4D97-AF65-F5344CB8AC3E}">
-        <p14:creationId xmlns:p14="http://schemas.microsoft.com/office/powerpoint/2010/main" val="236751196"/>
+        <p14:creationId xmlns:p14="http://schemas.microsoft.com/office/powerpoint/2010/main" val="2818331455"/>
       </p:ext>
     </p:extLst>
   </p:cSld>
@@ -5244,7 +5246,7 @@
   <p:cSld>
     <p:spTree>
       <p:nvGrpSpPr>
-        <p:cNvPr id="1" name="Shape 112"/>
+        <p:cNvPr id="1" name="Shape 229"/>
         <p:cNvGrpSpPr/>
         <p:nvPr/>
       </p:nvGrpSpPr>
@@ -5258,7 +5260,7 @@
       </p:grpSpPr>
       <p:sp>
         <p:nvSpPr>
-          <p:cNvPr id="113" name="Google Shape;113;p4:notes"/>
+          <p:cNvPr id="230" name="Google Shape;230;p18:notes"/>
           <p:cNvSpPr>
             <a:spLocks noGrp="1" noRot="1" noChangeAspect="1"/>
           </p:cNvSpPr>
@@ -5309,7 +5311,7 @@
       </p:sp>
       <p:sp>
         <p:nvSpPr>
-          <p:cNvPr id="114" name="Google Shape;114;p4:notes"/>
+          <p:cNvPr id="231" name="Google Shape;231;p18:notes"/>
           <p:cNvSpPr txBox="1">
             <a:spLocks noGrp="1"/>
           </p:cNvSpPr>
@@ -5356,7 +5358,7 @@
     </p:spTree>
     <p:extLst>
       <p:ext uri="{BB962C8B-B14F-4D97-AF65-F5344CB8AC3E}">
-        <p14:creationId xmlns:p14="http://schemas.microsoft.com/office/powerpoint/2010/main" val="4206566099"/>
+        <p14:creationId xmlns:p14="http://schemas.microsoft.com/office/powerpoint/2010/main" val="236751196"/>
       </p:ext>
     </p:extLst>
   </p:cSld>
@@ -5493,7 +5495,7 @@
   <p:cSld>
     <p:spTree>
       <p:nvGrpSpPr>
-        <p:cNvPr id="1" name="Shape 229"/>
+        <p:cNvPr id="1" name="Shape 112"/>
         <p:cNvGrpSpPr/>
         <p:nvPr/>
       </p:nvGrpSpPr>
@@ -5507,7 +5509,7 @@
       </p:grpSpPr>
       <p:sp>
         <p:nvSpPr>
-          <p:cNvPr id="230" name="Google Shape;230;p18:notes"/>
+          <p:cNvPr id="113" name="Google Shape;113;p4:notes"/>
           <p:cNvSpPr>
             <a:spLocks noGrp="1" noRot="1" noChangeAspect="1"/>
           </p:cNvSpPr>
@@ -5558,6 +5560,133 @@
       </p:sp>
       <p:sp>
         <p:nvSpPr>
+          <p:cNvPr id="114" name="Google Shape;114;p4:notes"/>
+          <p:cNvSpPr txBox="1">
+            <a:spLocks noGrp="1"/>
+          </p:cNvSpPr>
+          <p:nvPr>
+            <p:ph type="body" idx="1"/>
+          </p:nvPr>
+        </p:nvSpPr>
+        <p:spPr>
+          <a:xfrm>
+            <a:off x="685800" y="4343400"/>
+            <a:ext cx="5486400" cy="4114800"/>
+          </a:xfrm>
+          <a:prstGeom prst="rect">
+            <a:avLst/>
+          </a:prstGeom>
+          <a:noFill/>
+          <a:ln>
+            <a:noFill/>
+          </a:ln>
+        </p:spPr>
+        <p:txBody>
+          <a:bodyPr spcFirstLastPara="1" wrap="square" lIns="91425" tIns="91425" rIns="91425" bIns="91425" anchor="t" anchorCtr="0">
+            <a:noAutofit/>
+          </a:bodyPr>
+          <a:lstStyle/>
+          <a:p>
+            <a:pPr marL="0" lvl="0" indent="0" algn="l" rtl="0">
+              <a:lnSpc>
+                <a:spcPct val="100000"/>
+              </a:lnSpc>
+              <a:spcBef>
+                <a:spcPts val="0"/>
+              </a:spcBef>
+              <a:spcAft>
+                <a:spcPts val="0"/>
+              </a:spcAft>
+              <a:buSzPts val="1400"/>
+              <a:buNone/>
+            </a:pPr>
+            <a:endParaRPr/>
+          </a:p>
+        </p:txBody>
+      </p:sp>
+    </p:spTree>
+    <p:extLst>
+      <p:ext uri="{BB962C8B-B14F-4D97-AF65-F5344CB8AC3E}">
+        <p14:creationId xmlns:p14="http://schemas.microsoft.com/office/powerpoint/2010/main" val="4206566099"/>
+      </p:ext>
+    </p:extLst>
+  </p:cSld>
+  <p:clrMapOvr>
+    <a:masterClrMapping/>
+  </p:clrMapOvr>
+</p:notes>
+</file>
+
+<file path=ppt/notesSlides/notesSlide41.xml><?xml version="1.0" encoding="utf-8"?>
+<p:notes xmlns:a="http://schemas.openxmlformats.org/drawingml/2006/main" xmlns:r="http://schemas.openxmlformats.org/officeDocument/2006/relationships" xmlns:p="http://schemas.openxmlformats.org/presentationml/2006/main" showMasterSp="0" showMasterPhAnim="0">
+  <p:cSld>
+    <p:spTree>
+      <p:nvGrpSpPr>
+        <p:cNvPr id="1" name="Shape 229"/>
+        <p:cNvGrpSpPr/>
+        <p:nvPr/>
+      </p:nvGrpSpPr>
+      <p:grpSpPr>
+        <a:xfrm>
+          <a:off x="0" y="0"/>
+          <a:ext cx="0" cy="0"/>
+          <a:chOff x="0" y="0"/>
+          <a:chExt cx="0" cy="0"/>
+        </a:xfrm>
+      </p:grpSpPr>
+      <p:sp>
+        <p:nvSpPr>
+          <p:cNvPr id="230" name="Google Shape;230;p18:notes"/>
+          <p:cNvSpPr>
+            <a:spLocks noGrp="1" noRot="1" noChangeAspect="1"/>
+          </p:cNvSpPr>
+          <p:nvPr>
+            <p:ph type="sldImg" idx="2"/>
+          </p:nvPr>
+        </p:nvSpPr>
+        <p:spPr>
+          <a:xfrm>
+            <a:off x="381000" y="685800"/>
+            <a:ext cx="6096000" cy="3429000"/>
+          </a:xfrm>
+          <a:custGeom>
+            <a:avLst/>
+            <a:gdLst/>
+            <a:ahLst/>
+            <a:cxnLst/>
+            <a:rect l="l" t="t" r="r" b="b"/>
+            <a:pathLst>
+              <a:path w="120000" h="120000" extrusionOk="0">
+                <a:moveTo>
+                  <a:pt x="0" y="0"/>
+                </a:moveTo>
+                <a:lnTo>
+                  <a:pt x="120000" y="0"/>
+                </a:lnTo>
+                <a:lnTo>
+                  <a:pt x="120000" y="120000"/>
+                </a:lnTo>
+                <a:lnTo>
+                  <a:pt x="0" y="120000"/>
+                </a:lnTo>
+                <a:close/>
+              </a:path>
+            </a:pathLst>
+          </a:custGeom>
+          <a:noFill/>
+          <a:ln w="9525" cap="flat" cmpd="sng">
+            <a:solidFill>
+              <a:srgbClr val="000000"/>
+            </a:solidFill>
+            <a:prstDash val="solid"/>
+            <a:round/>
+            <a:headEnd type="none" w="sm" len="sm"/>
+            <a:tailEnd type="none" w="sm" len="sm"/>
+          </a:ln>
+        </p:spPr>
+      </p:sp>
+      <p:sp>
+        <p:nvSpPr>
           <p:cNvPr id="231" name="Google Shape;231;p18:notes"/>
           <p:cNvSpPr txBox="1">
             <a:spLocks noGrp="1"/>
@@ -5615,7 +5744,134 @@
 </p:notes>
 </file>
 
-<file path=ppt/notesSlides/notesSlide41.xml><?xml version="1.0" encoding="utf-8"?>
+<file path=ppt/notesSlides/notesSlide42.xml><?xml version="1.0" encoding="utf-8"?>
+<p:notes xmlns:a="http://schemas.openxmlformats.org/drawingml/2006/main" xmlns:r="http://schemas.openxmlformats.org/officeDocument/2006/relationships" xmlns:p="http://schemas.openxmlformats.org/presentationml/2006/main" showMasterSp="0" showMasterPhAnim="0">
+  <p:cSld>
+    <p:spTree>
+      <p:nvGrpSpPr>
+        <p:cNvPr id="1" name="Shape 152"/>
+        <p:cNvGrpSpPr/>
+        <p:nvPr/>
+      </p:nvGrpSpPr>
+      <p:grpSpPr>
+        <a:xfrm>
+          <a:off x="0" y="0"/>
+          <a:ext cx="0" cy="0"/>
+          <a:chOff x="0" y="0"/>
+          <a:chExt cx="0" cy="0"/>
+        </a:xfrm>
+      </p:grpSpPr>
+      <p:sp>
+        <p:nvSpPr>
+          <p:cNvPr id="153" name="Google Shape;153;p9:notes"/>
+          <p:cNvSpPr>
+            <a:spLocks noGrp="1" noRot="1" noChangeAspect="1"/>
+          </p:cNvSpPr>
+          <p:nvPr>
+            <p:ph type="sldImg" idx="2"/>
+          </p:nvPr>
+        </p:nvSpPr>
+        <p:spPr>
+          <a:xfrm>
+            <a:off x="381000" y="685800"/>
+            <a:ext cx="6096000" cy="3429000"/>
+          </a:xfrm>
+          <a:custGeom>
+            <a:avLst/>
+            <a:gdLst/>
+            <a:ahLst/>
+            <a:cxnLst/>
+            <a:rect l="l" t="t" r="r" b="b"/>
+            <a:pathLst>
+              <a:path w="120000" h="120000" extrusionOk="0">
+                <a:moveTo>
+                  <a:pt x="0" y="0"/>
+                </a:moveTo>
+                <a:lnTo>
+                  <a:pt x="120000" y="0"/>
+                </a:lnTo>
+                <a:lnTo>
+                  <a:pt x="120000" y="120000"/>
+                </a:lnTo>
+                <a:lnTo>
+                  <a:pt x="0" y="120000"/>
+                </a:lnTo>
+                <a:close/>
+              </a:path>
+            </a:pathLst>
+          </a:custGeom>
+          <a:noFill/>
+          <a:ln w="9525" cap="flat" cmpd="sng">
+            <a:solidFill>
+              <a:srgbClr val="000000"/>
+            </a:solidFill>
+            <a:prstDash val="solid"/>
+            <a:round/>
+            <a:headEnd type="none" w="sm" len="sm"/>
+            <a:tailEnd type="none" w="sm" len="sm"/>
+          </a:ln>
+        </p:spPr>
+      </p:sp>
+      <p:sp>
+        <p:nvSpPr>
+          <p:cNvPr id="154" name="Google Shape;154;p9:notes"/>
+          <p:cNvSpPr txBox="1">
+            <a:spLocks noGrp="1"/>
+          </p:cNvSpPr>
+          <p:nvPr>
+            <p:ph type="body" idx="1"/>
+          </p:nvPr>
+        </p:nvSpPr>
+        <p:spPr>
+          <a:xfrm>
+            <a:off x="685800" y="4343400"/>
+            <a:ext cx="5486400" cy="4114800"/>
+          </a:xfrm>
+          <a:prstGeom prst="rect">
+            <a:avLst/>
+          </a:prstGeom>
+          <a:noFill/>
+          <a:ln>
+            <a:noFill/>
+          </a:ln>
+        </p:spPr>
+        <p:txBody>
+          <a:bodyPr spcFirstLastPara="1" wrap="square" lIns="91425" tIns="91425" rIns="91425" bIns="91425" anchor="t" anchorCtr="0">
+            <a:noAutofit/>
+          </a:bodyPr>
+          <a:lstStyle/>
+          <a:p>
+            <a:pPr marL="0" lvl="0" indent="0" algn="l" rtl="0">
+              <a:lnSpc>
+                <a:spcPct val="100000"/>
+              </a:lnSpc>
+              <a:spcBef>
+                <a:spcPts val="0"/>
+              </a:spcBef>
+              <a:spcAft>
+                <a:spcPts val="0"/>
+              </a:spcAft>
+              <a:buSzPts val="1400"/>
+              <a:buNone/>
+            </a:pPr>
+            <a:endParaRPr/>
+          </a:p>
+        </p:txBody>
+      </p:sp>
+    </p:spTree>
+    <p:extLst>
+      <p:ext uri="{BB962C8B-B14F-4D97-AF65-F5344CB8AC3E}">
+        <p14:creationId xmlns:p14="http://schemas.microsoft.com/office/powerpoint/2010/main" val="3008690571"/>
+      </p:ext>
+    </p:extLst>
+  </p:cSld>
+  <p:clrMapOvr>
+    <a:masterClrMapping/>
+  </p:clrMapOvr>
+</p:notes>
+</file>
+
+<file path=ppt/notesSlides/notesSlide43.xml><?xml version="1.0" encoding="utf-8"?>
 <p:notes xmlns:a="http://schemas.openxmlformats.org/drawingml/2006/main" xmlns:r="http://schemas.openxmlformats.org/officeDocument/2006/relationships" xmlns:p="http://schemas.openxmlformats.org/presentationml/2006/main" showMasterSp="0" showMasterPhAnim="0">
   <p:cSld>
     <p:spTree>
@@ -13544,22 +13800,413 @@
               <a:buNone/>
             </a:pPr>
             <a:r>
-              <a:rPr lang="en"/>
-              <a:t>BANK CHURN PREDICTOR (</a:t>
+              <a:rPr lang="en" dirty="0"/>
+              <a:t>CREDIT CARD CHURN PREDICTOR </a:t>
+            </a:r>
+            <a:br>
+              <a:rPr lang="en" dirty="0"/>
+            </a:br>
+            <a:br>
+              <a:rPr lang="en" dirty="0"/>
+            </a:br>
+            <a:endParaRPr dirty="0"/>
+          </a:p>
+        </p:txBody>
+      </p:sp>
+      <p:sp>
+        <p:nvSpPr>
+          <p:cNvPr id="3" name="Google Shape;117;p4">
+            <a:extLst>
+              <a:ext uri="{FF2B5EF4-FFF2-40B4-BE49-F238E27FC236}">
+                <a16:creationId xmlns:a16="http://schemas.microsoft.com/office/drawing/2014/main" id="{D063D803-928E-41C1-80BF-4DCC626ECDEE}"/>
+              </a:ext>
+            </a:extLst>
+          </p:cNvPr>
+          <p:cNvSpPr txBox="1">
+            <a:spLocks/>
+          </p:cNvSpPr>
+          <p:nvPr/>
+        </p:nvSpPr>
+        <p:spPr>
+          <a:xfrm>
+            <a:off x="1374593" y="3780440"/>
+            <a:ext cx="6927900" cy="1096359"/>
+          </a:xfrm>
+          <a:prstGeom prst="rect">
+            <a:avLst/>
+          </a:prstGeom>
+          <a:noFill/>
+          <a:ln>
+            <a:noFill/>
+          </a:ln>
+        </p:spPr>
+        <p:txBody>
+          <a:bodyPr spcFirstLastPara="1" wrap="square" lIns="91425" tIns="91425" rIns="91425" bIns="91425" anchor="t" anchorCtr="0">
+            <a:noAutofit/>
+          </a:bodyPr>
+          <a:lstStyle>
+            <a:defPPr marR="0" lvl="0" algn="l" rtl="0">
+              <a:lnSpc>
+                <a:spcPct val="100000"/>
+              </a:lnSpc>
+              <a:spcBef>
+                <a:spcPts val="0"/>
+              </a:spcBef>
+              <a:spcAft>
+                <a:spcPts val="0"/>
+              </a:spcAft>
+            </a:defPPr>
+            <a:lvl1pPr marR="0" lvl="0" algn="l" rtl="0">
+              <a:lnSpc>
+                <a:spcPct val="100000"/>
+              </a:lnSpc>
+              <a:spcBef>
+                <a:spcPts val="0"/>
+              </a:spcBef>
+              <a:spcAft>
+                <a:spcPts val="0"/>
+              </a:spcAft>
+              <a:buClr>
+                <a:srgbClr val="000000"/>
+              </a:buClr>
+              <a:buFont typeface="Arial"/>
+              <a:defRPr sz="1400" b="0" i="0" u="none" strike="noStrike" cap="none">
+                <a:solidFill>
+                  <a:srgbClr val="000000"/>
+                </a:solidFill>
+                <a:latin typeface="Arial"/>
+                <a:ea typeface="Arial"/>
+                <a:cs typeface="Arial"/>
+                <a:sym typeface="Arial"/>
+              </a:defRPr>
+            </a:lvl1pPr>
+            <a:lvl2pPr marR="0" lvl="1" algn="l" rtl="0">
+              <a:lnSpc>
+                <a:spcPct val="100000"/>
+              </a:lnSpc>
+              <a:spcBef>
+                <a:spcPts val="0"/>
+              </a:spcBef>
+              <a:spcAft>
+                <a:spcPts val="0"/>
+              </a:spcAft>
+              <a:buClr>
+                <a:srgbClr val="000000"/>
+              </a:buClr>
+              <a:buFont typeface="Arial"/>
+              <a:defRPr sz="1400" b="0" i="0" u="none" strike="noStrike" cap="none">
+                <a:solidFill>
+                  <a:srgbClr val="000000"/>
+                </a:solidFill>
+                <a:latin typeface="Arial"/>
+                <a:ea typeface="Arial"/>
+                <a:cs typeface="Arial"/>
+                <a:sym typeface="Arial"/>
+              </a:defRPr>
+            </a:lvl2pPr>
+            <a:lvl3pPr marR="0" lvl="2" algn="l" rtl="0">
+              <a:lnSpc>
+                <a:spcPct val="100000"/>
+              </a:lnSpc>
+              <a:spcBef>
+                <a:spcPts val="0"/>
+              </a:spcBef>
+              <a:spcAft>
+                <a:spcPts val="0"/>
+              </a:spcAft>
+              <a:buClr>
+                <a:srgbClr val="000000"/>
+              </a:buClr>
+              <a:buFont typeface="Arial"/>
+              <a:defRPr sz="1400" b="0" i="0" u="none" strike="noStrike" cap="none">
+                <a:solidFill>
+                  <a:srgbClr val="000000"/>
+                </a:solidFill>
+                <a:latin typeface="Arial"/>
+                <a:ea typeface="Arial"/>
+                <a:cs typeface="Arial"/>
+                <a:sym typeface="Arial"/>
+              </a:defRPr>
+            </a:lvl3pPr>
+            <a:lvl4pPr marR="0" lvl="3" algn="l" rtl="0">
+              <a:lnSpc>
+                <a:spcPct val="100000"/>
+              </a:lnSpc>
+              <a:spcBef>
+                <a:spcPts val="0"/>
+              </a:spcBef>
+              <a:spcAft>
+                <a:spcPts val="0"/>
+              </a:spcAft>
+              <a:buClr>
+                <a:srgbClr val="000000"/>
+              </a:buClr>
+              <a:buFont typeface="Arial"/>
+              <a:defRPr sz="1400" b="0" i="0" u="none" strike="noStrike" cap="none">
+                <a:solidFill>
+                  <a:srgbClr val="000000"/>
+                </a:solidFill>
+                <a:latin typeface="Arial"/>
+                <a:ea typeface="Arial"/>
+                <a:cs typeface="Arial"/>
+                <a:sym typeface="Arial"/>
+              </a:defRPr>
+            </a:lvl4pPr>
+            <a:lvl5pPr marR="0" lvl="4" algn="l" rtl="0">
+              <a:lnSpc>
+                <a:spcPct val="100000"/>
+              </a:lnSpc>
+              <a:spcBef>
+                <a:spcPts val="0"/>
+              </a:spcBef>
+              <a:spcAft>
+                <a:spcPts val="0"/>
+              </a:spcAft>
+              <a:buClr>
+                <a:srgbClr val="000000"/>
+              </a:buClr>
+              <a:buFont typeface="Arial"/>
+              <a:defRPr sz="1400" b="0" i="0" u="none" strike="noStrike" cap="none">
+                <a:solidFill>
+                  <a:srgbClr val="000000"/>
+                </a:solidFill>
+                <a:latin typeface="Arial"/>
+                <a:ea typeface="Arial"/>
+                <a:cs typeface="Arial"/>
+                <a:sym typeface="Arial"/>
+              </a:defRPr>
+            </a:lvl5pPr>
+            <a:lvl6pPr marR="0" lvl="5" algn="l" rtl="0">
+              <a:lnSpc>
+                <a:spcPct val="100000"/>
+              </a:lnSpc>
+              <a:spcBef>
+                <a:spcPts val="0"/>
+              </a:spcBef>
+              <a:spcAft>
+                <a:spcPts val="0"/>
+              </a:spcAft>
+              <a:buClr>
+                <a:srgbClr val="000000"/>
+              </a:buClr>
+              <a:buFont typeface="Arial"/>
+              <a:defRPr sz="1400" b="0" i="0" u="none" strike="noStrike" cap="none">
+                <a:solidFill>
+                  <a:srgbClr val="000000"/>
+                </a:solidFill>
+                <a:latin typeface="Arial"/>
+                <a:ea typeface="Arial"/>
+                <a:cs typeface="Arial"/>
+                <a:sym typeface="Arial"/>
+              </a:defRPr>
+            </a:lvl6pPr>
+            <a:lvl7pPr marR="0" lvl="6" algn="l" rtl="0">
+              <a:lnSpc>
+                <a:spcPct val="100000"/>
+              </a:lnSpc>
+              <a:spcBef>
+                <a:spcPts val="0"/>
+              </a:spcBef>
+              <a:spcAft>
+                <a:spcPts val="0"/>
+              </a:spcAft>
+              <a:buClr>
+                <a:srgbClr val="000000"/>
+              </a:buClr>
+              <a:buFont typeface="Arial"/>
+              <a:defRPr sz="1400" b="0" i="0" u="none" strike="noStrike" cap="none">
+                <a:solidFill>
+                  <a:srgbClr val="000000"/>
+                </a:solidFill>
+                <a:latin typeface="Arial"/>
+                <a:ea typeface="Arial"/>
+                <a:cs typeface="Arial"/>
+                <a:sym typeface="Arial"/>
+              </a:defRPr>
+            </a:lvl7pPr>
+            <a:lvl8pPr marR="0" lvl="7" algn="l" rtl="0">
+              <a:lnSpc>
+                <a:spcPct val="100000"/>
+              </a:lnSpc>
+              <a:spcBef>
+                <a:spcPts val="0"/>
+              </a:spcBef>
+              <a:spcAft>
+                <a:spcPts val="0"/>
+              </a:spcAft>
+              <a:buClr>
+                <a:srgbClr val="000000"/>
+              </a:buClr>
+              <a:buFont typeface="Arial"/>
+              <a:defRPr sz="1400" b="0" i="0" u="none" strike="noStrike" cap="none">
+                <a:solidFill>
+                  <a:srgbClr val="000000"/>
+                </a:solidFill>
+                <a:latin typeface="Arial"/>
+                <a:ea typeface="Arial"/>
+                <a:cs typeface="Arial"/>
+                <a:sym typeface="Arial"/>
+              </a:defRPr>
+            </a:lvl8pPr>
+            <a:lvl9pPr marR="0" lvl="8" algn="l" rtl="0">
+              <a:lnSpc>
+                <a:spcPct val="100000"/>
+              </a:lnSpc>
+              <a:spcBef>
+                <a:spcPts val="0"/>
+              </a:spcBef>
+              <a:spcAft>
+                <a:spcPts val="0"/>
+              </a:spcAft>
+              <a:buClr>
+                <a:srgbClr val="000000"/>
+              </a:buClr>
+              <a:buFont typeface="Arial"/>
+              <a:defRPr sz="1400" b="0" i="0" u="none" strike="noStrike" cap="none">
+                <a:solidFill>
+                  <a:srgbClr val="000000"/>
+                </a:solidFill>
+                <a:latin typeface="Arial"/>
+                <a:ea typeface="Arial"/>
+                <a:cs typeface="Arial"/>
+                <a:sym typeface="Arial"/>
+              </a:defRPr>
+            </a:lvl9pPr>
+          </a:lstStyle>
+          <a:p>
+            <a:pPr>
+              <a:buSzPts val="1800"/>
+            </a:pPr>
+            <a:r>
+              <a:rPr lang="en-US" sz="1100" dirty="0">
+                <a:solidFill>
+                  <a:schemeClr val="bg1"/>
+                </a:solidFill>
+                <a:latin typeface="Quicksand" panose="020B0604020202020204" charset="0"/>
+              </a:rPr>
+              <a:t>Diana </a:t>
             </a:r>
             <a:r>
-              <a:rPr lang="en">
-                <a:highlight>
-                  <a:srgbClr val="FFFF00"/>
-                </a:highlight>
+              <a:rPr lang="en-US" sz="1100" dirty="0" err="1">
+                <a:solidFill>
+                  <a:schemeClr val="bg1"/>
+                </a:solidFill>
+                <a:latin typeface="Quicksand" panose="020B0604020202020204" charset="0"/>
               </a:rPr>
-              <a:t>WORKING TITLE</a:t>
+              <a:t>Madonko</a:t>
+            </a:r>
+            <a:endParaRPr lang="en-US" sz="1100" dirty="0">
+              <a:solidFill>
+                <a:schemeClr val="bg1"/>
+              </a:solidFill>
+              <a:latin typeface="Quicksand" panose="020B0604020202020204" charset="0"/>
+            </a:endParaRPr>
+          </a:p>
+          <a:p>
+            <a:pPr>
+              <a:buSzPts val="1800"/>
+            </a:pPr>
+            <a:r>
+              <a:rPr lang="en-US" sz="1100" dirty="0">
+                <a:solidFill>
+                  <a:schemeClr val="bg1"/>
+                </a:solidFill>
+                <a:latin typeface="Quicksand" panose="020B0604020202020204" charset="0"/>
+              </a:rPr>
+              <a:t>Franz Kiel</a:t>
+            </a:r>
+          </a:p>
+          <a:p>
+            <a:pPr>
+              <a:buSzPts val="1800"/>
+            </a:pPr>
+            <a:r>
+              <a:rPr lang="en-US" sz="1100" dirty="0">
+                <a:solidFill>
+                  <a:schemeClr val="bg1"/>
+                </a:solidFill>
+                <a:latin typeface="Quicksand" panose="020B0604020202020204" charset="0"/>
+              </a:rPr>
+              <a:t>Jason Sutton</a:t>
+            </a:r>
+          </a:p>
+          <a:p>
+            <a:pPr>
+              <a:buSzPts val="1800"/>
+            </a:pPr>
+            <a:r>
+              <a:rPr lang="en-US" sz="1100" dirty="0" err="1">
+                <a:solidFill>
+                  <a:schemeClr val="bg1"/>
+                </a:solidFill>
+                <a:latin typeface="Quicksand" panose="020B0604020202020204" charset="0"/>
+              </a:rPr>
+              <a:t>Swobabika</a:t>
             </a:r>
             <a:r>
-              <a:rPr lang="en"/>
-              <a:t>)</a:t>
+              <a:rPr lang="en-US" sz="1100" dirty="0">
+                <a:solidFill>
+                  <a:schemeClr val="bg1"/>
+                </a:solidFill>
+                <a:latin typeface="Quicksand" panose="020B0604020202020204" charset="0"/>
+              </a:rPr>
+              <a:t> Jena</a:t>
             </a:r>
-            <a:endParaRPr/>
+          </a:p>
+          <a:p>
+            <a:pPr>
+              <a:buSzPts val="1800"/>
+            </a:pPr>
+            <a:r>
+              <a:rPr lang="en-US" sz="1100" dirty="0">
+                <a:solidFill>
+                  <a:schemeClr val="bg1"/>
+                </a:solidFill>
+                <a:latin typeface="Quicksand" panose="020B0604020202020204" charset="0"/>
+              </a:rPr>
+              <a:t>Thomas </a:t>
+            </a:r>
+            <a:r>
+              <a:rPr lang="en-US" sz="1100" dirty="0" err="1">
+                <a:solidFill>
+                  <a:schemeClr val="bg1"/>
+                </a:solidFill>
+                <a:latin typeface="Quicksand" panose="020B0604020202020204" charset="0"/>
+              </a:rPr>
+              <a:t>Maina</a:t>
+            </a:r>
+            <a:endParaRPr lang="en-US" sz="1100" dirty="0">
+              <a:solidFill>
+                <a:schemeClr val="bg1"/>
+              </a:solidFill>
+              <a:latin typeface="Quicksand" panose="020B0604020202020204" charset="0"/>
+            </a:endParaRPr>
+          </a:p>
+          <a:p>
+            <a:pPr>
+              <a:buSzPts val="1800"/>
+            </a:pPr>
+            <a:r>
+              <a:rPr lang="en-US" sz="1100" dirty="0">
+                <a:solidFill>
+                  <a:schemeClr val="bg1"/>
+                </a:solidFill>
+                <a:latin typeface="Quicksand" panose="020B0604020202020204" charset="0"/>
+              </a:rPr>
+              <a:t>Will Bobzin</a:t>
+            </a:r>
+          </a:p>
+          <a:p>
+            <a:pPr>
+              <a:buSzPts val="1800"/>
+            </a:pPr>
+            <a:endParaRPr lang="en-US" dirty="0"/>
+          </a:p>
+          <a:p>
+            <a:pPr>
+              <a:buSzPts val="1800"/>
+            </a:pPr>
+            <a:endParaRPr lang="en-US" dirty="0"/>
           </a:p>
         </p:txBody>
       </p:sp>
@@ -16870,9 +17517,16 @@
             </a:pPr>
             <a:r>
               <a:rPr lang="en" dirty="0"/>
-              <a:t>Exploration Outcomes– Pre-processing</a:t>
+              <a:t>Exploration Outcomes– Conclusions</a:t>
             </a:r>
-            <a:endParaRPr dirty="0"/>
+            <a:endParaRPr dirty="0">
+              <a:solidFill>
+                <a:srgbClr val="FF0000"/>
+              </a:solidFill>
+              <a:highlight>
+                <a:srgbClr val="FFFF00"/>
+              </a:highlight>
+            </a:endParaRPr>
           </a:p>
         </p:txBody>
       </p:sp>
@@ -16923,35 +17577,6 @@
               <a:t>22</a:t>
             </a:fld>
             <a:endParaRPr/>
-          </a:p>
-        </p:txBody>
-      </p:sp>
-      <p:sp>
-        <p:nvSpPr>
-          <p:cNvPr id="3" name="Text Placeholder 2">
-            <a:extLst>
-              <a:ext uri="{FF2B5EF4-FFF2-40B4-BE49-F238E27FC236}">
-                <a16:creationId xmlns:a16="http://schemas.microsoft.com/office/drawing/2014/main" id="{82B5621D-EAE7-473A-936C-3B03B8103DE8}"/>
-              </a:ext>
-            </a:extLst>
-          </p:cNvPr>
-          <p:cNvSpPr>
-            <a:spLocks noGrp="1"/>
-          </p:cNvSpPr>
-          <p:nvPr>
-            <p:ph type="body" idx="1"/>
-          </p:nvPr>
-        </p:nvSpPr>
-        <p:spPr/>
-        <p:txBody>
-          <a:bodyPr/>
-          <a:lstStyle/>
-          <a:p>
-            <a:r>
-              <a:rPr lang="en-US" dirty="0"/>
-              <a:t>21 Columns </a:t>
-            </a:r>
-            <a:endParaRPr lang="en-AU" dirty="0"/>
           </a:p>
         </p:txBody>
       </p:sp>
@@ -16973,13 +17598,108 @@
         </p:nvSpPr>
         <p:spPr>
           <a:xfrm>
-            <a:off x="3692249" y="1192298"/>
-            <a:ext cx="5204796" cy="3670500"/>
+            <a:off x="997527" y="1192298"/>
+            <a:ext cx="7899518" cy="3670500"/>
           </a:xfrm>
         </p:spPr>
         <p:txBody>
           <a:bodyPr/>
           <a:lstStyle/>
+          <a:p>
+            <a:r>
+              <a:rPr lang="en-US" dirty="0"/>
+              <a:t>‘</a:t>
+            </a:r>
+            <a:r>
+              <a:rPr lang="en-US" b="1" dirty="0" err="1"/>
+              <a:t>Credit_Limit</a:t>
+            </a:r>
+            <a:r>
+              <a:rPr lang="en-US" dirty="0"/>
+              <a:t>’ and </a:t>
+            </a:r>
+            <a:r>
+              <a:rPr lang="en-US" b="1" dirty="0"/>
+              <a:t>‘</a:t>
+            </a:r>
+            <a:r>
+              <a:rPr lang="en-US" b="1" dirty="0" err="1"/>
+              <a:t>Avg_Open_To_buy</a:t>
+            </a:r>
+            <a:r>
+              <a:rPr lang="en-US" dirty="0"/>
+              <a:t>’ columns have a perfect positive linear correlation of almost 1, hence we decided to retain ‘</a:t>
+            </a:r>
+            <a:r>
+              <a:rPr lang="en-US" b="1" dirty="0" err="1"/>
+              <a:t>Avg_Open_To_buy</a:t>
+            </a:r>
+            <a:r>
+              <a:rPr lang="en-US" b="1" dirty="0"/>
+              <a:t>’ </a:t>
+            </a:r>
+            <a:r>
+              <a:rPr lang="en-US" dirty="0"/>
+              <a:t>column only</a:t>
+            </a:r>
+          </a:p>
+          <a:p>
+            <a:endParaRPr lang="en-US" dirty="0"/>
+          </a:p>
+          <a:p>
+            <a:r>
+              <a:rPr lang="en-US" dirty="0"/>
+              <a:t> 2.   ‘</a:t>
+            </a:r>
+            <a:r>
+              <a:rPr lang="en-US" b="1" dirty="0" err="1"/>
+              <a:t>Total_Trans_amt</a:t>
+            </a:r>
+            <a:r>
+              <a:rPr lang="en-US" dirty="0"/>
+              <a:t>’ and ‘</a:t>
+            </a:r>
+            <a:r>
+              <a:rPr lang="en-US" b="1" dirty="0" err="1"/>
+              <a:t>Total_Trans_c</a:t>
+            </a:r>
+            <a:r>
+              <a:rPr lang="en-US" dirty="0" err="1"/>
+              <a:t>t</a:t>
+            </a:r>
+            <a:r>
+              <a:rPr lang="en-US" dirty="0"/>
+              <a:t>’ have a strong positive linear correlation of 0.81 . The way we dealt with it was to perform  ‘</a:t>
+            </a:r>
+            <a:r>
+              <a:rPr lang="en-US" b="1" dirty="0" err="1"/>
+              <a:t>Total_Trans_amt</a:t>
+            </a:r>
+            <a:r>
+              <a:rPr lang="en-US" dirty="0"/>
+              <a:t>’/‘</a:t>
+            </a:r>
+            <a:r>
+              <a:rPr lang="en-US" b="1" dirty="0" err="1"/>
+              <a:t>Total_Trans_ct</a:t>
+            </a:r>
+            <a:r>
+              <a:rPr lang="en-US" dirty="0"/>
+              <a:t>’ to get a new column </a:t>
+            </a:r>
+            <a:r>
+              <a:rPr lang="en-US" b="1" dirty="0"/>
+              <a:t>'</a:t>
+            </a:r>
+            <a:r>
+              <a:rPr lang="en-US" b="1" dirty="0" err="1"/>
+              <a:t>Amt_per_Trans</a:t>
+            </a:r>
+            <a:r>
+              <a:rPr lang="en-US" dirty="0"/>
+              <a:t>'.</a:t>
+            </a:r>
+          </a:p>
           <a:p>
             <a:endParaRPr lang="en-AU" dirty="0"/>
           </a:p>
@@ -17061,7 +17781,11 @@
               <a:rPr lang="en" dirty="0"/>
               <a:t>Exploration Outcomes– Pre-processing</a:t>
             </a:r>
-            <a:endParaRPr dirty="0"/>
+            <a:endParaRPr dirty="0">
+              <a:highlight>
+                <a:srgbClr val="FFFF00"/>
+              </a:highlight>
+            </a:endParaRPr>
           </a:p>
         </p:txBody>
       </p:sp>
@@ -17131,53 +17855,181 @@
             <p:ph type="body" idx="1"/>
           </p:nvPr>
         </p:nvSpPr>
-        <p:spPr/>
+        <p:spPr>
+          <a:xfrm>
+            <a:off x="1089274" y="894649"/>
+            <a:ext cx="6648489" cy="3670500"/>
+          </a:xfrm>
+        </p:spPr>
         <p:txBody>
           <a:bodyPr/>
           <a:lstStyle/>
           <a:p>
             <a:r>
+              <a:rPr lang="en-AU" dirty="0"/>
+              <a:t>Ordinal and non-ordinal categorical features</a:t>
+            </a:r>
+          </a:p>
+          <a:p>
+            <a:r>
               <a:rPr lang="en-US" dirty="0"/>
-              <a:t>21 Columns </a:t>
+              <a:t>Split data into X (features) and Y (classes)</a:t>
             </a:r>
-            <a:endParaRPr lang="en-AU" dirty="0"/>
+          </a:p>
+          <a:p>
+            <a:r>
+              <a:rPr lang="en-US" dirty="0"/>
+              <a:t>Split data into Train and Test data</a:t>
+            </a:r>
+          </a:p>
+          <a:p>
+            <a:r>
+              <a:rPr lang="en-US" dirty="0"/>
+              <a:t>Label Encoding Y classes</a:t>
+            </a:r>
+            <a:br>
+              <a:rPr lang="en-US" dirty="0"/>
+            </a:br>
+            <a:r>
+              <a:rPr lang="en-US" dirty="0"/>
+              <a:t>One-hot encoding</a:t>
+            </a:r>
+          </a:p>
+          <a:p>
+            <a:endParaRPr lang="en-AU" i="1" dirty="0"/>
           </a:p>
         </p:txBody>
       </p:sp>
-      <p:sp>
-        <p:nvSpPr>
-          <p:cNvPr id="5" name="Text Placeholder 4">
+      <p:pic>
+        <p:nvPicPr>
+          <p:cNvPr id="7" name="Picture 6">
             <a:extLst>
               <a:ext uri="{FF2B5EF4-FFF2-40B4-BE49-F238E27FC236}">
-                <a16:creationId xmlns:a16="http://schemas.microsoft.com/office/drawing/2014/main" id="{5E9DA403-B198-450B-BC0B-BE9A08BD9116}"/>
+                <a16:creationId xmlns:a16="http://schemas.microsoft.com/office/drawing/2014/main" id="{3DC346FA-2361-4D60-A891-44FAA5949526}"/>
               </a:ext>
             </a:extLst>
           </p:cNvPr>
-          <p:cNvSpPr>
-            <a:spLocks noGrp="1"/>
-          </p:cNvSpPr>
-          <p:nvPr>
-            <p:ph type="body" idx="2"/>
-          </p:nvPr>
+          <p:cNvPicPr>
+            <a:picLocks noChangeAspect="1"/>
+          </p:cNvPicPr>
+          <p:nvPr/>
+        </p:nvPicPr>
+        <p:blipFill>
+          <a:blip r:embed="rId3"/>
+          <a:stretch>
+            <a:fillRect/>
+          </a:stretch>
+        </p:blipFill>
+        <p:spPr>
+          <a:xfrm>
+            <a:off x="1166792" y="3169320"/>
+            <a:ext cx="3405208" cy="1395829"/>
+          </a:xfrm>
+          <a:prstGeom prst="rect">
+            <a:avLst/>
+          </a:prstGeom>
+        </p:spPr>
+      </p:pic>
+      <p:pic>
+        <p:nvPicPr>
+          <p:cNvPr id="9" name="Picture 8">
+            <a:extLst>
+              <a:ext uri="{FF2B5EF4-FFF2-40B4-BE49-F238E27FC236}">
+                <a16:creationId xmlns:a16="http://schemas.microsoft.com/office/drawing/2014/main" id="{A65E52CA-2164-4587-936A-B0DFF9E65B37}"/>
+              </a:ext>
+            </a:extLst>
+          </p:cNvPr>
+          <p:cNvPicPr>
+            <a:picLocks noChangeAspect="1"/>
+          </p:cNvPicPr>
+          <p:nvPr/>
+        </p:nvPicPr>
+        <p:blipFill>
+          <a:blip r:embed="rId4"/>
+          <a:stretch>
+            <a:fillRect/>
+          </a:stretch>
+        </p:blipFill>
+        <p:spPr>
+          <a:xfrm>
+            <a:off x="4649518" y="3169320"/>
+            <a:ext cx="4101401" cy="1395829"/>
+          </a:xfrm>
+          <a:prstGeom prst="rect">
+            <a:avLst/>
+          </a:prstGeom>
+        </p:spPr>
+      </p:pic>
+      <p:sp>
+        <p:nvSpPr>
+          <p:cNvPr id="10" name="TextBox 9">
+            <a:extLst>
+              <a:ext uri="{FF2B5EF4-FFF2-40B4-BE49-F238E27FC236}">
+                <a16:creationId xmlns:a16="http://schemas.microsoft.com/office/drawing/2014/main" id="{3C776D38-9B49-4655-BE7C-0864F0CFBDF8}"/>
+              </a:ext>
+            </a:extLst>
+          </p:cNvPr>
+          <p:cNvSpPr txBox="1"/>
+          <p:nvPr/>
         </p:nvSpPr>
         <p:spPr>
           <a:xfrm>
-            <a:off x="3692249" y="1192298"/>
-            <a:ext cx="5204796" cy="3670500"/>
-          </a:xfrm>
+            <a:off x="1089274" y="2799988"/>
+            <a:ext cx="6599386" cy="369332"/>
+          </a:xfrm>
+          <a:prstGeom prst="rect">
+            <a:avLst/>
+          </a:prstGeom>
+          <a:noFill/>
         </p:spPr>
         <p:txBody>
-          <a:bodyPr/>
+          <a:bodyPr wrap="square" rtlCol="0">
+            <a:spAutoFit/>
+          </a:bodyPr>
           <a:lstStyle/>
           <a:p>
-            <a:endParaRPr lang="en-AU" dirty="0"/>
+            <a:r>
+              <a:rPr lang="en-US" sz="1800" dirty="0">
+                <a:solidFill>
+                  <a:schemeClr val="lt1"/>
+                </a:solidFill>
+                <a:latin typeface="Quicksand"/>
+                <a:sym typeface="Quicksand"/>
+              </a:rPr>
+              <a:t>Before   </a:t>
+            </a:r>
+            <a:r>
+              <a:rPr lang="en-US" dirty="0">
+                <a:solidFill>
+                  <a:schemeClr val="bg1"/>
+                </a:solidFill>
+              </a:rPr>
+              <a:t>                                                     </a:t>
+            </a:r>
+            <a:r>
+              <a:rPr lang="en-US" sz="1800" dirty="0">
+                <a:solidFill>
+                  <a:schemeClr val="lt1"/>
+                </a:solidFill>
+                <a:latin typeface="Quicksand"/>
+                <a:sym typeface="Quicksand"/>
+              </a:rPr>
+              <a:t>After</a:t>
+            </a:r>
+            <a:endParaRPr lang="en-AU" sz="1800" dirty="0">
+              <a:solidFill>
+                <a:schemeClr val="lt1"/>
+              </a:solidFill>
+              <a:latin typeface="Quicksand"/>
+              <a:sym typeface="Quicksand"/>
+            </a:endParaRPr>
           </a:p>
         </p:txBody>
       </p:sp>
     </p:spTree>
     <p:extLst>
       <p:ext uri="{BB962C8B-B14F-4D97-AF65-F5344CB8AC3E}">
-        <p14:creationId xmlns:p14="http://schemas.microsoft.com/office/powerpoint/2010/main" val="2248986264"/>
+        <p14:creationId xmlns:p14="http://schemas.microsoft.com/office/powerpoint/2010/main" val="280370574"/>
       </p:ext>
     </p:extLst>
   </p:cSld>
@@ -17188,7 +18040,7 @@
 </file>
 
 <file path=ppt/slides/slide24.xml><?xml version="1.0" encoding="utf-8"?>
-<p:sld xmlns:a="http://schemas.openxmlformats.org/drawingml/2006/main" xmlns:r="http://schemas.openxmlformats.org/officeDocument/2006/relationships" xmlns:p="http://schemas.openxmlformats.org/presentationml/2006/main">
+<p:sld xmlns:a="http://schemas.openxmlformats.org/drawingml/2006/main" xmlns:r="http://schemas.openxmlformats.org/officeDocument/2006/relationships" xmlns:p="http://schemas.openxmlformats.org/presentationml/2006/main" show="0">
   <p:cSld>
     <p:spTree>
       <p:nvGrpSpPr>
@@ -17450,7 +18302,7 @@
         <p:spPr>
           <a:xfrm>
             <a:off x="1530175" y="2307788"/>
-            <a:ext cx="6767100" cy="532200"/>
+            <a:ext cx="6992982" cy="532200"/>
           </a:xfrm>
           <a:prstGeom prst="rect">
             <a:avLst/>
@@ -17481,7 +18333,7 @@
             </a:pPr>
             <a:r>
               <a:rPr lang="en" dirty="0"/>
-              <a:t>Machine Model Development</a:t>
+              <a:t>Machine Learning Model Development</a:t>
             </a:r>
             <a:endParaRPr dirty="0"/>
           </a:p>
@@ -17695,8 +18547,8 @@
         </p:nvSpPr>
         <p:spPr>
           <a:xfrm>
-            <a:off x="1165475" y="1174117"/>
-            <a:ext cx="3306900" cy="3725700"/>
+            <a:off x="1165474" y="1174117"/>
+            <a:ext cx="6987925" cy="3725700"/>
           </a:xfrm>
           <a:prstGeom prst="rect">
             <a:avLst/>
@@ -17727,7 +18579,7 @@
             </a:pPr>
             <a:r>
               <a:rPr lang="en-US" b="1" dirty="0"/>
-              <a:t>Model creation</a:t>
+              <a:t>Models</a:t>
             </a:r>
             <a:endParaRPr b="1" dirty="0"/>
           </a:p>
@@ -17747,7 +18599,7 @@
             </a:pPr>
             <a:r>
               <a:rPr lang="en-US" dirty="0"/>
-              <a:t>Random Forest</a:t>
+              <a:t>Random Forest – Score 0.962</a:t>
             </a:r>
             <a:endParaRPr dirty="0"/>
           </a:p>
@@ -17767,7 +18619,7 @@
             </a:pPr>
             <a:r>
               <a:rPr lang="en-US" dirty="0"/>
-              <a:t>Logistic Regression</a:t>
+              <a:t>Logistic Regression – Score 0.88</a:t>
             </a:r>
           </a:p>
           <a:p>
@@ -17792,7 +18644,26 @@
               <a:rPr lang="en-US" dirty="0" err="1"/>
               <a:t>Neighbour</a:t>
             </a:r>
-            <a:endParaRPr dirty="0"/>
+            <a:r>
+              <a:rPr lang="en-US" dirty="0"/>
+              <a:t> – Score 0.9</a:t>
+            </a:r>
+          </a:p>
+          <a:p>
+            <a:pPr marL="342900" lvl="0" indent="-342900" algn="l" rtl="0">
+              <a:lnSpc>
+                <a:spcPct val="100000"/>
+              </a:lnSpc>
+              <a:spcBef>
+                <a:spcPts val="600"/>
+              </a:spcBef>
+              <a:spcAft>
+                <a:spcPts val="0"/>
+              </a:spcAft>
+              <a:buSzPts val="2000"/>
+              <a:buChar char="◦"/>
+            </a:pPr>
+            <a:endParaRPr lang="en-US" dirty="0"/>
           </a:p>
           <a:p>
             <a:pPr marL="342900" lvl="0" indent="-215900" algn="l" rtl="0">
@@ -17871,140 +18742,13 @@
               <a:buNone/>
             </a:pPr>
             <a:r>
+              <a:rPr lang="en" dirty="0"/>
+              <a:t>Machine Learning Model Development - </a:t>
+            </a:r>
+            <a:r>
               <a:rPr lang="en-US" dirty="0"/>
               <a:t>Modelling Approach </a:t>
             </a:r>
-            <a:endParaRPr dirty="0"/>
-          </a:p>
-        </p:txBody>
-      </p:sp>
-      <p:sp>
-        <p:nvSpPr>
-          <p:cNvPr id="158" name="Google Shape;158;p9"/>
-          <p:cNvSpPr txBox="1">
-            <a:spLocks noGrp="1"/>
-          </p:cNvSpPr>
-          <p:nvPr>
-            <p:ph type="body" idx="2"/>
-          </p:nvPr>
-        </p:nvSpPr>
-        <p:spPr>
-          <a:xfrm>
-            <a:off x="4671570" y="1174117"/>
-            <a:ext cx="3306900" cy="3725700"/>
-          </a:xfrm>
-          <a:prstGeom prst="rect">
-            <a:avLst/>
-          </a:prstGeom>
-          <a:noFill/>
-          <a:ln>
-            <a:noFill/>
-          </a:ln>
-        </p:spPr>
-        <p:txBody>
-          <a:bodyPr spcFirstLastPara="1" wrap="square" lIns="91425" tIns="91425" rIns="91425" bIns="91425" anchor="t" anchorCtr="0">
-            <a:noAutofit/>
-          </a:bodyPr>
-          <a:lstStyle/>
-          <a:p>
-            <a:pPr marL="0" lvl="0" indent="0" algn="l" rtl="0">
-              <a:lnSpc>
-                <a:spcPct val="100000"/>
-              </a:lnSpc>
-              <a:spcBef>
-                <a:spcPts val="600"/>
-              </a:spcBef>
-              <a:spcAft>
-                <a:spcPts val="0"/>
-              </a:spcAft>
-              <a:buSzPts val="2000"/>
-              <a:buNone/>
-            </a:pPr>
-            <a:r>
-              <a:rPr lang="en-US" b="1" dirty="0"/>
-              <a:t>Model Selection</a:t>
-            </a:r>
-            <a:endParaRPr b="1" dirty="0"/>
-          </a:p>
-          <a:p>
-            <a:pPr marL="342900" lvl="0" indent="-342900" algn="l" rtl="0">
-              <a:lnSpc>
-                <a:spcPct val="100000"/>
-              </a:lnSpc>
-              <a:spcBef>
-                <a:spcPts val="600"/>
-              </a:spcBef>
-              <a:spcAft>
-                <a:spcPts val="0"/>
-              </a:spcAft>
-              <a:buSzPts val="2000"/>
-              <a:buChar char="◦"/>
-            </a:pPr>
-            <a:r>
-              <a:rPr lang="en-US" dirty="0"/>
-              <a:t>Achieved Accuracy </a:t>
-            </a:r>
-            <a:endParaRPr dirty="0"/>
-          </a:p>
-          <a:p>
-            <a:pPr marL="342900" lvl="0" indent="-342900" algn="l" rtl="0">
-              <a:lnSpc>
-                <a:spcPct val="100000"/>
-              </a:lnSpc>
-              <a:spcBef>
-                <a:spcPts val="600"/>
-              </a:spcBef>
-              <a:spcAft>
-                <a:spcPts val="0"/>
-              </a:spcAft>
-              <a:buSzPts val="2000"/>
-              <a:buChar char="◦"/>
-            </a:pPr>
-            <a:r>
-              <a:rPr lang="en-AU" dirty="0"/>
-              <a:t>Selection of best option</a:t>
-            </a:r>
-          </a:p>
-          <a:p>
-            <a:pPr marL="342900" lvl="0" indent="-342900" algn="l" rtl="0">
-              <a:lnSpc>
-                <a:spcPct val="100000"/>
-              </a:lnSpc>
-              <a:spcBef>
-                <a:spcPts val="600"/>
-              </a:spcBef>
-              <a:spcAft>
-                <a:spcPts val="0"/>
-              </a:spcAft>
-              <a:buSzPts val="2000"/>
-              <a:buChar char="◦"/>
-            </a:pPr>
-            <a:r>
-              <a:rPr lang="en-AU" dirty="0">
-                <a:solidFill>
-                  <a:srgbClr val="FF0000"/>
-                </a:solidFill>
-                <a:highlight>
-                  <a:srgbClr val="FFFF00"/>
-                </a:highlight>
-              </a:rPr>
-              <a:t>COMMENTS??</a:t>
-            </a:r>
-          </a:p>
-          <a:p>
-            <a:pPr marL="0" lvl="0" indent="0" algn="l" rtl="0">
-              <a:lnSpc>
-                <a:spcPct val="100000"/>
-              </a:lnSpc>
-              <a:spcBef>
-                <a:spcPts val="600"/>
-              </a:spcBef>
-              <a:spcAft>
-                <a:spcPts val="0"/>
-              </a:spcAft>
-              <a:buSzPts val="2000"/>
-              <a:buNone/>
-            </a:pPr>
             <a:endParaRPr dirty="0"/>
           </a:p>
         </p:txBody>
@@ -18073,7 +18817,7 @@
 </file>
 
 <file path=ppt/slides/slide27.xml><?xml version="1.0" encoding="utf-8"?>
-<p:sld xmlns:a="http://schemas.openxmlformats.org/drawingml/2006/main" xmlns:r="http://schemas.openxmlformats.org/officeDocument/2006/relationships" xmlns:p="http://schemas.openxmlformats.org/presentationml/2006/main">
+<p:sld xmlns:a="http://schemas.openxmlformats.org/drawingml/2006/main" xmlns:r="http://schemas.openxmlformats.org/officeDocument/2006/relationships" xmlns:p="http://schemas.openxmlformats.org/presentationml/2006/main" show="0">
   <p:cSld>
     <p:spTree>
       <p:nvGrpSpPr>
@@ -18394,7 +19138,7 @@
 </file>
 
 <file path=ppt/slides/slide28.xml><?xml version="1.0" encoding="utf-8"?>
-<p:sld xmlns:a="http://schemas.openxmlformats.org/drawingml/2006/main" xmlns:r="http://schemas.openxmlformats.org/officeDocument/2006/relationships" xmlns:p="http://schemas.openxmlformats.org/presentationml/2006/main">
+<p:sld xmlns:a="http://schemas.openxmlformats.org/drawingml/2006/main" xmlns:r="http://schemas.openxmlformats.org/officeDocument/2006/relationships" xmlns:p="http://schemas.openxmlformats.org/presentationml/2006/main" show="0">
   <p:cSld>
     <p:spTree>
       <p:nvGrpSpPr>
@@ -18748,7 +19492,7 @@
 </file>
 
 <file path=ppt/slides/slide29.xml><?xml version="1.0" encoding="utf-8"?>
-<p:sld xmlns:a="http://schemas.openxmlformats.org/drawingml/2006/main" xmlns:r="http://schemas.openxmlformats.org/officeDocument/2006/relationships" xmlns:p="http://schemas.openxmlformats.org/presentationml/2006/main">
+<p:sld xmlns:a="http://schemas.openxmlformats.org/drawingml/2006/main" xmlns:r="http://schemas.openxmlformats.org/officeDocument/2006/relationships" xmlns:p="http://schemas.openxmlformats.org/presentationml/2006/main" show="0">
   <p:cSld>
     <p:spTree>
       <p:nvGrpSpPr>
@@ -20621,7 +21365,7 @@
                 <a:cs typeface="Quicksand"/>
                 <a:sym typeface="Quicksand"/>
               </a:rPr>
-              <a:t>Machine learning models development</a:t>
+              <a:t>Machine learning model development</a:t>
             </a:r>
             <a:endParaRPr dirty="0"/>
           </a:p>
@@ -20912,21 +21656,6 @@
               </a:spcAft>
               <a:buNone/>
             </a:pPr>
-            <a:r>
-              <a:rPr lang="en" sz="1400" b="0" i="0" u="none" strike="noStrike" cap="none" dirty="0">
-                <a:solidFill>
-                  <a:srgbClr val="FF0000"/>
-                </a:solidFill>
-                <a:highlight>
-                  <a:srgbClr val="FFFF00"/>
-                </a:highlight>
-                <a:latin typeface="Arial"/>
-                <a:ea typeface="Arial"/>
-                <a:cs typeface="Arial"/>
-                <a:sym typeface="Arial"/>
-              </a:rPr>
-              <a:t>Draft, let me know if you agree</a:t>
-            </a:r>
             <a:endParaRPr dirty="0">
               <a:solidFill>
                 <a:srgbClr val="FF0000"/>
@@ -21004,9 +21733,27 @@
             </a:pPr>
             <a:r>
               <a:rPr lang="en-US" dirty="0"/>
-              <a:t>Modelling Approach - Conclusion </a:t>
+              <a:t>Modelling Approach – Feature Importance </a:t>
             </a:r>
-            <a:endParaRPr dirty="0"/>
+            <a:r>
+              <a:rPr lang="en-US" dirty="0">
+                <a:solidFill>
+                  <a:srgbClr val="FF0000"/>
+                </a:solidFill>
+                <a:highlight>
+                  <a:srgbClr val="FFFF00"/>
+                </a:highlight>
+              </a:rPr>
+              <a:t>JASON</a:t>
+            </a:r>
+            <a:endParaRPr dirty="0">
+              <a:solidFill>
+                <a:srgbClr val="FF0000"/>
+              </a:solidFill>
+              <a:highlight>
+                <a:srgbClr val="FFFF00"/>
+              </a:highlight>
+            </a:endParaRPr>
           </a:p>
         </p:txBody>
       </p:sp>
@@ -21076,7 +21823,7 @@
         </p:nvSpPr>
         <p:spPr>
           <a:xfrm>
-            <a:off x="1165475" y="894649"/>
+            <a:off x="1248602" y="868151"/>
             <a:ext cx="6858000" cy="3725700"/>
           </a:xfrm>
           <a:prstGeom prst="rect">
@@ -21344,6 +22091,468 @@
               <a:buFont typeface="Quicksand"/>
               <a:buNone/>
             </a:pPr>
+            <a:endParaRPr lang="en-US" sz="2400" dirty="0"/>
+          </a:p>
+          <a:p>
+            <a:pPr marL="0" indent="0">
+              <a:buSzPts val="3000"/>
+              <a:buFont typeface="Quicksand"/>
+              <a:buNone/>
+            </a:pPr>
+            <a:endParaRPr lang="en-US" sz="2400" dirty="0"/>
+          </a:p>
+          <a:p>
+            <a:pPr marL="0" indent="0">
+              <a:buSzPts val="3000"/>
+              <a:buFont typeface="Quicksand"/>
+              <a:buNone/>
+            </a:pPr>
+            <a:r>
+              <a:rPr lang="en-US" sz="2400" dirty="0">
+                <a:solidFill>
+                  <a:srgbClr val="FF0000"/>
+                </a:solidFill>
+                <a:highlight>
+                  <a:srgbClr val="FFFF00"/>
+                </a:highlight>
+              </a:rPr>
+              <a:t>PLOT WITH FEATURE IMPORTANCE</a:t>
+            </a:r>
+          </a:p>
+          <a:p>
+            <a:pPr marL="0" indent="0">
+              <a:buSzPts val="3000"/>
+              <a:buFont typeface="Quicksand"/>
+              <a:buNone/>
+            </a:pPr>
+            <a:r>
+              <a:rPr lang="en-US" sz="2400" dirty="0"/>
+              <a:t>This model allows us to confidently make predictions.</a:t>
+            </a:r>
+          </a:p>
+        </p:txBody>
+      </p:sp>
+    </p:spTree>
+    <p:extLst>
+      <p:ext uri="{BB962C8B-B14F-4D97-AF65-F5344CB8AC3E}">
+        <p14:creationId xmlns:p14="http://schemas.microsoft.com/office/powerpoint/2010/main" val="3236178598"/>
+      </p:ext>
+    </p:extLst>
+  </p:cSld>
+  <p:clrMapOvr>
+    <a:masterClrMapping/>
+  </p:clrMapOvr>
+</p:sld>
+</file>
+
+<file path=ppt/slides/slide31.xml><?xml version="1.0" encoding="utf-8"?>
+<p:sld xmlns:a="http://schemas.openxmlformats.org/drawingml/2006/main" xmlns:r="http://schemas.openxmlformats.org/officeDocument/2006/relationships" xmlns:p="http://schemas.openxmlformats.org/presentationml/2006/main">
+  <p:cSld>
+    <p:spTree>
+      <p:nvGrpSpPr>
+        <p:cNvPr id="1" name="Shape 155"/>
+        <p:cNvGrpSpPr/>
+        <p:nvPr/>
+      </p:nvGrpSpPr>
+      <p:grpSpPr>
+        <a:xfrm>
+          <a:off x="0" y="0"/>
+          <a:ext cx="0" cy="0"/>
+          <a:chOff x="0" y="0"/>
+          <a:chExt cx="0" cy="0"/>
+        </a:xfrm>
+      </p:grpSpPr>
+      <p:sp>
+        <p:nvSpPr>
+          <p:cNvPr id="157" name="Google Shape;157;p9"/>
+          <p:cNvSpPr txBox="1">
+            <a:spLocks noGrp="1"/>
+          </p:cNvSpPr>
+          <p:nvPr>
+            <p:ph type="title"/>
+          </p:nvPr>
+        </p:nvSpPr>
+        <p:spPr>
+          <a:xfrm>
+            <a:off x="1165475" y="549649"/>
+            <a:ext cx="6858000" cy="345000"/>
+          </a:xfrm>
+          <a:prstGeom prst="rect">
+            <a:avLst/>
+          </a:prstGeom>
+          <a:noFill/>
+          <a:ln>
+            <a:noFill/>
+          </a:ln>
+        </p:spPr>
+        <p:txBody>
+          <a:bodyPr spcFirstLastPara="1" wrap="square" lIns="91425" tIns="91425" rIns="91425" bIns="91425" anchor="b" anchorCtr="0">
+            <a:noAutofit/>
+          </a:bodyPr>
+          <a:lstStyle/>
+          <a:p>
+            <a:pPr marL="0" lvl="0" indent="0" algn="l" rtl="0">
+              <a:lnSpc>
+                <a:spcPct val="100000"/>
+              </a:lnSpc>
+              <a:spcBef>
+                <a:spcPts val="0"/>
+              </a:spcBef>
+              <a:spcAft>
+                <a:spcPts val="0"/>
+              </a:spcAft>
+              <a:buSzPts val="1800"/>
+              <a:buNone/>
+            </a:pPr>
+            <a:r>
+              <a:rPr lang="en-US" dirty="0"/>
+              <a:t>Modelling Approach - Conclusion</a:t>
+            </a:r>
+            <a:endParaRPr dirty="0">
+              <a:solidFill>
+                <a:srgbClr val="FF0000"/>
+              </a:solidFill>
+              <a:highlight>
+                <a:srgbClr val="FFFF00"/>
+              </a:highlight>
+            </a:endParaRPr>
+          </a:p>
+        </p:txBody>
+      </p:sp>
+      <p:sp>
+        <p:nvSpPr>
+          <p:cNvPr id="159" name="Google Shape;159;p9"/>
+          <p:cNvSpPr txBox="1">
+            <a:spLocks noGrp="1"/>
+          </p:cNvSpPr>
+          <p:nvPr>
+            <p:ph type="sldNum" idx="12"/>
+          </p:nvPr>
+        </p:nvSpPr>
+        <p:spPr>
+          <a:xfrm>
+            <a:off x="8523157" y="4752131"/>
+            <a:ext cx="548700" cy="315300"/>
+          </a:xfrm>
+          <a:prstGeom prst="rect">
+            <a:avLst/>
+          </a:prstGeom>
+          <a:noFill/>
+          <a:ln>
+            <a:noFill/>
+          </a:ln>
+        </p:spPr>
+        <p:txBody>
+          <a:bodyPr spcFirstLastPara="1" wrap="square" lIns="91425" tIns="91425" rIns="91425" bIns="91425" anchor="t" anchorCtr="0">
+            <a:noAutofit/>
+          </a:bodyPr>
+          <a:lstStyle/>
+          <a:p>
+            <a:pPr marL="0" lvl="0" indent="0" algn="r" rtl="0">
+              <a:lnSpc>
+                <a:spcPct val="100000"/>
+              </a:lnSpc>
+              <a:spcBef>
+                <a:spcPts val="0"/>
+              </a:spcBef>
+              <a:spcAft>
+                <a:spcPts val="0"/>
+              </a:spcAft>
+              <a:buSzPts val="1200"/>
+              <a:buNone/>
+            </a:pPr>
+            <a:fld id="{00000000-1234-1234-1234-123412341234}" type="slidenum">
+              <a:rPr lang="en"/>
+              <a:t>31</a:t>
+            </a:fld>
+            <a:endParaRPr/>
+          </a:p>
+        </p:txBody>
+      </p:sp>
+      <p:sp>
+        <p:nvSpPr>
+          <p:cNvPr id="8" name="Google Shape;142;p7">
+            <a:extLst>
+              <a:ext uri="{FF2B5EF4-FFF2-40B4-BE49-F238E27FC236}">
+                <a16:creationId xmlns:a16="http://schemas.microsoft.com/office/drawing/2014/main" id="{7A7DA14E-32F4-439B-9468-6CD4D5E946A9}"/>
+              </a:ext>
+            </a:extLst>
+          </p:cNvPr>
+          <p:cNvSpPr txBox="1">
+            <a:spLocks/>
+          </p:cNvSpPr>
+          <p:nvPr/>
+        </p:nvSpPr>
+        <p:spPr>
+          <a:xfrm>
+            <a:off x="1165475" y="894649"/>
+            <a:ext cx="6858000" cy="3725700"/>
+          </a:xfrm>
+          <a:prstGeom prst="rect">
+            <a:avLst/>
+          </a:prstGeom>
+          <a:noFill/>
+          <a:ln>
+            <a:noFill/>
+          </a:ln>
+        </p:spPr>
+        <p:txBody>
+          <a:bodyPr spcFirstLastPara="1" wrap="square" lIns="91425" tIns="91425" rIns="91425" bIns="91425" anchor="t" anchorCtr="0">
+            <a:noAutofit/>
+          </a:bodyPr>
+          <a:lstStyle>
+            <a:defPPr marR="0" lvl="0" algn="l" rtl="0">
+              <a:lnSpc>
+                <a:spcPct val="100000"/>
+              </a:lnSpc>
+              <a:spcBef>
+                <a:spcPts val="0"/>
+              </a:spcBef>
+              <a:spcAft>
+                <a:spcPts val="0"/>
+              </a:spcAft>
+            </a:defPPr>
+            <a:lvl1pPr marL="457200" marR="0" lvl="0" indent="-355600" algn="l" rtl="0">
+              <a:lnSpc>
+                <a:spcPct val="100000"/>
+              </a:lnSpc>
+              <a:spcBef>
+                <a:spcPts val="600"/>
+              </a:spcBef>
+              <a:spcAft>
+                <a:spcPts val="0"/>
+              </a:spcAft>
+              <a:buClr>
+                <a:schemeClr val="accent1"/>
+              </a:buClr>
+              <a:buSzPts val="2000"/>
+              <a:buFont typeface="Quicksand"/>
+              <a:buChar char="◦"/>
+              <a:defRPr sz="2000" b="0" i="0" u="none" strike="noStrike" cap="none">
+                <a:solidFill>
+                  <a:schemeClr val="lt1"/>
+                </a:solidFill>
+                <a:latin typeface="Quicksand"/>
+                <a:ea typeface="Quicksand"/>
+                <a:cs typeface="Quicksand"/>
+                <a:sym typeface="Quicksand"/>
+              </a:defRPr>
+            </a:lvl1pPr>
+            <a:lvl2pPr marL="914400" marR="0" lvl="1" indent="-355600" algn="l" rtl="0">
+              <a:lnSpc>
+                <a:spcPct val="100000"/>
+              </a:lnSpc>
+              <a:spcBef>
+                <a:spcPts val="0"/>
+              </a:spcBef>
+              <a:spcAft>
+                <a:spcPts val="0"/>
+              </a:spcAft>
+              <a:buClr>
+                <a:schemeClr val="accent1"/>
+              </a:buClr>
+              <a:buSzPts val="2000"/>
+              <a:buFont typeface="Quicksand"/>
+              <a:buChar char="▫"/>
+              <a:defRPr sz="2000" b="0" i="0" u="none" strike="noStrike" cap="none">
+                <a:solidFill>
+                  <a:schemeClr val="lt1"/>
+                </a:solidFill>
+                <a:latin typeface="Quicksand"/>
+                <a:ea typeface="Quicksand"/>
+                <a:cs typeface="Quicksand"/>
+                <a:sym typeface="Quicksand"/>
+              </a:defRPr>
+            </a:lvl2pPr>
+            <a:lvl3pPr marL="1371600" marR="0" lvl="2" indent="-355600" algn="l" rtl="0">
+              <a:lnSpc>
+                <a:spcPct val="100000"/>
+              </a:lnSpc>
+              <a:spcBef>
+                <a:spcPts val="0"/>
+              </a:spcBef>
+              <a:spcAft>
+                <a:spcPts val="0"/>
+              </a:spcAft>
+              <a:buClr>
+                <a:schemeClr val="accent1"/>
+              </a:buClr>
+              <a:buSzPts val="2000"/>
+              <a:buFont typeface="Quicksand"/>
+              <a:buChar char="■"/>
+              <a:defRPr sz="2000" b="0" i="0" u="none" strike="noStrike" cap="none">
+                <a:solidFill>
+                  <a:schemeClr val="lt1"/>
+                </a:solidFill>
+                <a:latin typeface="Quicksand"/>
+                <a:ea typeface="Quicksand"/>
+                <a:cs typeface="Quicksand"/>
+                <a:sym typeface="Quicksand"/>
+              </a:defRPr>
+            </a:lvl3pPr>
+            <a:lvl4pPr marL="1828800" marR="0" lvl="3" indent="-355600" algn="l" rtl="0">
+              <a:lnSpc>
+                <a:spcPct val="100000"/>
+              </a:lnSpc>
+              <a:spcBef>
+                <a:spcPts val="0"/>
+              </a:spcBef>
+              <a:spcAft>
+                <a:spcPts val="0"/>
+              </a:spcAft>
+              <a:buClr>
+                <a:schemeClr val="lt1"/>
+              </a:buClr>
+              <a:buSzPts val="2000"/>
+              <a:buFont typeface="Quicksand"/>
+              <a:buChar char="●"/>
+              <a:defRPr sz="2000" b="0" i="0" u="none" strike="noStrike" cap="none">
+                <a:solidFill>
+                  <a:schemeClr val="lt1"/>
+                </a:solidFill>
+                <a:latin typeface="Quicksand"/>
+                <a:ea typeface="Quicksand"/>
+                <a:cs typeface="Quicksand"/>
+                <a:sym typeface="Quicksand"/>
+              </a:defRPr>
+            </a:lvl4pPr>
+            <a:lvl5pPr marL="2286000" marR="0" lvl="4" indent="-355600" algn="l" rtl="0">
+              <a:lnSpc>
+                <a:spcPct val="100000"/>
+              </a:lnSpc>
+              <a:spcBef>
+                <a:spcPts val="0"/>
+              </a:spcBef>
+              <a:spcAft>
+                <a:spcPts val="0"/>
+              </a:spcAft>
+              <a:buClr>
+                <a:schemeClr val="lt1"/>
+              </a:buClr>
+              <a:buSzPts val="2000"/>
+              <a:buFont typeface="Quicksand"/>
+              <a:buChar char="○"/>
+              <a:defRPr sz="2000" b="0" i="0" u="none" strike="noStrike" cap="none">
+                <a:solidFill>
+                  <a:schemeClr val="lt1"/>
+                </a:solidFill>
+                <a:latin typeface="Quicksand"/>
+                <a:ea typeface="Quicksand"/>
+                <a:cs typeface="Quicksand"/>
+                <a:sym typeface="Quicksand"/>
+              </a:defRPr>
+            </a:lvl5pPr>
+            <a:lvl6pPr marL="2743200" marR="0" lvl="5" indent="-355600" algn="l" rtl="0">
+              <a:lnSpc>
+                <a:spcPct val="100000"/>
+              </a:lnSpc>
+              <a:spcBef>
+                <a:spcPts val="0"/>
+              </a:spcBef>
+              <a:spcAft>
+                <a:spcPts val="0"/>
+              </a:spcAft>
+              <a:buClr>
+                <a:schemeClr val="lt1"/>
+              </a:buClr>
+              <a:buSzPts val="2000"/>
+              <a:buFont typeface="Quicksand"/>
+              <a:buChar char="■"/>
+              <a:defRPr sz="2000" b="0" i="0" u="none" strike="noStrike" cap="none">
+                <a:solidFill>
+                  <a:schemeClr val="lt1"/>
+                </a:solidFill>
+                <a:latin typeface="Quicksand"/>
+                <a:ea typeface="Quicksand"/>
+                <a:cs typeface="Quicksand"/>
+                <a:sym typeface="Quicksand"/>
+              </a:defRPr>
+            </a:lvl6pPr>
+            <a:lvl7pPr marL="3200400" marR="0" lvl="6" indent="-355600" algn="l" rtl="0">
+              <a:lnSpc>
+                <a:spcPct val="100000"/>
+              </a:lnSpc>
+              <a:spcBef>
+                <a:spcPts val="0"/>
+              </a:spcBef>
+              <a:spcAft>
+                <a:spcPts val="0"/>
+              </a:spcAft>
+              <a:buClr>
+                <a:schemeClr val="lt1"/>
+              </a:buClr>
+              <a:buSzPts val="2000"/>
+              <a:buFont typeface="Quicksand"/>
+              <a:buChar char="●"/>
+              <a:defRPr sz="2000" b="0" i="0" u="none" strike="noStrike" cap="none">
+                <a:solidFill>
+                  <a:schemeClr val="lt1"/>
+                </a:solidFill>
+                <a:latin typeface="Quicksand"/>
+                <a:ea typeface="Quicksand"/>
+                <a:cs typeface="Quicksand"/>
+                <a:sym typeface="Quicksand"/>
+              </a:defRPr>
+            </a:lvl7pPr>
+            <a:lvl8pPr marL="3657600" marR="0" lvl="7" indent="-355600" algn="l" rtl="0">
+              <a:lnSpc>
+                <a:spcPct val="100000"/>
+              </a:lnSpc>
+              <a:spcBef>
+                <a:spcPts val="0"/>
+              </a:spcBef>
+              <a:spcAft>
+                <a:spcPts val="0"/>
+              </a:spcAft>
+              <a:buClr>
+                <a:schemeClr val="lt1"/>
+              </a:buClr>
+              <a:buSzPts val="2000"/>
+              <a:buFont typeface="Quicksand"/>
+              <a:buChar char="○"/>
+              <a:defRPr sz="2000" b="0" i="0" u="none" strike="noStrike" cap="none">
+                <a:solidFill>
+                  <a:schemeClr val="lt1"/>
+                </a:solidFill>
+                <a:latin typeface="Quicksand"/>
+                <a:ea typeface="Quicksand"/>
+                <a:cs typeface="Quicksand"/>
+                <a:sym typeface="Quicksand"/>
+              </a:defRPr>
+            </a:lvl8pPr>
+            <a:lvl9pPr marL="4114800" marR="0" lvl="8" indent="-355600" algn="l" rtl="0">
+              <a:lnSpc>
+                <a:spcPct val="100000"/>
+              </a:lnSpc>
+              <a:spcBef>
+                <a:spcPts val="0"/>
+              </a:spcBef>
+              <a:spcAft>
+                <a:spcPts val="0"/>
+              </a:spcAft>
+              <a:buClr>
+                <a:schemeClr val="lt1"/>
+              </a:buClr>
+              <a:buSzPts val="2000"/>
+              <a:buFont typeface="Quicksand"/>
+              <a:buChar char="■"/>
+              <a:defRPr sz="2000" b="0" i="0" u="none" strike="noStrike" cap="none">
+                <a:solidFill>
+                  <a:schemeClr val="lt1"/>
+                </a:solidFill>
+                <a:latin typeface="Quicksand"/>
+                <a:ea typeface="Quicksand"/>
+                <a:cs typeface="Quicksand"/>
+                <a:sym typeface="Quicksand"/>
+              </a:defRPr>
+            </a:lvl9pPr>
+          </a:lstStyle>
+          <a:p>
+            <a:pPr marL="0" indent="0">
+              <a:buSzPts val="3000"/>
+              <a:buFont typeface="Quicksand"/>
+              <a:buNone/>
+            </a:pPr>
             <a:r>
               <a:rPr lang="en-US" sz="2400" dirty="0"/>
               <a:t>After comparing model outcomes, we opted for </a:t>
@@ -21358,35 +22567,41 @@
             </a:r>
           </a:p>
           <a:p>
-            <a:pPr indent="-381000">
-              <a:buSzPts val="2400"/>
+            <a:pPr marL="457200" lvl="0" indent="-355600" algn="l" rtl="0">
+              <a:lnSpc>
+                <a:spcPct val="100000"/>
+              </a:lnSpc>
+              <a:spcBef>
+                <a:spcPts val="600"/>
+              </a:spcBef>
+              <a:spcAft>
+                <a:spcPts val="0"/>
+              </a:spcAft>
+              <a:buSzPts val="2000"/>
+              <a:buChar char="◦"/>
             </a:pPr>
             <a:r>
-              <a:rPr lang="en-US" sz="2400" dirty="0">
-                <a:solidFill>
-                  <a:srgbClr val="FF0000"/>
-                </a:solidFill>
-                <a:highlight>
-                  <a:srgbClr val="FFFF00"/>
-                </a:highlight>
-              </a:rPr>
-              <a:t>Rationale 1</a:t>
+              <a:rPr lang="en-US" sz="2400" dirty="0"/>
+              <a:t>92.48% Actual Accuracy</a:t>
             </a:r>
           </a:p>
           <a:p>
-            <a:pPr indent="-381000">
-              <a:buSzPts val="2400"/>
+            <a:pPr marL="457200" lvl="0" indent="-355600" algn="l" rtl="0">
+              <a:lnSpc>
+                <a:spcPct val="100000"/>
+              </a:lnSpc>
+              <a:spcBef>
+                <a:spcPts val="600"/>
+              </a:spcBef>
+              <a:spcAft>
+                <a:spcPts val="0"/>
+              </a:spcAft>
+              <a:buSzPts val="2000"/>
+              <a:buChar char="◦"/>
             </a:pPr>
             <a:r>
-              <a:rPr lang="en-US" sz="2400" dirty="0">
-                <a:solidFill>
-                  <a:srgbClr val="FF0000"/>
-                </a:solidFill>
-                <a:highlight>
-                  <a:srgbClr val="FFFF00"/>
-                </a:highlight>
-              </a:rPr>
-              <a:t>Rationale 2</a:t>
+              <a:rPr lang="en-US" sz="2400" dirty="0"/>
+              <a:t>27 customers incorrectly predicted out of 359</a:t>
             </a:r>
           </a:p>
           <a:p>
@@ -21413,7 +22628,7 @@
     </p:spTree>
     <p:extLst>
       <p:ext uri="{BB962C8B-B14F-4D97-AF65-F5344CB8AC3E}">
-        <p14:creationId xmlns:p14="http://schemas.microsoft.com/office/powerpoint/2010/main" val="3522633575"/>
+        <p14:creationId xmlns:p14="http://schemas.microsoft.com/office/powerpoint/2010/main" val="2584584787"/>
       </p:ext>
     </p:extLst>
   </p:cSld>
@@ -21423,7 +22638,7 @@
 </p:sld>
 </file>
 
-<file path=ppt/slides/slide31.xml><?xml version="1.0" encoding="utf-8"?>
+<file path=ppt/slides/slide32.xml><?xml version="1.0" encoding="utf-8"?>
 <p:sld xmlns:a="http://schemas.openxmlformats.org/drawingml/2006/main" xmlns:r="http://schemas.openxmlformats.org/officeDocument/2006/relationships" xmlns:p="http://schemas.openxmlformats.org/presentationml/2006/main">
   <p:cSld>
     <p:spTree>
@@ -21650,7 +22865,7 @@
             </a:pPr>
             <a:fld id="{00000000-1234-1234-1234-123412341234}" type="slidenum">
               <a:rPr lang="en"/>
-              <a:t>31</a:t>
+              <a:t>32</a:t>
             </a:fld>
             <a:endParaRPr/>
           </a:p>
@@ -21662,211 +22877,6 @@
         <p14:creationId xmlns:p14="http://schemas.microsoft.com/office/powerpoint/2010/main" val="1373046160"/>
       </p:ext>
     </p:extLst>
-  </p:cSld>
-  <p:clrMapOvr>
-    <a:masterClrMapping/>
-  </p:clrMapOvr>
-</p:sld>
-</file>
-
-<file path=ppt/slides/slide32.xml><?xml version="1.0" encoding="utf-8"?>
-<p:sld xmlns:a="http://schemas.openxmlformats.org/drawingml/2006/main" xmlns:r="http://schemas.openxmlformats.org/officeDocument/2006/relationships" xmlns:p="http://schemas.openxmlformats.org/presentationml/2006/main">
-  <p:cSld>
-    <p:spTree>
-      <p:nvGrpSpPr>
-        <p:cNvPr id="1" name="Shape 232"/>
-        <p:cNvGrpSpPr/>
-        <p:nvPr/>
-      </p:nvGrpSpPr>
-      <p:grpSpPr>
-        <a:xfrm>
-          <a:off x="0" y="0"/>
-          <a:ext cx="0" cy="0"/>
-          <a:chOff x="0" y="0"/>
-          <a:chExt cx="0" cy="0"/>
-        </a:xfrm>
-      </p:grpSpPr>
-      <p:sp>
-        <p:nvSpPr>
-          <p:cNvPr id="233" name="Google Shape;233;p18"/>
-          <p:cNvSpPr txBox="1">
-            <a:spLocks noGrp="1"/>
-          </p:cNvSpPr>
-          <p:nvPr>
-            <p:ph type="title"/>
-          </p:nvPr>
-        </p:nvSpPr>
-        <p:spPr>
-          <a:xfrm>
-            <a:off x="1165475" y="549649"/>
-            <a:ext cx="6858000" cy="345000"/>
-          </a:xfrm>
-          <a:prstGeom prst="rect">
-            <a:avLst/>
-          </a:prstGeom>
-          <a:noFill/>
-          <a:ln>
-            <a:noFill/>
-          </a:ln>
-        </p:spPr>
-        <p:txBody>
-          <a:bodyPr spcFirstLastPara="1" wrap="square" lIns="91425" tIns="91425" rIns="91425" bIns="91425" anchor="b" anchorCtr="0">
-            <a:noAutofit/>
-          </a:bodyPr>
-          <a:lstStyle/>
-          <a:p>
-            <a:pPr marL="0" lvl="0" indent="0" algn="l" rtl="0">
-              <a:lnSpc>
-                <a:spcPct val="100000"/>
-              </a:lnSpc>
-              <a:spcBef>
-                <a:spcPts val="0"/>
-              </a:spcBef>
-              <a:spcAft>
-                <a:spcPts val="0"/>
-              </a:spcAft>
-              <a:buSzPts val="1800"/>
-              <a:buNone/>
-            </a:pPr>
-            <a:r>
-              <a:rPr lang="en" dirty="0"/>
-              <a:t>Front-End Development – Early Draft</a:t>
-            </a:r>
-            <a:endParaRPr dirty="0">
-              <a:solidFill>
-                <a:srgbClr val="39C0BA"/>
-              </a:solidFill>
-            </a:endParaRPr>
-          </a:p>
-        </p:txBody>
-      </p:sp>
-      <p:sp>
-        <p:nvSpPr>
-          <p:cNvPr id="234" name="Google Shape;234;p18"/>
-          <p:cNvSpPr txBox="1">
-            <a:spLocks noGrp="1"/>
-          </p:cNvSpPr>
-          <p:nvPr>
-            <p:ph type="body" idx="1"/>
-          </p:nvPr>
-        </p:nvSpPr>
-        <p:spPr>
-          <a:xfrm>
-            <a:off x="1165498" y="1158072"/>
-            <a:ext cx="6858000" cy="3725700"/>
-          </a:xfrm>
-          <a:prstGeom prst="rect">
-            <a:avLst/>
-          </a:prstGeom>
-          <a:noFill/>
-          <a:ln>
-            <a:noFill/>
-          </a:ln>
-        </p:spPr>
-        <p:txBody>
-          <a:bodyPr spcFirstLastPara="1" wrap="square" lIns="91425" tIns="91425" rIns="91425" bIns="91425" anchor="t" anchorCtr="0">
-            <a:noAutofit/>
-          </a:bodyPr>
-          <a:lstStyle/>
-          <a:p>
-            <a:pPr marL="0" lvl="0" indent="0" algn="l" rtl="0">
-              <a:lnSpc>
-                <a:spcPct val="100000"/>
-              </a:lnSpc>
-              <a:spcBef>
-                <a:spcPts val="600"/>
-              </a:spcBef>
-              <a:spcAft>
-                <a:spcPts val="0"/>
-              </a:spcAft>
-              <a:buSzPts val="3000"/>
-              <a:buNone/>
-            </a:pPr>
-            <a:endParaRPr sz="2400" dirty="0"/>
-          </a:p>
-        </p:txBody>
-      </p:sp>
-      <p:sp>
-        <p:nvSpPr>
-          <p:cNvPr id="235" name="Google Shape;235;p18"/>
-          <p:cNvSpPr txBox="1">
-            <a:spLocks noGrp="1"/>
-          </p:cNvSpPr>
-          <p:nvPr>
-            <p:ph type="sldNum" idx="12"/>
-          </p:nvPr>
-        </p:nvSpPr>
-        <p:spPr>
-          <a:xfrm>
-            <a:off x="8523157" y="4752131"/>
-            <a:ext cx="548700" cy="315300"/>
-          </a:xfrm>
-          <a:prstGeom prst="rect">
-            <a:avLst/>
-          </a:prstGeom>
-          <a:noFill/>
-          <a:ln>
-            <a:noFill/>
-          </a:ln>
-        </p:spPr>
-        <p:txBody>
-          <a:bodyPr spcFirstLastPara="1" wrap="square" lIns="91425" tIns="91425" rIns="91425" bIns="91425" anchor="t" anchorCtr="0">
-            <a:noAutofit/>
-          </a:bodyPr>
-          <a:lstStyle/>
-          <a:p>
-            <a:pPr marL="0" lvl="0" indent="0" algn="r" rtl="0">
-              <a:lnSpc>
-                <a:spcPct val="100000"/>
-              </a:lnSpc>
-              <a:spcBef>
-                <a:spcPts val="0"/>
-              </a:spcBef>
-              <a:spcAft>
-                <a:spcPts val="0"/>
-              </a:spcAft>
-              <a:buSzPts val="1200"/>
-              <a:buNone/>
-            </a:pPr>
-            <a:fld id="{00000000-1234-1234-1234-123412341234}" type="slidenum">
-              <a:rPr lang="en"/>
-              <a:t>32</a:t>
-            </a:fld>
-            <a:endParaRPr/>
-          </a:p>
-        </p:txBody>
-      </p:sp>
-      <p:pic>
-        <p:nvPicPr>
-          <p:cNvPr id="3" name="Picture 2">
-            <a:extLst>
-              <a:ext uri="{FF2B5EF4-FFF2-40B4-BE49-F238E27FC236}">
-                <a16:creationId xmlns:a16="http://schemas.microsoft.com/office/drawing/2014/main" id="{C878CA06-AA99-4BDF-AA48-0A0C31A59CE4}"/>
-              </a:ext>
-            </a:extLst>
-          </p:cNvPr>
-          <p:cNvPicPr>
-            <a:picLocks noChangeAspect="1"/>
-          </p:cNvPicPr>
-          <p:nvPr/>
-        </p:nvPicPr>
-        <p:blipFill>
-          <a:blip r:embed="rId3"/>
-          <a:stretch>
-            <a:fillRect/>
-          </a:stretch>
-        </p:blipFill>
-        <p:spPr>
-          <a:xfrm>
-            <a:off x="1303425" y="1232365"/>
-            <a:ext cx="6720050" cy="3577114"/>
-          </a:xfrm>
-          <a:prstGeom prst="rect">
-            <a:avLst/>
-          </a:prstGeom>
-        </p:spPr>
-      </p:pic>
-    </p:spTree>
   </p:cSld>
   <p:clrMapOvr>
     <a:masterClrMapping/>
@@ -21935,7 +22945,7 @@
             </a:pPr>
             <a:r>
               <a:rPr lang="en" dirty="0"/>
-              <a:t>Front-End Development - Tools</a:t>
+              <a:t>Front-End Development – Early Draft</a:t>
             </a:r>
             <a:endParaRPr dirty="0">
               <a:solidFill>
@@ -21974,7 +22984,7 @@
           </a:bodyPr>
           <a:lstStyle/>
           <a:p>
-            <a:pPr marL="457200" lvl="0" indent="-381000" algn="l" rtl="0">
+            <a:pPr marL="0" lvl="0" indent="0" algn="l" rtl="0">
               <a:lnSpc>
                 <a:spcPct val="100000"/>
               </a:lnSpc>
@@ -21984,137 +22994,9 @@
               <a:spcAft>
                 <a:spcPts val="0"/>
               </a:spcAft>
-              <a:buClr>
-                <a:schemeClr val="accent1"/>
-              </a:buClr>
-              <a:buSzPts val="2400"/>
-              <a:buChar char="◦"/>
-            </a:pPr>
-            <a:r>
-              <a:rPr lang="en-US" sz="2400" dirty="0"/>
-              <a:t>HTML – Web Interface</a:t>
-            </a:r>
-            <a:endParaRPr sz="2400" dirty="0"/>
-          </a:p>
-          <a:p>
-            <a:pPr marL="457200" lvl="0" indent="-381000" algn="l" rtl="0">
-              <a:lnSpc>
-                <a:spcPct val="100000"/>
-              </a:lnSpc>
-              <a:spcBef>
-                <a:spcPts val="0"/>
-              </a:spcBef>
-              <a:spcAft>
-                <a:spcPts val="0"/>
-              </a:spcAft>
-              <a:buClr>
-                <a:schemeClr val="accent1"/>
-              </a:buClr>
-              <a:buSzPts val="2400"/>
-              <a:buChar char="◦"/>
-            </a:pPr>
-            <a:r>
-              <a:rPr lang="en-US" sz="2400" dirty="0"/>
-              <a:t>CSS  - Styling</a:t>
-            </a:r>
-            <a:endParaRPr sz="2400" dirty="0"/>
-          </a:p>
-          <a:p>
-            <a:pPr marL="457200" lvl="0" indent="-381000" algn="l" rtl="0">
-              <a:lnSpc>
-                <a:spcPct val="100000"/>
-              </a:lnSpc>
-              <a:spcBef>
-                <a:spcPts val="0"/>
-              </a:spcBef>
-              <a:spcAft>
-                <a:spcPts val="0"/>
-              </a:spcAft>
-              <a:buClr>
-                <a:schemeClr val="accent1"/>
-              </a:buClr>
-              <a:buSzPts val="2400"/>
-              <a:buChar char="◦"/>
-            </a:pPr>
-            <a:r>
-              <a:rPr lang="en-US" sz="2400" dirty="0"/>
-              <a:t>JavaScript &amp; D3 – </a:t>
-            </a:r>
-            <a:r>
-              <a:rPr lang="en-US" sz="2400" dirty="0">
-                <a:solidFill>
-                  <a:srgbClr val="FF0000"/>
-                </a:solidFill>
-                <a:highlight>
-                  <a:srgbClr val="FFFF00"/>
-                </a:highlight>
-              </a:rPr>
-              <a:t>what exactly?</a:t>
-            </a:r>
-          </a:p>
-          <a:p>
-            <a:pPr indent="-381000">
-              <a:spcBef>
-                <a:spcPts val="0"/>
-              </a:spcBef>
-              <a:buClr>
-                <a:schemeClr val="accent1"/>
-              </a:buClr>
-              <a:buSzPts val="2400"/>
-            </a:pPr>
-            <a:r>
-              <a:rPr lang="en-US" sz="2400" dirty="0">
-                <a:solidFill>
-                  <a:srgbClr val="FF0000"/>
-                </a:solidFill>
-                <a:highlight>
-                  <a:srgbClr val="FFFF00"/>
-                </a:highlight>
-              </a:rPr>
-              <a:t>what else?</a:t>
-            </a:r>
-          </a:p>
-          <a:p>
-            <a:pPr marL="457200" lvl="0" indent="-381000" algn="l" rtl="0">
-              <a:lnSpc>
-                <a:spcPct val="100000"/>
-              </a:lnSpc>
-              <a:spcBef>
-                <a:spcPts val="0"/>
-              </a:spcBef>
-              <a:spcAft>
-                <a:spcPts val="0"/>
-              </a:spcAft>
-              <a:buClr>
-                <a:schemeClr val="accent1"/>
-              </a:buClr>
-              <a:buSzPts val="2400"/>
-              <a:buChar char="◦"/>
-            </a:pPr>
-            <a:endParaRPr sz="2400" dirty="0">
-              <a:highlight>
-                <a:srgbClr val="FFFF00"/>
-              </a:highlight>
-            </a:endParaRPr>
-          </a:p>
-          <a:p>
-            <a:pPr marL="0" lvl="0" indent="0" algn="l" rtl="0">
-              <a:lnSpc>
-                <a:spcPct val="100000"/>
-              </a:lnSpc>
-              <a:spcBef>
-                <a:spcPts val="600"/>
-              </a:spcBef>
-              <a:spcAft>
-                <a:spcPts val="0"/>
-              </a:spcAft>
               <a:buSzPts val="3000"/>
               <a:buNone/>
             </a:pPr>
-            <a:r>
-              <a:rPr lang="en" sz="2400" dirty="0"/>
-              <a:t>Your audience will listen to you or read the content, but won’t do both. </a:t>
-            </a:r>
             <a:endParaRPr sz="2400" dirty="0"/>
           </a:p>
         </p:txBody>
@@ -22164,6 +23046,370 @@
             <a:fld id="{00000000-1234-1234-1234-123412341234}" type="slidenum">
               <a:rPr lang="en"/>
               <a:t>33</a:t>
+            </a:fld>
+            <a:endParaRPr/>
+          </a:p>
+        </p:txBody>
+      </p:sp>
+      <p:pic>
+        <p:nvPicPr>
+          <p:cNvPr id="3" name="Picture 2">
+            <a:extLst>
+              <a:ext uri="{FF2B5EF4-FFF2-40B4-BE49-F238E27FC236}">
+                <a16:creationId xmlns:a16="http://schemas.microsoft.com/office/drawing/2014/main" id="{C878CA06-AA99-4BDF-AA48-0A0C31A59CE4}"/>
+              </a:ext>
+            </a:extLst>
+          </p:cNvPr>
+          <p:cNvPicPr>
+            <a:picLocks noChangeAspect="1"/>
+          </p:cNvPicPr>
+          <p:nvPr/>
+        </p:nvPicPr>
+        <p:blipFill>
+          <a:blip r:embed="rId3"/>
+          <a:stretch>
+            <a:fillRect/>
+          </a:stretch>
+        </p:blipFill>
+        <p:spPr>
+          <a:xfrm>
+            <a:off x="1303425" y="1232365"/>
+            <a:ext cx="6720050" cy="3577114"/>
+          </a:xfrm>
+          <a:prstGeom prst="rect">
+            <a:avLst/>
+          </a:prstGeom>
+        </p:spPr>
+      </p:pic>
+    </p:spTree>
+  </p:cSld>
+  <p:clrMapOvr>
+    <a:masterClrMapping/>
+  </p:clrMapOvr>
+</p:sld>
+</file>
+
+<file path=ppt/slides/slide34.xml><?xml version="1.0" encoding="utf-8"?>
+<p:sld xmlns:a="http://schemas.openxmlformats.org/drawingml/2006/main" xmlns:r="http://schemas.openxmlformats.org/officeDocument/2006/relationships" xmlns:p="http://schemas.openxmlformats.org/presentationml/2006/main">
+  <p:cSld>
+    <p:spTree>
+      <p:nvGrpSpPr>
+        <p:cNvPr id="1" name="Shape 232"/>
+        <p:cNvGrpSpPr/>
+        <p:nvPr/>
+      </p:nvGrpSpPr>
+      <p:grpSpPr>
+        <a:xfrm>
+          <a:off x="0" y="0"/>
+          <a:ext cx="0" cy="0"/>
+          <a:chOff x="0" y="0"/>
+          <a:chExt cx="0" cy="0"/>
+        </a:xfrm>
+      </p:grpSpPr>
+      <p:sp>
+        <p:nvSpPr>
+          <p:cNvPr id="233" name="Google Shape;233;p18"/>
+          <p:cNvSpPr txBox="1">
+            <a:spLocks noGrp="1"/>
+          </p:cNvSpPr>
+          <p:nvPr>
+            <p:ph type="title"/>
+          </p:nvPr>
+        </p:nvSpPr>
+        <p:spPr>
+          <a:xfrm>
+            <a:off x="1165475" y="549649"/>
+            <a:ext cx="6858000" cy="345000"/>
+          </a:xfrm>
+          <a:prstGeom prst="rect">
+            <a:avLst/>
+          </a:prstGeom>
+          <a:noFill/>
+          <a:ln>
+            <a:noFill/>
+          </a:ln>
+        </p:spPr>
+        <p:txBody>
+          <a:bodyPr spcFirstLastPara="1" wrap="square" lIns="91425" tIns="91425" rIns="91425" bIns="91425" anchor="b" anchorCtr="0">
+            <a:noAutofit/>
+          </a:bodyPr>
+          <a:lstStyle/>
+          <a:p>
+            <a:pPr marL="0" lvl="0" indent="0" algn="l" rtl="0">
+              <a:lnSpc>
+                <a:spcPct val="100000"/>
+              </a:lnSpc>
+              <a:spcBef>
+                <a:spcPts val="0"/>
+              </a:spcBef>
+              <a:spcAft>
+                <a:spcPts val="0"/>
+              </a:spcAft>
+              <a:buSzPts val="1800"/>
+              <a:buNone/>
+            </a:pPr>
+            <a:r>
+              <a:rPr lang="en" dirty="0"/>
+              <a:t>Front-End Development - Tools</a:t>
+            </a:r>
+            <a:endParaRPr dirty="0">
+              <a:solidFill>
+                <a:srgbClr val="39C0BA"/>
+              </a:solidFill>
+            </a:endParaRPr>
+          </a:p>
+        </p:txBody>
+      </p:sp>
+      <p:sp>
+        <p:nvSpPr>
+          <p:cNvPr id="234" name="Google Shape;234;p18"/>
+          <p:cNvSpPr txBox="1">
+            <a:spLocks noGrp="1"/>
+          </p:cNvSpPr>
+          <p:nvPr>
+            <p:ph type="body" idx="1"/>
+          </p:nvPr>
+        </p:nvSpPr>
+        <p:spPr>
+          <a:xfrm>
+            <a:off x="1165498" y="1158072"/>
+            <a:ext cx="6858000" cy="3725700"/>
+          </a:xfrm>
+          <a:prstGeom prst="rect">
+            <a:avLst/>
+          </a:prstGeom>
+          <a:noFill/>
+          <a:ln>
+            <a:noFill/>
+          </a:ln>
+        </p:spPr>
+        <p:txBody>
+          <a:bodyPr spcFirstLastPara="1" wrap="square" lIns="91425" tIns="91425" rIns="91425" bIns="91425" anchor="t" anchorCtr="0">
+            <a:noAutofit/>
+          </a:bodyPr>
+          <a:lstStyle/>
+          <a:p>
+            <a:pPr marL="76200" lvl="0" indent="0" algn="l" rtl="0">
+              <a:lnSpc>
+                <a:spcPct val="100000"/>
+              </a:lnSpc>
+              <a:spcBef>
+                <a:spcPts val="600"/>
+              </a:spcBef>
+              <a:spcAft>
+                <a:spcPts val="0"/>
+              </a:spcAft>
+              <a:buClr>
+                <a:schemeClr val="accent1"/>
+              </a:buClr>
+              <a:buSzPts val="2400"/>
+              <a:buNone/>
+            </a:pPr>
+            <a:r>
+              <a:rPr lang="en-US" sz="2400" b="1" dirty="0"/>
+              <a:t>Tools</a:t>
+            </a:r>
+          </a:p>
+          <a:p>
+            <a:pPr marL="457200" lvl="0" indent="-381000" algn="l" rtl="0">
+              <a:lnSpc>
+                <a:spcPct val="100000"/>
+              </a:lnSpc>
+              <a:spcBef>
+                <a:spcPts val="600"/>
+              </a:spcBef>
+              <a:spcAft>
+                <a:spcPts val="0"/>
+              </a:spcAft>
+              <a:buClr>
+                <a:schemeClr val="accent1"/>
+              </a:buClr>
+              <a:buSzPts val="2400"/>
+              <a:buChar char="◦"/>
+            </a:pPr>
+            <a:r>
+              <a:rPr lang="en-US" sz="2400" b="1" dirty="0"/>
+              <a:t>HTML</a:t>
+            </a:r>
+            <a:r>
+              <a:rPr lang="en-US" sz="2400" dirty="0"/>
+              <a:t> – Web Interface</a:t>
+            </a:r>
+            <a:endParaRPr sz="2400" dirty="0"/>
+          </a:p>
+          <a:p>
+            <a:pPr marL="457200" lvl="0" indent="-381000" algn="l" rtl="0">
+              <a:lnSpc>
+                <a:spcPct val="100000"/>
+              </a:lnSpc>
+              <a:spcBef>
+                <a:spcPts val="0"/>
+              </a:spcBef>
+              <a:spcAft>
+                <a:spcPts val="0"/>
+              </a:spcAft>
+              <a:buClr>
+                <a:schemeClr val="accent1"/>
+              </a:buClr>
+              <a:buSzPts val="2400"/>
+              <a:buChar char="◦"/>
+            </a:pPr>
+            <a:r>
+              <a:rPr lang="en-US" sz="2400" b="1" dirty="0"/>
+              <a:t>CSS</a:t>
+            </a:r>
+            <a:r>
+              <a:rPr lang="en-US" sz="2400" dirty="0"/>
+              <a:t>  - Styling</a:t>
+            </a:r>
+            <a:endParaRPr sz="2400" dirty="0"/>
+          </a:p>
+          <a:p>
+            <a:pPr marL="457200" lvl="0" indent="-381000" algn="l" rtl="0">
+              <a:lnSpc>
+                <a:spcPct val="100000"/>
+              </a:lnSpc>
+              <a:spcBef>
+                <a:spcPts val="0"/>
+              </a:spcBef>
+              <a:spcAft>
+                <a:spcPts val="0"/>
+              </a:spcAft>
+              <a:buClr>
+                <a:schemeClr val="accent1"/>
+              </a:buClr>
+              <a:buSzPts val="2400"/>
+              <a:buChar char="◦"/>
+            </a:pPr>
+            <a:r>
+              <a:rPr lang="en-US" sz="2400" b="1" dirty="0"/>
+              <a:t>JavaScript</a:t>
+            </a:r>
+            <a:r>
+              <a:rPr lang="en-US" sz="2400" dirty="0"/>
+              <a:t> </a:t>
+            </a:r>
+            <a:r>
+              <a:rPr lang="en-US" sz="2400" dirty="0">
+                <a:solidFill>
+                  <a:schemeClr val="bg1"/>
+                </a:solidFill>
+              </a:rPr>
+              <a:t>&amp; </a:t>
+            </a:r>
+            <a:r>
+              <a:rPr lang="en-US" sz="2400" b="1" dirty="0">
+                <a:solidFill>
+                  <a:schemeClr val="bg1"/>
+                </a:solidFill>
+              </a:rPr>
+              <a:t>D3</a:t>
+            </a:r>
+            <a:r>
+              <a:rPr lang="en-US" sz="2400" dirty="0">
+                <a:solidFill>
+                  <a:schemeClr val="bg1"/>
+                </a:solidFill>
+              </a:rPr>
+              <a:t> – user input collection and back- end parsing</a:t>
+            </a:r>
+          </a:p>
+          <a:p>
+            <a:pPr marL="457200" lvl="0" indent="-381000" algn="l" rtl="0">
+              <a:lnSpc>
+                <a:spcPct val="100000"/>
+              </a:lnSpc>
+              <a:spcBef>
+                <a:spcPts val="0"/>
+              </a:spcBef>
+              <a:spcAft>
+                <a:spcPts val="0"/>
+              </a:spcAft>
+              <a:buClr>
+                <a:schemeClr val="accent1"/>
+              </a:buClr>
+              <a:buSzPts val="2400"/>
+              <a:buChar char="◦"/>
+            </a:pPr>
+            <a:r>
+              <a:rPr lang="en-US" sz="2400" dirty="0">
+                <a:solidFill>
+                  <a:schemeClr val="bg1"/>
+                </a:solidFill>
+              </a:rPr>
+              <a:t>CSV file support for mass modelling</a:t>
+            </a:r>
+          </a:p>
+          <a:p>
+            <a:pPr marL="457200" lvl="0" indent="-381000" algn="l" rtl="0">
+              <a:lnSpc>
+                <a:spcPct val="100000"/>
+              </a:lnSpc>
+              <a:spcBef>
+                <a:spcPts val="0"/>
+              </a:spcBef>
+              <a:spcAft>
+                <a:spcPts val="0"/>
+              </a:spcAft>
+              <a:buClr>
+                <a:schemeClr val="accent1"/>
+              </a:buClr>
+              <a:buSzPts val="2400"/>
+              <a:buChar char="◦"/>
+            </a:pPr>
+            <a:endParaRPr sz="2400" dirty="0">
+              <a:highlight>
+                <a:srgbClr val="FFFF00"/>
+              </a:highlight>
+            </a:endParaRPr>
+          </a:p>
+        </p:txBody>
+      </p:sp>
+      <p:sp>
+        <p:nvSpPr>
+          <p:cNvPr id="235" name="Google Shape;235;p18"/>
+          <p:cNvSpPr txBox="1">
+            <a:spLocks noGrp="1"/>
+          </p:cNvSpPr>
+          <p:nvPr>
+            <p:ph type="sldNum" idx="12"/>
+          </p:nvPr>
+        </p:nvSpPr>
+        <p:spPr>
+          <a:xfrm>
+            <a:off x="8523157" y="4752131"/>
+            <a:ext cx="548700" cy="315300"/>
+          </a:xfrm>
+          <a:prstGeom prst="rect">
+            <a:avLst/>
+          </a:prstGeom>
+          <a:noFill/>
+          <a:ln>
+            <a:noFill/>
+          </a:ln>
+        </p:spPr>
+        <p:txBody>
+          <a:bodyPr spcFirstLastPara="1" wrap="square" lIns="91425" tIns="91425" rIns="91425" bIns="91425" anchor="t" anchorCtr="0">
+            <a:noAutofit/>
+          </a:bodyPr>
+          <a:lstStyle/>
+          <a:p>
+            <a:pPr marL="0" lvl="0" indent="0" algn="r" rtl="0">
+              <a:lnSpc>
+                <a:spcPct val="100000"/>
+              </a:lnSpc>
+              <a:spcBef>
+                <a:spcPts val="0"/>
+              </a:spcBef>
+              <a:spcAft>
+                <a:spcPts val="0"/>
+              </a:spcAft>
+              <a:buSzPts val="1200"/>
+              <a:buNone/>
+            </a:pPr>
+            <a:fld id="{00000000-1234-1234-1234-123412341234}" type="slidenum">
+              <a:rPr lang="en"/>
+              <a:t>34</a:t>
             </a:fld>
             <a:endParaRPr/>
           </a:p>
@@ -22182,7 +23428,7 @@
 </p:sld>
 </file>
 
-<file path=ppt/slides/slide34.xml><?xml version="1.0" encoding="utf-8"?>
+<file path=ppt/slides/slide35.xml><?xml version="1.0" encoding="utf-8"?>
 <p:sld xmlns:a="http://schemas.openxmlformats.org/drawingml/2006/main" xmlns:r="http://schemas.openxmlformats.org/officeDocument/2006/relationships" xmlns:p="http://schemas.openxmlformats.org/presentationml/2006/main">
   <p:cSld>
     <p:spTree>
@@ -22293,7 +23539,7 @@
             </a:pPr>
             <a:fld id="{00000000-1234-1234-1234-123412341234}" type="slidenum">
               <a:rPr lang="en"/>
-              <a:t>34</a:t>
+              <a:t>35</a:t>
             </a:fld>
             <a:endParaRPr/>
           </a:p>
@@ -22311,8 +23557,8 @@
         </p:nvSpPr>
         <p:spPr>
           <a:xfrm>
-            <a:off x="976684" y="3370599"/>
-            <a:ext cx="3306900" cy="1772901"/>
+            <a:off x="976683" y="3370599"/>
+            <a:ext cx="3903239" cy="1772901"/>
           </a:xfrm>
           <a:prstGeom prst="rect">
             <a:avLst/>
@@ -22343,42 +23589,15 @@
             </a:pPr>
             <a:r>
               <a:rPr lang="en-US" dirty="0"/>
-              <a:t>Drop downs for ease of use</a:t>
+              <a:t>Drop downs for ease of use (categorical data)</a:t>
             </a:r>
           </a:p>
           <a:p>
-            <a:pPr marL="457200" lvl="0" indent="-355600" algn="l" rtl="0">
-              <a:lnSpc>
-                <a:spcPct val="100000"/>
-              </a:lnSpc>
-              <a:spcBef>
-                <a:spcPts val="600"/>
-              </a:spcBef>
-              <a:spcAft>
-                <a:spcPts val="0"/>
-              </a:spcAft>
-              <a:buSzPts val="2000"/>
-              <a:buChar char="◦"/>
-            </a:pPr>
             <a:r>
-              <a:rPr lang="en-US" dirty="0">
-                <a:solidFill>
-                  <a:srgbClr val="FF0000"/>
-                </a:solidFill>
-                <a:highlight>
-                  <a:srgbClr val="FFFF00"/>
-                </a:highlight>
-              </a:rPr>
-              <a:t>Comments?</a:t>
+              <a:rPr lang="en-US" dirty="0"/>
+              <a:t>File upload support (CSV)</a:t>
             </a:r>
-            <a:endParaRPr dirty="0">
-              <a:solidFill>
-                <a:srgbClr val="FF0000"/>
-              </a:solidFill>
-              <a:highlight>
-                <a:srgbClr val="FFFF00"/>
-              </a:highlight>
-            </a:endParaRPr>
+            <a:endParaRPr dirty="0"/>
           </a:p>
           <a:p>
             <a:pPr marL="457200" lvl="0" indent="-228600" algn="l" rtl="0">
@@ -22398,36 +23617,6 @@
           </a:p>
         </p:txBody>
       </p:sp>
-      <p:pic>
-        <p:nvPicPr>
-          <p:cNvPr id="5" name="Picture 4">
-            <a:extLst>
-              <a:ext uri="{FF2B5EF4-FFF2-40B4-BE49-F238E27FC236}">
-                <a16:creationId xmlns:a16="http://schemas.microsoft.com/office/drawing/2014/main" id="{ED74CC75-8771-4010-880C-5773FA06B7F1}"/>
-              </a:ext>
-            </a:extLst>
-          </p:cNvPr>
-          <p:cNvPicPr>
-            <a:picLocks noChangeAspect="1"/>
-          </p:cNvPicPr>
-          <p:nvPr/>
-        </p:nvPicPr>
-        <p:blipFill>
-          <a:blip r:embed="rId3"/>
-          <a:stretch>
-            <a:fillRect/>
-          </a:stretch>
-        </p:blipFill>
-        <p:spPr>
-          <a:xfrm>
-            <a:off x="2342732" y="811952"/>
-            <a:ext cx="4042129" cy="2665437"/>
-          </a:xfrm>
-          <a:prstGeom prst="rect">
-            <a:avLst/>
-          </a:prstGeom>
-        </p:spPr>
-      </p:pic>
       <p:sp>
         <p:nvSpPr>
           <p:cNvPr id="10" name="Google Shape;166;p10">
@@ -22444,8 +23633,8 @@
         </p:nvSpPr>
         <p:spPr>
           <a:xfrm>
-            <a:off x="4025256" y="3370599"/>
-            <a:ext cx="3306900" cy="1772901"/>
+            <a:off x="4879922" y="3343815"/>
+            <a:ext cx="3643235" cy="1772901"/>
           </a:xfrm>
           <a:prstGeom prst="rect">
             <a:avLst/>
@@ -22727,6 +23916,36 @@
           </a:p>
         </p:txBody>
       </p:sp>
+      <p:pic>
+        <p:nvPicPr>
+          <p:cNvPr id="3" name="Picture 2">
+            <a:extLst>
+              <a:ext uri="{FF2B5EF4-FFF2-40B4-BE49-F238E27FC236}">
+                <a16:creationId xmlns:a16="http://schemas.microsoft.com/office/drawing/2014/main" id="{8E4B1A4B-EE7B-4C70-B276-73578417F4B3}"/>
+              </a:ext>
+            </a:extLst>
+          </p:cNvPr>
+          <p:cNvPicPr>
+            <a:picLocks noChangeAspect="1"/>
+          </p:cNvPicPr>
+          <p:nvPr/>
+        </p:nvPicPr>
+        <p:blipFill>
+          <a:blip r:embed="rId3"/>
+          <a:stretch>
+            <a:fillRect/>
+          </a:stretch>
+        </p:blipFill>
+        <p:spPr>
+          <a:xfrm>
+            <a:off x="2714658" y="894649"/>
+            <a:ext cx="3714683" cy="2608456"/>
+          </a:xfrm>
+          <a:prstGeom prst="rect">
+            <a:avLst/>
+          </a:prstGeom>
+        </p:spPr>
+      </p:pic>
     </p:spTree>
     <p:extLst>
       <p:ext uri="{BB962C8B-B14F-4D97-AF65-F5344CB8AC3E}">
@@ -22740,8 +23959,8 @@
 </p:sld>
 </file>
 
-<file path=ppt/slides/slide35.xml><?xml version="1.0" encoding="utf-8"?>
-<p:sld xmlns:a="http://schemas.openxmlformats.org/drawingml/2006/main" xmlns:r="http://schemas.openxmlformats.org/officeDocument/2006/relationships" xmlns:p="http://schemas.openxmlformats.org/presentationml/2006/main">
+<file path=ppt/slides/slide36.xml><?xml version="1.0" encoding="utf-8"?>
+<p:sld xmlns:a="http://schemas.openxmlformats.org/drawingml/2006/main" xmlns:r="http://schemas.openxmlformats.org/officeDocument/2006/relationships" xmlns:p="http://schemas.openxmlformats.org/presentationml/2006/main" show="0">
   <p:cSld>
     <p:spTree>
       <p:nvGrpSpPr>
@@ -23004,7 +24223,7 @@
             </a:pPr>
             <a:fld id="{00000000-1234-1234-1234-123412341234}" type="slidenum">
               <a:rPr lang="en"/>
-              <a:t>35</a:t>
+              <a:t>36</a:t>
             </a:fld>
             <a:endParaRPr/>
           </a:p>
@@ -23023,7 +24242,7 @@
 </p:sld>
 </file>
 
-<file path=ppt/slides/slide36.xml><?xml version="1.0" encoding="utf-8"?>
+<file path=ppt/slides/slide37.xml><?xml version="1.0" encoding="utf-8"?>
 <p:sld xmlns:a="http://schemas.openxmlformats.org/drawingml/2006/main" xmlns:r="http://schemas.openxmlformats.org/officeDocument/2006/relationships" xmlns:p="http://schemas.openxmlformats.org/presentationml/2006/main">
   <p:cSld>
     <p:spTree>
@@ -23250,7 +24469,7 @@
             </a:pPr>
             <a:fld id="{00000000-1234-1234-1234-123412341234}" type="slidenum">
               <a:rPr lang="en"/>
-              <a:t>36</a:t>
+              <a:t>37</a:t>
             </a:fld>
             <a:endParaRPr/>
           </a:p>
@@ -23260,278 +24479,6 @@
     <p:extLst>
       <p:ext uri="{BB962C8B-B14F-4D97-AF65-F5344CB8AC3E}">
         <p14:creationId xmlns:p14="http://schemas.microsoft.com/office/powerpoint/2010/main" val="1192706235"/>
-      </p:ext>
-    </p:extLst>
-  </p:cSld>
-  <p:clrMapOvr>
-    <a:masterClrMapping/>
-  </p:clrMapOvr>
-</p:sld>
-</file>
-
-<file path=ppt/slides/slide37.xml><?xml version="1.0" encoding="utf-8"?>
-<p:sld xmlns:a="http://schemas.openxmlformats.org/drawingml/2006/main" xmlns:r="http://schemas.openxmlformats.org/officeDocument/2006/relationships" xmlns:p="http://schemas.openxmlformats.org/presentationml/2006/main">
-  <p:cSld>
-    <p:spTree>
-      <p:nvGrpSpPr>
-        <p:cNvPr id="1" name="Shape 232"/>
-        <p:cNvGrpSpPr/>
-        <p:nvPr/>
-      </p:nvGrpSpPr>
-      <p:grpSpPr>
-        <a:xfrm>
-          <a:off x="0" y="0"/>
-          <a:ext cx="0" cy="0"/>
-          <a:chOff x="0" y="0"/>
-          <a:chExt cx="0" cy="0"/>
-        </a:xfrm>
-      </p:grpSpPr>
-      <p:sp>
-        <p:nvSpPr>
-          <p:cNvPr id="233" name="Google Shape;233;p18"/>
-          <p:cNvSpPr txBox="1">
-            <a:spLocks noGrp="1"/>
-          </p:cNvSpPr>
-          <p:nvPr>
-            <p:ph type="title"/>
-          </p:nvPr>
-        </p:nvSpPr>
-        <p:spPr>
-          <a:xfrm>
-            <a:off x="1165475" y="549649"/>
-            <a:ext cx="6858000" cy="345000"/>
-          </a:xfrm>
-          <a:prstGeom prst="rect">
-            <a:avLst/>
-          </a:prstGeom>
-          <a:noFill/>
-          <a:ln>
-            <a:noFill/>
-          </a:ln>
-        </p:spPr>
-        <p:txBody>
-          <a:bodyPr spcFirstLastPara="1" wrap="square" lIns="91425" tIns="91425" rIns="91425" bIns="91425" anchor="b" anchorCtr="0">
-            <a:noAutofit/>
-          </a:bodyPr>
-          <a:lstStyle/>
-          <a:p>
-            <a:pPr marL="0" lvl="0" indent="0" algn="l" rtl="0">
-              <a:lnSpc>
-                <a:spcPct val="100000"/>
-              </a:lnSpc>
-              <a:spcBef>
-                <a:spcPts val="0"/>
-              </a:spcBef>
-              <a:spcAft>
-                <a:spcPts val="0"/>
-              </a:spcAft>
-              <a:buSzPts val="1800"/>
-              <a:buNone/>
-            </a:pPr>
-            <a:r>
-              <a:rPr lang="en" dirty="0"/>
-              <a:t>Front-End to Back-End Connection- Tools</a:t>
-            </a:r>
-            <a:endParaRPr dirty="0">
-              <a:solidFill>
-                <a:srgbClr val="39C0BA"/>
-              </a:solidFill>
-            </a:endParaRPr>
-          </a:p>
-        </p:txBody>
-      </p:sp>
-      <p:sp>
-        <p:nvSpPr>
-          <p:cNvPr id="234" name="Google Shape;234;p18"/>
-          <p:cNvSpPr txBox="1">
-            <a:spLocks noGrp="1"/>
-          </p:cNvSpPr>
-          <p:nvPr>
-            <p:ph type="body" idx="1"/>
-          </p:nvPr>
-        </p:nvSpPr>
-        <p:spPr>
-          <a:xfrm>
-            <a:off x="1165498" y="1158072"/>
-            <a:ext cx="6858000" cy="3725700"/>
-          </a:xfrm>
-          <a:prstGeom prst="rect">
-            <a:avLst/>
-          </a:prstGeom>
-          <a:noFill/>
-          <a:ln>
-            <a:noFill/>
-          </a:ln>
-        </p:spPr>
-        <p:txBody>
-          <a:bodyPr spcFirstLastPara="1" wrap="square" lIns="91425" tIns="91425" rIns="91425" bIns="91425" anchor="t" anchorCtr="0">
-            <a:noAutofit/>
-          </a:bodyPr>
-          <a:lstStyle/>
-          <a:p>
-            <a:pPr marL="457200" lvl="0" indent="-381000" algn="l" rtl="0">
-              <a:lnSpc>
-                <a:spcPct val="100000"/>
-              </a:lnSpc>
-              <a:spcBef>
-                <a:spcPts val="600"/>
-              </a:spcBef>
-              <a:spcAft>
-                <a:spcPts val="0"/>
-              </a:spcAft>
-              <a:buClr>
-                <a:schemeClr val="accent1"/>
-              </a:buClr>
-              <a:buSzPts val="2400"/>
-              <a:buChar char="◦"/>
-            </a:pPr>
-            <a:r>
-              <a:rPr lang="en-US" sz="2400" dirty="0"/>
-              <a:t>Flask – </a:t>
-            </a:r>
-            <a:r>
-              <a:rPr lang="en-US" sz="2400" dirty="0">
-                <a:solidFill>
-                  <a:srgbClr val="FF0000"/>
-                </a:solidFill>
-                <a:highlight>
-                  <a:srgbClr val="FFFF00"/>
-                </a:highlight>
-              </a:rPr>
-              <a:t>API – anything else?</a:t>
-            </a:r>
-            <a:endParaRPr sz="2400" dirty="0">
-              <a:solidFill>
-                <a:srgbClr val="FF0000"/>
-              </a:solidFill>
-              <a:highlight>
-                <a:srgbClr val="FFFF00"/>
-              </a:highlight>
-            </a:endParaRPr>
-          </a:p>
-          <a:p>
-            <a:pPr indent="-381000">
-              <a:spcBef>
-                <a:spcPts val="0"/>
-              </a:spcBef>
-              <a:buClr>
-                <a:schemeClr val="accent1"/>
-              </a:buClr>
-              <a:buSzPts val="2400"/>
-            </a:pPr>
-            <a:r>
-              <a:rPr lang="en-US" sz="2400" dirty="0">
-                <a:solidFill>
-                  <a:srgbClr val="FF0000"/>
-                </a:solidFill>
-                <a:highlight>
-                  <a:srgbClr val="FFFF00"/>
-                </a:highlight>
-              </a:rPr>
-              <a:t>SQL Alchemy?</a:t>
-            </a:r>
-          </a:p>
-          <a:p>
-            <a:pPr indent="-381000">
-              <a:spcBef>
-                <a:spcPts val="0"/>
-              </a:spcBef>
-              <a:buClr>
-                <a:schemeClr val="accent1"/>
-              </a:buClr>
-              <a:buSzPts val="2400"/>
-            </a:pPr>
-            <a:r>
-              <a:rPr lang="en-US" sz="2400" dirty="0">
-                <a:solidFill>
-                  <a:srgbClr val="FF0000"/>
-                </a:solidFill>
-                <a:highlight>
-                  <a:srgbClr val="FFFF00"/>
-                </a:highlight>
-              </a:rPr>
-              <a:t>Additional tools?</a:t>
-            </a:r>
-          </a:p>
-          <a:p>
-            <a:pPr marL="457200" lvl="0" indent="-381000" algn="l" rtl="0">
-              <a:lnSpc>
-                <a:spcPct val="100000"/>
-              </a:lnSpc>
-              <a:spcBef>
-                <a:spcPts val="0"/>
-              </a:spcBef>
-              <a:spcAft>
-                <a:spcPts val="0"/>
-              </a:spcAft>
-              <a:buClr>
-                <a:schemeClr val="accent1"/>
-              </a:buClr>
-              <a:buSzPts val="2400"/>
-              <a:buChar char="◦"/>
-            </a:pPr>
-            <a:endParaRPr sz="2400" dirty="0">
-              <a:highlight>
-                <a:srgbClr val="FFFF00"/>
-              </a:highlight>
-            </a:endParaRPr>
-          </a:p>
-        </p:txBody>
-      </p:sp>
-      <p:sp>
-        <p:nvSpPr>
-          <p:cNvPr id="235" name="Google Shape;235;p18"/>
-          <p:cNvSpPr txBox="1">
-            <a:spLocks noGrp="1"/>
-          </p:cNvSpPr>
-          <p:nvPr>
-            <p:ph type="sldNum" idx="12"/>
-          </p:nvPr>
-        </p:nvSpPr>
-        <p:spPr>
-          <a:xfrm>
-            <a:off x="8523157" y="4752131"/>
-            <a:ext cx="548700" cy="315300"/>
-          </a:xfrm>
-          <a:prstGeom prst="rect">
-            <a:avLst/>
-          </a:prstGeom>
-          <a:noFill/>
-          <a:ln>
-            <a:noFill/>
-          </a:ln>
-        </p:spPr>
-        <p:txBody>
-          <a:bodyPr spcFirstLastPara="1" wrap="square" lIns="91425" tIns="91425" rIns="91425" bIns="91425" anchor="t" anchorCtr="0">
-            <a:noAutofit/>
-          </a:bodyPr>
-          <a:lstStyle/>
-          <a:p>
-            <a:pPr marL="0" lvl="0" indent="0" algn="r" rtl="0">
-              <a:lnSpc>
-                <a:spcPct val="100000"/>
-              </a:lnSpc>
-              <a:spcBef>
-                <a:spcPts val="0"/>
-              </a:spcBef>
-              <a:spcAft>
-                <a:spcPts val="0"/>
-              </a:spcAft>
-              <a:buSzPts val="1200"/>
-              <a:buNone/>
-            </a:pPr>
-            <a:fld id="{00000000-1234-1234-1234-123412341234}" type="slidenum">
-              <a:rPr lang="en"/>
-              <a:t>37</a:t>
-            </a:fld>
-            <a:endParaRPr/>
-          </a:p>
-        </p:txBody>
-      </p:sp>
-    </p:spTree>
-    <p:extLst>
-      <p:ext uri="{BB962C8B-B14F-4D97-AF65-F5344CB8AC3E}">
-        <p14:creationId xmlns:p14="http://schemas.microsoft.com/office/powerpoint/2010/main" val="572257"/>
       </p:ext>
     </p:extLst>
   </p:cSld>
@@ -23602,6 +24549,438 @@
             </a:pPr>
             <a:r>
               <a:rPr lang="en" dirty="0"/>
+              <a:t>Front-End to Back-End Connection- Tools</a:t>
+            </a:r>
+            <a:endParaRPr dirty="0">
+              <a:solidFill>
+                <a:srgbClr val="39C0BA"/>
+              </a:solidFill>
+            </a:endParaRPr>
+          </a:p>
+        </p:txBody>
+      </p:sp>
+      <p:sp>
+        <p:nvSpPr>
+          <p:cNvPr id="234" name="Google Shape;234;p18"/>
+          <p:cNvSpPr txBox="1">
+            <a:spLocks noGrp="1"/>
+          </p:cNvSpPr>
+          <p:nvPr>
+            <p:ph type="body" idx="1"/>
+          </p:nvPr>
+        </p:nvSpPr>
+        <p:spPr>
+          <a:xfrm>
+            <a:off x="1120525" y="868151"/>
+            <a:ext cx="6858000" cy="3725700"/>
+          </a:xfrm>
+          <a:prstGeom prst="rect">
+            <a:avLst/>
+          </a:prstGeom>
+          <a:noFill/>
+          <a:ln>
+            <a:noFill/>
+          </a:ln>
+        </p:spPr>
+        <p:txBody>
+          <a:bodyPr spcFirstLastPara="1" wrap="square" lIns="91425" tIns="91425" rIns="91425" bIns="91425" anchor="t" anchorCtr="0">
+            <a:noAutofit/>
+          </a:bodyPr>
+          <a:lstStyle/>
+          <a:p>
+            <a:pPr marL="76200" lvl="0" indent="0" algn="l" rtl="0">
+              <a:lnSpc>
+                <a:spcPct val="100000"/>
+              </a:lnSpc>
+              <a:spcBef>
+                <a:spcPts val="600"/>
+              </a:spcBef>
+              <a:spcAft>
+                <a:spcPts val="0"/>
+              </a:spcAft>
+              <a:buClr>
+                <a:schemeClr val="accent1"/>
+              </a:buClr>
+              <a:buSzPts val="2400"/>
+              <a:buNone/>
+            </a:pPr>
+            <a:r>
+              <a:rPr lang="en-US" sz="1200" b="1" dirty="0"/>
+              <a:t>Tools</a:t>
+            </a:r>
+          </a:p>
+          <a:p>
+            <a:pPr marL="457200" lvl="0" indent="-381000" algn="l" rtl="0">
+              <a:lnSpc>
+                <a:spcPct val="100000"/>
+              </a:lnSpc>
+              <a:spcBef>
+                <a:spcPts val="600"/>
+              </a:spcBef>
+              <a:spcAft>
+                <a:spcPts val="0"/>
+              </a:spcAft>
+              <a:buClr>
+                <a:schemeClr val="accent1"/>
+              </a:buClr>
+              <a:buSzPts val="2400"/>
+              <a:buChar char="◦"/>
+            </a:pPr>
+            <a:r>
+              <a:rPr lang="en-US" sz="1200" b="1" dirty="0"/>
+              <a:t>Flask</a:t>
+            </a:r>
+            <a:r>
+              <a:rPr lang="en-US" sz="1200" dirty="0"/>
+              <a:t> – two routes  </a:t>
+            </a:r>
+          </a:p>
+          <a:p>
+            <a:pPr marL="76200" lvl="0" indent="0" algn="l" rtl="0">
+              <a:lnSpc>
+                <a:spcPct val="100000"/>
+              </a:lnSpc>
+              <a:spcBef>
+                <a:spcPts val="600"/>
+              </a:spcBef>
+              <a:spcAft>
+                <a:spcPts val="0"/>
+              </a:spcAft>
+              <a:buClr>
+                <a:schemeClr val="accent1"/>
+              </a:buClr>
+              <a:buSzPts val="2400"/>
+              <a:buNone/>
+            </a:pPr>
+            <a:r>
+              <a:rPr lang="en-US" sz="1200" dirty="0"/>
+              <a:t>User individual selection </a:t>
+            </a:r>
+          </a:p>
+          <a:p>
+            <a:pPr marL="76200" lvl="0" indent="0" algn="l" rtl="0">
+              <a:lnSpc>
+                <a:spcPct val="100000"/>
+              </a:lnSpc>
+              <a:spcBef>
+                <a:spcPts val="600"/>
+              </a:spcBef>
+              <a:spcAft>
+                <a:spcPts val="0"/>
+              </a:spcAft>
+              <a:buClr>
+                <a:schemeClr val="accent1"/>
+              </a:buClr>
+              <a:buSzPts val="2400"/>
+              <a:buNone/>
+            </a:pPr>
+            <a:r>
+              <a:rPr lang="en-US" sz="1050" dirty="0"/>
+              <a:t>@app.route(“/individual”,methods=[“POST”]</a:t>
+            </a:r>
+            <a:br>
+              <a:rPr lang="en-US" sz="1200" dirty="0"/>
+            </a:br>
+            <a:r>
+              <a:rPr lang="en-US" sz="1050" dirty="0"/>
+              <a:t>def individual():</a:t>
+            </a:r>
+          </a:p>
+          <a:p>
+            <a:pPr marL="76200" lvl="0" indent="0" algn="l" rtl="0">
+              <a:lnSpc>
+                <a:spcPct val="100000"/>
+              </a:lnSpc>
+              <a:spcBef>
+                <a:spcPts val="600"/>
+              </a:spcBef>
+              <a:spcAft>
+                <a:spcPts val="0"/>
+              </a:spcAft>
+              <a:buClr>
+                <a:schemeClr val="accent1"/>
+              </a:buClr>
+              <a:buSzPts val="2400"/>
+              <a:buNone/>
+            </a:pPr>
+            <a:r>
+              <a:rPr lang="en-US" sz="1200" dirty="0"/>
+              <a:t>CSV file </a:t>
+            </a:r>
+          </a:p>
+          <a:p>
+            <a:pPr marL="76200" lvl="0" indent="0" algn="l" rtl="0">
+              <a:lnSpc>
+                <a:spcPct val="100000"/>
+              </a:lnSpc>
+              <a:spcBef>
+                <a:spcPts val="600"/>
+              </a:spcBef>
+              <a:spcAft>
+                <a:spcPts val="0"/>
+              </a:spcAft>
+              <a:buClr>
+                <a:schemeClr val="accent1"/>
+              </a:buClr>
+              <a:buSzPts val="2400"/>
+              <a:buNone/>
+            </a:pPr>
+            <a:r>
+              <a:rPr lang="en-US" sz="1050" dirty="0"/>
+              <a:t>@app.route(“/bulk”, methods=[“POST”])</a:t>
+            </a:r>
+            <a:br>
+              <a:rPr lang="en-US" sz="1200" dirty="0"/>
+            </a:br>
+            <a:r>
+              <a:rPr lang="en-US" sz="1050" dirty="0"/>
+              <a:t>def bulk():(</a:t>
+            </a:r>
+          </a:p>
+          <a:p>
+            <a:pPr indent="-381000">
+              <a:spcBef>
+                <a:spcPts val="0"/>
+              </a:spcBef>
+              <a:buClr>
+                <a:schemeClr val="accent1"/>
+              </a:buClr>
+              <a:buSzPts val="2400"/>
+            </a:pPr>
+            <a:endParaRPr lang="en-US" sz="1200" dirty="0">
+              <a:solidFill>
+                <a:srgbClr val="FF0000"/>
+              </a:solidFill>
+              <a:highlight>
+                <a:srgbClr val="FFFF00"/>
+              </a:highlight>
+            </a:endParaRPr>
+          </a:p>
+          <a:p>
+            <a:pPr indent="-381000">
+              <a:spcBef>
+                <a:spcPts val="0"/>
+              </a:spcBef>
+              <a:buClr>
+                <a:schemeClr val="accent1"/>
+              </a:buClr>
+              <a:buSzPts val="2400"/>
+            </a:pPr>
+            <a:endParaRPr lang="en-US" sz="1200" dirty="0">
+              <a:solidFill>
+                <a:srgbClr val="FF0000"/>
+              </a:solidFill>
+              <a:highlight>
+                <a:srgbClr val="FFFF00"/>
+              </a:highlight>
+            </a:endParaRPr>
+          </a:p>
+          <a:p>
+            <a:pPr indent="-381000">
+              <a:spcBef>
+                <a:spcPts val="0"/>
+              </a:spcBef>
+              <a:buClr>
+                <a:schemeClr val="accent1"/>
+              </a:buClr>
+              <a:buSzPts val="2400"/>
+            </a:pPr>
+            <a:r>
+              <a:rPr lang="en-US" sz="1200" dirty="0">
+                <a:solidFill>
+                  <a:schemeClr val="bg1"/>
+                </a:solidFill>
+              </a:rPr>
+              <a:t>Pre-processing</a:t>
+            </a:r>
+          </a:p>
+          <a:p>
+            <a:pPr indent="-381000">
+              <a:spcBef>
+                <a:spcPts val="0"/>
+              </a:spcBef>
+              <a:buClr>
+                <a:schemeClr val="accent1"/>
+              </a:buClr>
+              <a:buSzPts val="2400"/>
+            </a:pPr>
+            <a:r>
+              <a:rPr lang="en-US" sz="1200" dirty="0">
+                <a:solidFill>
+                  <a:schemeClr val="bg1"/>
+                </a:solidFill>
+              </a:rPr>
+              <a:t>Machine Learning</a:t>
+            </a:r>
+          </a:p>
+          <a:p>
+            <a:pPr indent="-381000">
+              <a:spcBef>
+                <a:spcPts val="0"/>
+              </a:spcBef>
+              <a:buClr>
+                <a:schemeClr val="accent1"/>
+              </a:buClr>
+              <a:buSzPts val="2400"/>
+            </a:pPr>
+            <a:r>
+              <a:rPr lang="en-US" sz="1200" dirty="0">
+                <a:solidFill>
+                  <a:schemeClr val="bg1"/>
+                </a:solidFill>
+              </a:rPr>
+              <a:t>Return results</a:t>
+            </a:r>
+          </a:p>
+          <a:p>
+            <a:pPr marL="457200" lvl="0" indent="-381000" algn="l" rtl="0">
+              <a:lnSpc>
+                <a:spcPct val="100000"/>
+              </a:lnSpc>
+              <a:spcBef>
+                <a:spcPts val="0"/>
+              </a:spcBef>
+              <a:spcAft>
+                <a:spcPts val="0"/>
+              </a:spcAft>
+              <a:buClr>
+                <a:schemeClr val="accent1"/>
+              </a:buClr>
+              <a:buSzPts val="2400"/>
+              <a:buChar char="◦"/>
+            </a:pPr>
+            <a:endParaRPr sz="1200" dirty="0">
+              <a:highlight>
+                <a:srgbClr val="FFFF00"/>
+              </a:highlight>
+            </a:endParaRPr>
+          </a:p>
+        </p:txBody>
+      </p:sp>
+      <p:sp>
+        <p:nvSpPr>
+          <p:cNvPr id="235" name="Google Shape;235;p18"/>
+          <p:cNvSpPr txBox="1">
+            <a:spLocks noGrp="1"/>
+          </p:cNvSpPr>
+          <p:nvPr>
+            <p:ph type="sldNum" idx="12"/>
+          </p:nvPr>
+        </p:nvSpPr>
+        <p:spPr>
+          <a:xfrm>
+            <a:off x="8523157" y="4752131"/>
+            <a:ext cx="548700" cy="315300"/>
+          </a:xfrm>
+          <a:prstGeom prst="rect">
+            <a:avLst/>
+          </a:prstGeom>
+          <a:noFill/>
+          <a:ln>
+            <a:noFill/>
+          </a:ln>
+        </p:spPr>
+        <p:txBody>
+          <a:bodyPr spcFirstLastPara="1" wrap="square" lIns="91425" tIns="91425" rIns="91425" bIns="91425" anchor="t" anchorCtr="0">
+            <a:noAutofit/>
+          </a:bodyPr>
+          <a:lstStyle/>
+          <a:p>
+            <a:pPr marL="0" lvl="0" indent="0" algn="r" rtl="0">
+              <a:lnSpc>
+                <a:spcPct val="100000"/>
+              </a:lnSpc>
+              <a:spcBef>
+                <a:spcPts val="0"/>
+              </a:spcBef>
+              <a:spcAft>
+                <a:spcPts val="0"/>
+              </a:spcAft>
+              <a:buSzPts val="1200"/>
+              <a:buNone/>
+            </a:pPr>
+            <a:fld id="{00000000-1234-1234-1234-123412341234}" type="slidenum">
+              <a:rPr lang="en"/>
+              <a:t>38</a:t>
+            </a:fld>
+            <a:endParaRPr/>
+          </a:p>
+        </p:txBody>
+      </p:sp>
+    </p:spTree>
+    <p:extLst>
+      <p:ext uri="{BB962C8B-B14F-4D97-AF65-F5344CB8AC3E}">
+        <p14:creationId xmlns:p14="http://schemas.microsoft.com/office/powerpoint/2010/main" val="572257"/>
+      </p:ext>
+    </p:extLst>
+  </p:cSld>
+  <p:clrMapOvr>
+    <a:masterClrMapping/>
+  </p:clrMapOvr>
+</p:sld>
+</file>
+
+<file path=ppt/slides/slide39.xml><?xml version="1.0" encoding="utf-8"?>
+<p:sld xmlns:a="http://schemas.openxmlformats.org/drawingml/2006/main" xmlns:r="http://schemas.openxmlformats.org/officeDocument/2006/relationships" xmlns:p="http://schemas.openxmlformats.org/presentationml/2006/main" show="0">
+  <p:cSld>
+    <p:spTree>
+      <p:nvGrpSpPr>
+        <p:cNvPr id="1" name="Shape 232"/>
+        <p:cNvGrpSpPr/>
+        <p:nvPr/>
+      </p:nvGrpSpPr>
+      <p:grpSpPr>
+        <a:xfrm>
+          <a:off x="0" y="0"/>
+          <a:ext cx="0" cy="0"/>
+          <a:chOff x="0" y="0"/>
+          <a:chExt cx="0" cy="0"/>
+        </a:xfrm>
+      </p:grpSpPr>
+      <p:sp>
+        <p:nvSpPr>
+          <p:cNvPr id="233" name="Google Shape;233;p18"/>
+          <p:cNvSpPr txBox="1">
+            <a:spLocks noGrp="1"/>
+          </p:cNvSpPr>
+          <p:nvPr>
+            <p:ph type="title"/>
+          </p:nvPr>
+        </p:nvSpPr>
+        <p:spPr>
+          <a:xfrm>
+            <a:off x="1165475" y="549649"/>
+            <a:ext cx="6858000" cy="345000"/>
+          </a:xfrm>
+          <a:prstGeom prst="rect">
+            <a:avLst/>
+          </a:prstGeom>
+          <a:noFill/>
+          <a:ln>
+            <a:noFill/>
+          </a:ln>
+        </p:spPr>
+        <p:txBody>
+          <a:bodyPr spcFirstLastPara="1" wrap="square" lIns="91425" tIns="91425" rIns="91425" bIns="91425" anchor="b" anchorCtr="0">
+            <a:noAutofit/>
+          </a:bodyPr>
+          <a:lstStyle/>
+          <a:p>
+            <a:pPr marL="0" lvl="0" indent="0" algn="l" rtl="0">
+              <a:lnSpc>
+                <a:spcPct val="100000"/>
+              </a:lnSpc>
+              <a:spcBef>
+                <a:spcPts val="0"/>
+              </a:spcBef>
+              <a:spcAft>
+                <a:spcPts val="0"/>
+              </a:spcAft>
+              <a:buSzPts val="1800"/>
+              <a:buNone/>
+            </a:pPr>
+            <a:r>
+              <a:rPr lang="en" dirty="0"/>
               <a:t>Front-End to Back-End Connection– </a:t>
             </a:r>
             <a:r>
@@ -23805,7 +25184,7 @@
             </a:pPr>
             <a:fld id="{00000000-1234-1234-1234-123412341234}" type="slidenum">
               <a:rPr lang="en"/>
-              <a:t>38</a:t>
+              <a:t>39</a:t>
             </a:fld>
             <a:endParaRPr/>
           </a:p>
@@ -23815,271 +25194,6 @@
     <p:extLst>
       <p:ext uri="{BB962C8B-B14F-4D97-AF65-F5344CB8AC3E}">
         <p14:creationId xmlns:p14="http://schemas.microsoft.com/office/powerpoint/2010/main" val="280367093"/>
-      </p:ext>
-    </p:extLst>
-  </p:cSld>
-  <p:clrMapOvr>
-    <a:masterClrMapping/>
-  </p:clrMapOvr>
-</p:sld>
-</file>
-
-<file path=ppt/slides/slide39.xml><?xml version="1.0" encoding="utf-8"?>
-<p:sld xmlns:a="http://schemas.openxmlformats.org/drawingml/2006/main" xmlns:r="http://schemas.openxmlformats.org/officeDocument/2006/relationships" xmlns:p="http://schemas.openxmlformats.org/presentationml/2006/main">
-  <p:cSld>
-    <p:spTree>
-      <p:nvGrpSpPr>
-        <p:cNvPr id="1" name="Shape 115"/>
-        <p:cNvGrpSpPr/>
-        <p:nvPr/>
-      </p:nvGrpSpPr>
-      <p:grpSpPr>
-        <a:xfrm>
-          <a:off x="0" y="0"/>
-          <a:ext cx="0" cy="0"/>
-          <a:chOff x="0" y="0"/>
-          <a:chExt cx="0" cy="0"/>
-        </a:xfrm>
-      </p:grpSpPr>
-      <p:sp>
-        <p:nvSpPr>
-          <p:cNvPr id="116" name="Google Shape;116;p4"/>
-          <p:cNvSpPr txBox="1">
-            <a:spLocks noGrp="1"/>
-          </p:cNvSpPr>
-          <p:nvPr>
-            <p:ph type="ctrTitle"/>
-          </p:nvPr>
-        </p:nvSpPr>
-        <p:spPr>
-          <a:xfrm>
-            <a:off x="1530175" y="2307788"/>
-            <a:ext cx="6767100" cy="532200"/>
-          </a:xfrm>
-          <a:prstGeom prst="rect">
-            <a:avLst/>
-          </a:prstGeom>
-          <a:noFill/>
-          <a:ln>
-            <a:noFill/>
-          </a:ln>
-        </p:spPr>
-        <p:txBody>
-          <a:bodyPr spcFirstLastPara="1" wrap="square" lIns="91425" tIns="91425" rIns="91425" bIns="91425" anchor="ctr" anchorCtr="0">
-            <a:noAutofit/>
-          </a:bodyPr>
-          <a:lstStyle/>
-          <a:p>
-            <a:pPr marL="0" marR="0" lvl="0" indent="0" rtl="0">
-              <a:lnSpc>
-                <a:spcPct val="100000"/>
-              </a:lnSpc>
-              <a:spcBef>
-                <a:spcPts val="0"/>
-              </a:spcBef>
-              <a:spcAft>
-                <a:spcPts val="0"/>
-              </a:spcAft>
-              <a:buClr>
-                <a:srgbClr val="000000"/>
-              </a:buClr>
-              <a:buSzPts val="900"/>
-              <a:buFont typeface="Arial"/>
-              <a:buNone/>
-            </a:pPr>
-            <a:r>
-              <a:rPr lang="en-AU" dirty="0"/>
-              <a:t>Product</a:t>
-            </a:r>
-            <a:r>
-              <a:rPr lang="en-AU" sz="3200" b="0" i="0" u="none" strike="noStrike" cap="none" dirty="0">
-                <a:solidFill>
-                  <a:schemeClr val="accent5"/>
-                </a:solidFill>
-                <a:latin typeface="Quicksand"/>
-                <a:ea typeface="Quicksand"/>
-                <a:cs typeface="Quicksand"/>
-                <a:sym typeface="Quicksand"/>
-              </a:rPr>
-              <a:t> </a:t>
-            </a:r>
-            <a:r>
-              <a:rPr lang="en-AU" dirty="0"/>
-              <a:t>deployment and testing</a:t>
-            </a:r>
-          </a:p>
-        </p:txBody>
-      </p:sp>
-      <p:sp>
-        <p:nvSpPr>
-          <p:cNvPr id="117" name="Google Shape;117;p4"/>
-          <p:cNvSpPr txBox="1">
-            <a:spLocks noGrp="1"/>
-          </p:cNvSpPr>
-          <p:nvPr>
-            <p:ph type="subTitle" idx="1"/>
-          </p:nvPr>
-        </p:nvSpPr>
-        <p:spPr>
-          <a:xfrm>
-            <a:off x="1567326" y="2782913"/>
-            <a:ext cx="6927900" cy="353100"/>
-          </a:xfrm>
-          <a:prstGeom prst="rect">
-            <a:avLst/>
-          </a:prstGeom>
-          <a:noFill/>
-          <a:ln>
-            <a:noFill/>
-          </a:ln>
-        </p:spPr>
-        <p:txBody>
-          <a:bodyPr spcFirstLastPara="1" wrap="square" lIns="91425" tIns="91425" rIns="91425" bIns="91425" anchor="t" anchorCtr="0">
-            <a:noAutofit/>
-          </a:bodyPr>
-          <a:lstStyle/>
-          <a:p>
-            <a:pPr marL="0" lvl="0" indent="0" algn="l" rtl="0">
-              <a:lnSpc>
-                <a:spcPct val="100000"/>
-              </a:lnSpc>
-              <a:spcBef>
-                <a:spcPts val="0"/>
-              </a:spcBef>
-              <a:spcAft>
-                <a:spcPts val="0"/>
-              </a:spcAft>
-              <a:buSzPts val="1800"/>
-              <a:buNone/>
-            </a:pPr>
-            <a:r>
-              <a:rPr lang="en" dirty="0"/>
-              <a:t>Making the final product accesible</a:t>
-            </a:r>
-            <a:endParaRPr dirty="0"/>
-          </a:p>
-        </p:txBody>
-      </p:sp>
-      <p:sp>
-        <p:nvSpPr>
-          <p:cNvPr id="118" name="Google Shape;118;p4"/>
-          <p:cNvSpPr txBox="1"/>
-          <p:nvPr/>
-        </p:nvSpPr>
-        <p:spPr>
-          <a:xfrm>
-            <a:off x="526358" y="2279925"/>
-            <a:ext cx="802500" cy="589800"/>
-          </a:xfrm>
-          <a:prstGeom prst="rect">
-            <a:avLst/>
-          </a:prstGeom>
-          <a:noFill/>
-          <a:ln>
-            <a:noFill/>
-          </a:ln>
-        </p:spPr>
-        <p:txBody>
-          <a:bodyPr spcFirstLastPara="1" wrap="square" lIns="91425" tIns="91425" rIns="91425" bIns="91425" anchor="ctr" anchorCtr="0">
-            <a:noAutofit/>
-          </a:bodyPr>
-          <a:lstStyle/>
-          <a:p>
-            <a:pPr marL="0" marR="0" lvl="0" indent="0" algn="ctr" rtl="0">
-              <a:lnSpc>
-                <a:spcPct val="100000"/>
-              </a:lnSpc>
-              <a:spcBef>
-                <a:spcPts val="0"/>
-              </a:spcBef>
-              <a:spcAft>
-                <a:spcPts val="0"/>
-              </a:spcAft>
-              <a:buClr>
-                <a:srgbClr val="000000"/>
-              </a:buClr>
-              <a:buSzPts val="3000"/>
-              <a:buFont typeface="Arial"/>
-              <a:buNone/>
-            </a:pPr>
-            <a:r>
-              <a:rPr lang="en-US" sz="3000" b="0" i="0" u="none" strike="noStrike" cap="none" dirty="0">
-                <a:solidFill>
-                  <a:srgbClr val="2E3037"/>
-                </a:solidFill>
-                <a:latin typeface="Quicksand"/>
-                <a:ea typeface="Quicksand"/>
-                <a:cs typeface="Quicksand"/>
-                <a:sym typeface="Quicksand"/>
-              </a:rPr>
-              <a:t>6</a:t>
-            </a:r>
-            <a:endParaRPr sz="3000" b="0" i="0" u="none" strike="noStrike" cap="none" dirty="0">
-              <a:solidFill>
-                <a:srgbClr val="2E3037"/>
-              </a:solidFill>
-              <a:latin typeface="Quicksand"/>
-              <a:ea typeface="Quicksand"/>
-              <a:cs typeface="Quicksand"/>
-              <a:sym typeface="Quicksand"/>
-            </a:endParaRPr>
-          </a:p>
-        </p:txBody>
-      </p:sp>
-      <p:sp>
-        <p:nvSpPr>
-          <p:cNvPr id="119" name="Google Shape;119;p4"/>
-          <p:cNvSpPr txBox="1">
-            <a:spLocks noGrp="1"/>
-          </p:cNvSpPr>
-          <p:nvPr>
-            <p:ph type="sldNum" idx="12"/>
-          </p:nvPr>
-        </p:nvSpPr>
-        <p:spPr>
-          <a:xfrm>
-            <a:off x="8523157" y="4752131"/>
-            <a:ext cx="548700" cy="315300"/>
-          </a:xfrm>
-          <a:prstGeom prst="rect">
-            <a:avLst/>
-          </a:prstGeom>
-          <a:noFill/>
-          <a:ln>
-            <a:noFill/>
-          </a:ln>
-        </p:spPr>
-        <p:txBody>
-          <a:bodyPr spcFirstLastPara="1" wrap="square" lIns="91425" tIns="91425" rIns="91425" bIns="91425" anchor="t" anchorCtr="0">
-            <a:noAutofit/>
-          </a:bodyPr>
-          <a:lstStyle/>
-          <a:p>
-            <a:pPr marL="0" lvl="0" indent="0" algn="r" rtl="0">
-              <a:lnSpc>
-                <a:spcPct val="100000"/>
-              </a:lnSpc>
-              <a:spcBef>
-                <a:spcPts val="0"/>
-              </a:spcBef>
-              <a:spcAft>
-                <a:spcPts val="0"/>
-              </a:spcAft>
-              <a:buSzPts val="1200"/>
-              <a:buNone/>
-            </a:pPr>
-            <a:fld id="{00000000-1234-1234-1234-123412341234}" type="slidenum">
-              <a:rPr lang="en"/>
-              <a:t>39</a:t>
-            </a:fld>
-            <a:endParaRPr/>
-          </a:p>
-        </p:txBody>
-      </p:sp>
-    </p:spTree>
-    <p:extLst>
-      <p:ext uri="{BB962C8B-B14F-4D97-AF65-F5344CB8AC3E}">
-        <p14:creationId xmlns:p14="http://schemas.microsoft.com/office/powerpoint/2010/main" val="2884051511"/>
       </p:ext>
     </p:extLst>
   </p:cSld>
@@ -24335,6 +25449,271 @@
   <p:cSld>
     <p:spTree>
       <p:nvGrpSpPr>
+        <p:cNvPr id="1" name="Shape 115"/>
+        <p:cNvGrpSpPr/>
+        <p:nvPr/>
+      </p:nvGrpSpPr>
+      <p:grpSpPr>
+        <a:xfrm>
+          <a:off x="0" y="0"/>
+          <a:ext cx="0" cy="0"/>
+          <a:chOff x="0" y="0"/>
+          <a:chExt cx="0" cy="0"/>
+        </a:xfrm>
+      </p:grpSpPr>
+      <p:sp>
+        <p:nvSpPr>
+          <p:cNvPr id="116" name="Google Shape;116;p4"/>
+          <p:cNvSpPr txBox="1">
+            <a:spLocks noGrp="1"/>
+          </p:cNvSpPr>
+          <p:nvPr>
+            <p:ph type="ctrTitle"/>
+          </p:nvPr>
+        </p:nvSpPr>
+        <p:spPr>
+          <a:xfrm>
+            <a:off x="1530175" y="2307788"/>
+            <a:ext cx="6767100" cy="532200"/>
+          </a:xfrm>
+          <a:prstGeom prst="rect">
+            <a:avLst/>
+          </a:prstGeom>
+          <a:noFill/>
+          <a:ln>
+            <a:noFill/>
+          </a:ln>
+        </p:spPr>
+        <p:txBody>
+          <a:bodyPr spcFirstLastPara="1" wrap="square" lIns="91425" tIns="91425" rIns="91425" bIns="91425" anchor="ctr" anchorCtr="0">
+            <a:noAutofit/>
+          </a:bodyPr>
+          <a:lstStyle/>
+          <a:p>
+            <a:pPr marL="0" marR="0" lvl="0" indent="0" rtl="0">
+              <a:lnSpc>
+                <a:spcPct val="100000"/>
+              </a:lnSpc>
+              <a:spcBef>
+                <a:spcPts val="0"/>
+              </a:spcBef>
+              <a:spcAft>
+                <a:spcPts val="0"/>
+              </a:spcAft>
+              <a:buClr>
+                <a:srgbClr val="000000"/>
+              </a:buClr>
+              <a:buSzPts val="900"/>
+              <a:buFont typeface="Arial"/>
+              <a:buNone/>
+            </a:pPr>
+            <a:r>
+              <a:rPr lang="en-AU" dirty="0"/>
+              <a:t>Product</a:t>
+            </a:r>
+            <a:r>
+              <a:rPr lang="en-AU" sz="3200" b="0" i="0" u="none" strike="noStrike" cap="none" dirty="0">
+                <a:solidFill>
+                  <a:schemeClr val="accent5"/>
+                </a:solidFill>
+                <a:latin typeface="Quicksand"/>
+                <a:ea typeface="Quicksand"/>
+                <a:cs typeface="Quicksand"/>
+                <a:sym typeface="Quicksand"/>
+              </a:rPr>
+              <a:t> </a:t>
+            </a:r>
+            <a:r>
+              <a:rPr lang="en-AU" dirty="0"/>
+              <a:t>deployment and testing</a:t>
+            </a:r>
+          </a:p>
+        </p:txBody>
+      </p:sp>
+      <p:sp>
+        <p:nvSpPr>
+          <p:cNvPr id="117" name="Google Shape;117;p4"/>
+          <p:cNvSpPr txBox="1">
+            <a:spLocks noGrp="1"/>
+          </p:cNvSpPr>
+          <p:nvPr>
+            <p:ph type="subTitle" idx="1"/>
+          </p:nvPr>
+        </p:nvSpPr>
+        <p:spPr>
+          <a:xfrm>
+            <a:off x="1567326" y="2782913"/>
+            <a:ext cx="6927900" cy="353100"/>
+          </a:xfrm>
+          <a:prstGeom prst="rect">
+            <a:avLst/>
+          </a:prstGeom>
+          <a:noFill/>
+          <a:ln>
+            <a:noFill/>
+          </a:ln>
+        </p:spPr>
+        <p:txBody>
+          <a:bodyPr spcFirstLastPara="1" wrap="square" lIns="91425" tIns="91425" rIns="91425" bIns="91425" anchor="t" anchorCtr="0">
+            <a:noAutofit/>
+          </a:bodyPr>
+          <a:lstStyle/>
+          <a:p>
+            <a:pPr marL="0" lvl="0" indent="0" algn="l" rtl="0">
+              <a:lnSpc>
+                <a:spcPct val="100000"/>
+              </a:lnSpc>
+              <a:spcBef>
+                <a:spcPts val="0"/>
+              </a:spcBef>
+              <a:spcAft>
+                <a:spcPts val="0"/>
+              </a:spcAft>
+              <a:buSzPts val="1800"/>
+              <a:buNone/>
+            </a:pPr>
+            <a:r>
+              <a:rPr lang="en" dirty="0"/>
+              <a:t>Making the final product accesible</a:t>
+            </a:r>
+            <a:endParaRPr dirty="0"/>
+          </a:p>
+        </p:txBody>
+      </p:sp>
+      <p:sp>
+        <p:nvSpPr>
+          <p:cNvPr id="118" name="Google Shape;118;p4"/>
+          <p:cNvSpPr txBox="1"/>
+          <p:nvPr/>
+        </p:nvSpPr>
+        <p:spPr>
+          <a:xfrm>
+            <a:off x="526358" y="2279925"/>
+            <a:ext cx="802500" cy="589800"/>
+          </a:xfrm>
+          <a:prstGeom prst="rect">
+            <a:avLst/>
+          </a:prstGeom>
+          <a:noFill/>
+          <a:ln>
+            <a:noFill/>
+          </a:ln>
+        </p:spPr>
+        <p:txBody>
+          <a:bodyPr spcFirstLastPara="1" wrap="square" lIns="91425" tIns="91425" rIns="91425" bIns="91425" anchor="ctr" anchorCtr="0">
+            <a:noAutofit/>
+          </a:bodyPr>
+          <a:lstStyle/>
+          <a:p>
+            <a:pPr marL="0" marR="0" lvl="0" indent="0" algn="ctr" rtl="0">
+              <a:lnSpc>
+                <a:spcPct val="100000"/>
+              </a:lnSpc>
+              <a:spcBef>
+                <a:spcPts val="0"/>
+              </a:spcBef>
+              <a:spcAft>
+                <a:spcPts val="0"/>
+              </a:spcAft>
+              <a:buClr>
+                <a:srgbClr val="000000"/>
+              </a:buClr>
+              <a:buSzPts val="3000"/>
+              <a:buFont typeface="Arial"/>
+              <a:buNone/>
+            </a:pPr>
+            <a:r>
+              <a:rPr lang="en-US" sz="3000" b="0" i="0" u="none" strike="noStrike" cap="none" dirty="0">
+                <a:solidFill>
+                  <a:srgbClr val="2E3037"/>
+                </a:solidFill>
+                <a:latin typeface="Quicksand"/>
+                <a:ea typeface="Quicksand"/>
+                <a:cs typeface="Quicksand"/>
+                <a:sym typeface="Quicksand"/>
+              </a:rPr>
+              <a:t>6</a:t>
+            </a:r>
+            <a:endParaRPr sz="3000" b="0" i="0" u="none" strike="noStrike" cap="none" dirty="0">
+              <a:solidFill>
+                <a:srgbClr val="2E3037"/>
+              </a:solidFill>
+              <a:latin typeface="Quicksand"/>
+              <a:ea typeface="Quicksand"/>
+              <a:cs typeface="Quicksand"/>
+              <a:sym typeface="Quicksand"/>
+            </a:endParaRPr>
+          </a:p>
+        </p:txBody>
+      </p:sp>
+      <p:sp>
+        <p:nvSpPr>
+          <p:cNvPr id="119" name="Google Shape;119;p4"/>
+          <p:cNvSpPr txBox="1">
+            <a:spLocks noGrp="1"/>
+          </p:cNvSpPr>
+          <p:nvPr>
+            <p:ph type="sldNum" idx="12"/>
+          </p:nvPr>
+        </p:nvSpPr>
+        <p:spPr>
+          <a:xfrm>
+            <a:off x="8523157" y="4752131"/>
+            <a:ext cx="548700" cy="315300"/>
+          </a:xfrm>
+          <a:prstGeom prst="rect">
+            <a:avLst/>
+          </a:prstGeom>
+          <a:noFill/>
+          <a:ln>
+            <a:noFill/>
+          </a:ln>
+        </p:spPr>
+        <p:txBody>
+          <a:bodyPr spcFirstLastPara="1" wrap="square" lIns="91425" tIns="91425" rIns="91425" bIns="91425" anchor="t" anchorCtr="0">
+            <a:noAutofit/>
+          </a:bodyPr>
+          <a:lstStyle/>
+          <a:p>
+            <a:pPr marL="0" lvl="0" indent="0" algn="r" rtl="0">
+              <a:lnSpc>
+                <a:spcPct val="100000"/>
+              </a:lnSpc>
+              <a:spcBef>
+                <a:spcPts val="0"/>
+              </a:spcBef>
+              <a:spcAft>
+                <a:spcPts val="0"/>
+              </a:spcAft>
+              <a:buSzPts val="1200"/>
+              <a:buNone/>
+            </a:pPr>
+            <a:fld id="{00000000-1234-1234-1234-123412341234}" type="slidenum">
+              <a:rPr lang="en"/>
+              <a:t>40</a:t>
+            </a:fld>
+            <a:endParaRPr/>
+          </a:p>
+        </p:txBody>
+      </p:sp>
+    </p:spTree>
+    <p:extLst>
+      <p:ext uri="{BB962C8B-B14F-4D97-AF65-F5344CB8AC3E}">
+        <p14:creationId xmlns:p14="http://schemas.microsoft.com/office/powerpoint/2010/main" val="2884051511"/>
+      </p:ext>
+    </p:extLst>
+  </p:cSld>
+  <p:clrMapOvr>
+    <a:masterClrMapping/>
+  </p:clrMapOvr>
+</p:sld>
+</file>
+
+<file path=ppt/slides/slide41.xml><?xml version="1.0" encoding="utf-8"?>
+<p:sld xmlns:a="http://schemas.openxmlformats.org/drawingml/2006/main" xmlns:r="http://schemas.openxmlformats.org/officeDocument/2006/relationships" xmlns:p="http://schemas.openxmlformats.org/presentationml/2006/main">
+  <p:cSld>
+    <p:spTree>
+      <p:nvGrpSpPr>
         <p:cNvPr id="1" name="Shape 232"/>
         <p:cNvGrpSpPr/>
         <p:nvPr/>
@@ -24411,7 +25790,7 @@
             </a:r>
             <a:r>
               <a:rPr lang="en" dirty="0"/>
-              <a:t>- Tools</a:t>
+              <a:t>- Heroku</a:t>
             </a:r>
             <a:endParaRPr dirty="0">
               <a:solidFill>
@@ -24450,7 +25829,7 @@
           </a:bodyPr>
           <a:lstStyle/>
           <a:p>
-            <a:pPr marL="457200" lvl="0" indent="-381000" algn="l" rtl="0">
+            <a:pPr marL="76200" lvl="0" indent="0" algn="l" rtl="0">
               <a:lnSpc>
                 <a:spcPct val="100000"/>
               </a:lnSpc>
@@ -24464,31 +25843,13 @@
                 <a:schemeClr val="accent1"/>
               </a:buClr>
               <a:buSzPts val="2400"/>
-              <a:buChar char="◦"/>
+              <a:buNone/>
             </a:pPr>
             <a:r>
-              <a:rPr lang="en-US" sz="2400" dirty="0"/>
-              <a:t>Heroku – </a:t>
+              <a:rPr lang="en-US" sz="2400" b="1" dirty="0"/>
+              <a:t>Challenges</a:t>
             </a:r>
-            <a:r>
-              <a:rPr lang="en-US" sz="2400" dirty="0">
-                <a:solidFill>
-                  <a:srgbClr val="FF0000"/>
-                </a:solidFill>
-                <a:highlight>
-                  <a:srgbClr val="FFFF00"/>
-                </a:highlight>
-              </a:rPr>
-              <a:t>have screenshots?</a:t>
-            </a:r>
-            <a:endParaRPr sz="2400" dirty="0">
-              <a:solidFill>
-                <a:srgbClr val="FF0000"/>
-              </a:solidFill>
-              <a:highlight>
-                <a:srgbClr val="FFFF00"/>
-              </a:highlight>
-            </a:endParaRPr>
+            <a:endParaRPr lang="en-US" sz="2400" dirty="0"/>
           </a:p>
           <a:p>
             <a:pPr indent="-381000">
@@ -24522,13 +25883,10 @@
             <a:r>
               <a:rPr lang="en-US" sz="2400" dirty="0">
                 <a:solidFill>
-                  <a:srgbClr val="FF0000"/>
+                  <a:schemeClr val="bg1"/>
                 </a:solidFill>
-                <a:highlight>
-                  <a:srgbClr val="FFFF00"/>
-                </a:highlight>
               </a:rPr>
-              <a:t>Additional tools?</a:t>
+              <a:t>Slug ignore file</a:t>
             </a:r>
           </a:p>
           <a:p>
@@ -24544,14 +25902,87 @@
             <a:r>
               <a:rPr lang="en-US" sz="2400" dirty="0">
                 <a:solidFill>
-                  <a:srgbClr val="FF0000"/>
+                  <a:schemeClr val="bg1"/>
                 </a:solidFill>
-                <a:highlight>
-                  <a:srgbClr val="FFFF00"/>
-                </a:highlight>
               </a:rPr>
-              <a:t>Screenshots of testing?</a:t>
+              <a:t>File size limits</a:t>
             </a:r>
+          </a:p>
+          <a:p>
+            <a:pPr indent="-381000">
+              <a:spcBef>
+                <a:spcPts val="0"/>
+              </a:spcBef>
+              <a:buClr>
+                <a:schemeClr val="accent1"/>
+              </a:buClr>
+              <a:buSzPts val="2400"/>
+            </a:pPr>
+            <a:endParaRPr lang="en-US" sz="2400" dirty="0">
+              <a:solidFill>
+                <a:srgbClr val="FF0000"/>
+              </a:solidFill>
+              <a:highlight>
+                <a:srgbClr val="FFFF00"/>
+              </a:highlight>
+            </a:endParaRPr>
+          </a:p>
+          <a:p>
+            <a:pPr indent="-381000">
+              <a:spcBef>
+                <a:spcPts val="0"/>
+              </a:spcBef>
+              <a:buClr>
+                <a:schemeClr val="accent1"/>
+              </a:buClr>
+              <a:buSzPts val="2400"/>
+            </a:pPr>
+            <a:endParaRPr lang="en-US" sz="2400" dirty="0">
+              <a:solidFill>
+                <a:srgbClr val="FF0000"/>
+              </a:solidFill>
+              <a:highlight>
+                <a:srgbClr val="FFFF00"/>
+              </a:highlight>
+            </a:endParaRPr>
+          </a:p>
+          <a:p>
+            <a:pPr indent="-381000">
+              <a:spcBef>
+                <a:spcPts val="0"/>
+              </a:spcBef>
+              <a:buClr>
+                <a:schemeClr val="accent1"/>
+              </a:buClr>
+              <a:buSzPts val="2400"/>
+            </a:pPr>
+            <a:endParaRPr lang="en-US" sz="2400" dirty="0">
+              <a:solidFill>
+                <a:srgbClr val="FF0000"/>
+              </a:solidFill>
+              <a:highlight>
+                <a:srgbClr val="FFFF00"/>
+              </a:highlight>
+            </a:endParaRPr>
+          </a:p>
+          <a:p>
+            <a:pPr indent="-381000">
+              <a:spcBef>
+                <a:spcPts val="0"/>
+              </a:spcBef>
+              <a:buClr>
+                <a:schemeClr val="accent1"/>
+              </a:buClr>
+              <a:buSzPts val="2400"/>
+            </a:pPr>
+            <a:endParaRPr lang="en-US" sz="2400" dirty="0">
+              <a:solidFill>
+                <a:srgbClr val="FF0000"/>
+              </a:solidFill>
+              <a:highlight>
+                <a:srgbClr val="FFFF00"/>
+              </a:highlight>
+            </a:endParaRPr>
           </a:p>
           <a:p>
             <a:pPr marL="457200" lvl="0" indent="-381000" algn="l" rtl="0">
@@ -24622,12 +26053,42 @@
             </a:pPr>
             <a:fld id="{00000000-1234-1234-1234-123412341234}" type="slidenum">
               <a:rPr lang="en"/>
-              <a:t>40</a:t>
+              <a:t>41</a:t>
             </a:fld>
             <a:endParaRPr/>
           </a:p>
         </p:txBody>
       </p:sp>
+      <p:pic>
+        <p:nvPicPr>
+          <p:cNvPr id="3" name="Picture 2">
+            <a:extLst>
+              <a:ext uri="{FF2B5EF4-FFF2-40B4-BE49-F238E27FC236}">
+                <a16:creationId xmlns:a16="http://schemas.microsoft.com/office/drawing/2014/main" id="{4E97F2ED-070C-4251-8706-A31E54A51025}"/>
+              </a:ext>
+            </a:extLst>
+          </p:cNvPr>
+          <p:cNvPicPr>
+            <a:picLocks noChangeAspect="1"/>
+          </p:cNvPicPr>
+          <p:nvPr/>
+        </p:nvPicPr>
+        <p:blipFill>
+          <a:blip r:embed="rId3"/>
+          <a:stretch>
+            <a:fillRect/>
+          </a:stretch>
+        </p:blipFill>
+        <p:spPr>
+          <a:xfrm>
+            <a:off x="1772948" y="2804953"/>
+            <a:ext cx="4171950" cy="1011541"/>
+          </a:xfrm>
+          <a:prstGeom prst="rect">
+            <a:avLst/>
+          </a:prstGeom>
+        </p:spPr>
+      </p:pic>
     </p:spTree>
     <p:extLst>
       <p:ext uri="{BB962C8B-B14F-4D97-AF65-F5344CB8AC3E}">
@@ -24641,7 +26102,511 @@
 </p:sld>
 </file>
 
-<file path=ppt/slides/slide41.xml><?xml version="1.0" encoding="utf-8"?>
+<file path=ppt/slides/slide42.xml><?xml version="1.0" encoding="utf-8"?>
+<p:sld xmlns:a="http://schemas.openxmlformats.org/drawingml/2006/main" xmlns:r="http://schemas.openxmlformats.org/officeDocument/2006/relationships" xmlns:p="http://schemas.openxmlformats.org/presentationml/2006/main">
+  <p:cSld>
+    <p:spTree>
+      <p:nvGrpSpPr>
+        <p:cNvPr id="1" name="Shape 155"/>
+        <p:cNvGrpSpPr/>
+        <p:nvPr/>
+      </p:nvGrpSpPr>
+      <p:grpSpPr>
+        <a:xfrm>
+          <a:off x="0" y="0"/>
+          <a:ext cx="0" cy="0"/>
+          <a:chOff x="0" y="0"/>
+          <a:chExt cx="0" cy="0"/>
+        </a:xfrm>
+      </p:grpSpPr>
+      <p:sp>
+        <p:nvSpPr>
+          <p:cNvPr id="157" name="Google Shape;157;p9"/>
+          <p:cNvSpPr txBox="1">
+            <a:spLocks noGrp="1"/>
+          </p:cNvSpPr>
+          <p:nvPr>
+            <p:ph type="title"/>
+          </p:nvPr>
+        </p:nvSpPr>
+        <p:spPr>
+          <a:xfrm>
+            <a:off x="1165475" y="549649"/>
+            <a:ext cx="6858000" cy="345000"/>
+          </a:xfrm>
+          <a:prstGeom prst="rect">
+            <a:avLst/>
+          </a:prstGeom>
+          <a:noFill/>
+          <a:ln>
+            <a:noFill/>
+          </a:ln>
+        </p:spPr>
+        <p:txBody>
+          <a:bodyPr spcFirstLastPara="1" wrap="square" lIns="91425" tIns="91425" rIns="91425" bIns="91425" anchor="b" anchorCtr="0">
+            <a:noAutofit/>
+          </a:bodyPr>
+          <a:lstStyle/>
+          <a:p>
+            <a:pPr marL="0" lvl="0" indent="0" algn="l" rtl="0">
+              <a:lnSpc>
+                <a:spcPct val="100000"/>
+              </a:lnSpc>
+              <a:spcBef>
+                <a:spcPts val="0"/>
+              </a:spcBef>
+              <a:spcAft>
+                <a:spcPts val="0"/>
+              </a:spcAft>
+              <a:buSzPts val="1800"/>
+              <a:buNone/>
+            </a:pPr>
+            <a:r>
+              <a:rPr lang="en-US" dirty="0"/>
+              <a:t>Ideas and Improvements</a:t>
+            </a:r>
+            <a:endParaRPr dirty="0">
+              <a:solidFill>
+                <a:srgbClr val="FF0000"/>
+              </a:solidFill>
+              <a:highlight>
+                <a:srgbClr val="FFFF00"/>
+              </a:highlight>
+            </a:endParaRPr>
+          </a:p>
+        </p:txBody>
+      </p:sp>
+      <p:sp>
+        <p:nvSpPr>
+          <p:cNvPr id="159" name="Google Shape;159;p9"/>
+          <p:cNvSpPr txBox="1">
+            <a:spLocks noGrp="1"/>
+          </p:cNvSpPr>
+          <p:nvPr>
+            <p:ph type="sldNum" idx="12"/>
+          </p:nvPr>
+        </p:nvSpPr>
+        <p:spPr>
+          <a:xfrm>
+            <a:off x="8523157" y="4752131"/>
+            <a:ext cx="548700" cy="315300"/>
+          </a:xfrm>
+          <a:prstGeom prst="rect">
+            <a:avLst/>
+          </a:prstGeom>
+          <a:noFill/>
+          <a:ln>
+            <a:noFill/>
+          </a:ln>
+        </p:spPr>
+        <p:txBody>
+          <a:bodyPr spcFirstLastPara="1" wrap="square" lIns="91425" tIns="91425" rIns="91425" bIns="91425" anchor="t" anchorCtr="0">
+            <a:noAutofit/>
+          </a:bodyPr>
+          <a:lstStyle/>
+          <a:p>
+            <a:pPr marL="0" lvl="0" indent="0" algn="r" rtl="0">
+              <a:lnSpc>
+                <a:spcPct val="100000"/>
+              </a:lnSpc>
+              <a:spcBef>
+                <a:spcPts val="0"/>
+              </a:spcBef>
+              <a:spcAft>
+                <a:spcPts val="0"/>
+              </a:spcAft>
+              <a:buSzPts val="1200"/>
+              <a:buNone/>
+            </a:pPr>
+            <a:fld id="{00000000-1234-1234-1234-123412341234}" type="slidenum">
+              <a:rPr lang="en"/>
+              <a:t>42</a:t>
+            </a:fld>
+            <a:endParaRPr/>
+          </a:p>
+        </p:txBody>
+      </p:sp>
+      <p:sp>
+        <p:nvSpPr>
+          <p:cNvPr id="8" name="Google Shape;142;p7">
+            <a:extLst>
+              <a:ext uri="{FF2B5EF4-FFF2-40B4-BE49-F238E27FC236}">
+                <a16:creationId xmlns:a16="http://schemas.microsoft.com/office/drawing/2014/main" id="{7A7DA14E-32F4-439B-9468-6CD4D5E946A9}"/>
+              </a:ext>
+            </a:extLst>
+          </p:cNvPr>
+          <p:cNvSpPr txBox="1">
+            <a:spLocks/>
+          </p:cNvSpPr>
+          <p:nvPr/>
+        </p:nvSpPr>
+        <p:spPr>
+          <a:xfrm>
+            <a:off x="1165475" y="894649"/>
+            <a:ext cx="6858000" cy="3725700"/>
+          </a:xfrm>
+          <a:prstGeom prst="rect">
+            <a:avLst/>
+          </a:prstGeom>
+          <a:noFill/>
+          <a:ln>
+            <a:noFill/>
+          </a:ln>
+        </p:spPr>
+        <p:txBody>
+          <a:bodyPr spcFirstLastPara="1" wrap="square" lIns="91425" tIns="91425" rIns="91425" bIns="91425" anchor="t" anchorCtr="0">
+            <a:noAutofit/>
+          </a:bodyPr>
+          <a:lstStyle>
+            <a:defPPr marR="0" lvl="0" algn="l" rtl="0">
+              <a:lnSpc>
+                <a:spcPct val="100000"/>
+              </a:lnSpc>
+              <a:spcBef>
+                <a:spcPts val="0"/>
+              </a:spcBef>
+              <a:spcAft>
+                <a:spcPts val="0"/>
+              </a:spcAft>
+            </a:defPPr>
+            <a:lvl1pPr marL="457200" marR="0" lvl="0" indent="-355600" algn="l" rtl="0">
+              <a:lnSpc>
+                <a:spcPct val="100000"/>
+              </a:lnSpc>
+              <a:spcBef>
+                <a:spcPts val="600"/>
+              </a:spcBef>
+              <a:spcAft>
+                <a:spcPts val="0"/>
+              </a:spcAft>
+              <a:buClr>
+                <a:schemeClr val="accent1"/>
+              </a:buClr>
+              <a:buSzPts val="2000"/>
+              <a:buFont typeface="Quicksand"/>
+              <a:buChar char="◦"/>
+              <a:defRPr sz="2000" b="0" i="0" u="none" strike="noStrike" cap="none">
+                <a:solidFill>
+                  <a:schemeClr val="lt1"/>
+                </a:solidFill>
+                <a:latin typeface="Quicksand"/>
+                <a:ea typeface="Quicksand"/>
+                <a:cs typeface="Quicksand"/>
+                <a:sym typeface="Quicksand"/>
+              </a:defRPr>
+            </a:lvl1pPr>
+            <a:lvl2pPr marL="914400" marR="0" lvl="1" indent="-355600" algn="l" rtl="0">
+              <a:lnSpc>
+                <a:spcPct val="100000"/>
+              </a:lnSpc>
+              <a:spcBef>
+                <a:spcPts val="0"/>
+              </a:spcBef>
+              <a:spcAft>
+                <a:spcPts val="0"/>
+              </a:spcAft>
+              <a:buClr>
+                <a:schemeClr val="accent1"/>
+              </a:buClr>
+              <a:buSzPts val="2000"/>
+              <a:buFont typeface="Quicksand"/>
+              <a:buChar char="▫"/>
+              <a:defRPr sz="2000" b="0" i="0" u="none" strike="noStrike" cap="none">
+                <a:solidFill>
+                  <a:schemeClr val="lt1"/>
+                </a:solidFill>
+                <a:latin typeface="Quicksand"/>
+                <a:ea typeface="Quicksand"/>
+                <a:cs typeface="Quicksand"/>
+                <a:sym typeface="Quicksand"/>
+              </a:defRPr>
+            </a:lvl2pPr>
+            <a:lvl3pPr marL="1371600" marR="0" lvl="2" indent="-355600" algn="l" rtl="0">
+              <a:lnSpc>
+                <a:spcPct val="100000"/>
+              </a:lnSpc>
+              <a:spcBef>
+                <a:spcPts val="0"/>
+              </a:spcBef>
+              <a:spcAft>
+                <a:spcPts val="0"/>
+              </a:spcAft>
+              <a:buClr>
+                <a:schemeClr val="accent1"/>
+              </a:buClr>
+              <a:buSzPts val="2000"/>
+              <a:buFont typeface="Quicksand"/>
+              <a:buChar char="■"/>
+              <a:defRPr sz="2000" b="0" i="0" u="none" strike="noStrike" cap="none">
+                <a:solidFill>
+                  <a:schemeClr val="lt1"/>
+                </a:solidFill>
+                <a:latin typeface="Quicksand"/>
+                <a:ea typeface="Quicksand"/>
+                <a:cs typeface="Quicksand"/>
+                <a:sym typeface="Quicksand"/>
+              </a:defRPr>
+            </a:lvl3pPr>
+            <a:lvl4pPr marL="1828800" marR="0" lvl="3" indent="-355600" algn="l" rtl="0">
+              <a:lnSpc>
+                <a:spcPct val="100000"/>
+              </a:lnSpc>
+              <a:spcBef>
+                <a:spcPts val="0"/>
+              </a:spcBef>
+              <a:spcAft>
+                <a:spcPts val="0"/>
+              </a:spcAft>
+              <a:buClr>
+                <a:schemeClr val="lt1"/>
+              </a:buClr>
+              <a:buSzPts val="2000"/>
+              <a:buFont typeface="Quicksand"/>
+              <a:buChar char="●"/>
+              <a:defRPr sz="2000" b="0" i="0" u="none" strike="noStrike" cap="none">
+                <a:solidFill>
+                  <a:schemeClr val="lt1"/>
+                </a:solidFill>
+                <a:latin typeface="Quicksand"/>
+                <a:ea typeface="Quicksand"/>
+                <a:cs typeface="Quicksand"/>
+                <a:sym typeface="Quicksand"/>
+              </a:defRPr>
+            </a:lvl4pPr>
+            <a:lvl5pPr marL="2286000" marR="0" lvl="4" indent="-355600" algn="l" rtl="0">
+              <a:lnSpc>
+                <a:spcPct val="100000"/>
+              </a:lnSpc>
+              <a:spcBef>
+                <a:spcPts val="0"/>
+              </a:spcBef>
+              <a:spcAft>
+                <a:spcPts val="0"/>
+              </a:spcAft>
+              <a:buClr>
+                <a:schemeClr val="lt1"/>
+              </a:buClr>
+              <a:buSzPts val="2000"/>
+              <a:buFont typeface="Quicksand"/>
+              <a:buChar char="○"/>
+              <a:defRPr sz="2000" b="0" i="0" u="none" strike="noStrike" cap="none">
+                <a:solidFill>
+                  <a:schemeClr val="lt1"/>
+                </a:solidFill>
+                <a:latin typeface="Quicksand"/>
+                <a:ea typeface="Quicksand"/>
+                <a:cs typeface="Quicksand"/>
+                <a:sym typeface="Quicksand"/>
+              </a:defRPr>
+            </a:lvl5pPr>
+            <a:lvl6pPr marL="2743200" marR="0" lvl="5" indent="-355600" algn="l" rtl="0">
+              <a:lnSpc>
+                <a:spcPct val="100000"/>
+              </a:lnSpc>
+              <a:spcBef>
+                <a:spcPts val="0"/>
+              </a:spcBef>
+              <a:spcAft>
+                <a:spcPts val="0"/>
+              </a:spcAft>
+              <a:buClr>
+                <a:schemeClr val="lt1"/>
+              </a:buClr>
+              <a:buSzPts val="2000"/>
+              <a:buFont typeface="Quicksand"/>
+              <a:buChar char="■"/>
+              <a:defRPr sz="2000" b="0" i="0" u="none" strike="noStrike" cap="none">
+                <a:solidFill>
+                  <a:schemeClr val="lt1"/>
+                </a:solidFill>
+                <a:latin typeface="Quicksand"/>
+                <a:ea typeface="Quicksand"/>
+                <a:cs typeface="Quicksand"/>
+                <a:sym typeface="Quicksand"/>
+              </a:defRPr>
+            </a:lvl6pPr>
+            <a:lvl7pPr marL="3200400" marR="0" lvl="6" indent="-355600" algn="l" rtl="0">
+              <a:lnSpc>
+                <a:spcPct val="100000"/>
+              </a:lnSpc>
+              <a:spcBef>
+                <a:spcPts val="0"/>
+              </a:spcBef>
+              <a:spcAft>
+                <a:spcPts val="0"/>
+              </a:spcAft>
+              <a:buClr>
+                <a:schemeClr val="lt1"/>
+              </a:buClr>
+              <a:buSzPts val="2000"/>
+              <a:buFont typeface="Quicksand"/>
+              <a:buChar char="●"/>
+              <a:defRPr sz="2000" b="0" i="0" u="none" strike="noStrike" cap="none">
+                <a:solidFill>
+                  <a:schemeClr val="lt1"/>
+                </a:solidFill>
+                <a:latin typeface="Quicksand"/>
+                <a:ea typeface="Quicksand"/>
+                <a:cs typeface="Quicksand"/>
+                <a:sym typeface="Quicksand"/>
+              </a:defRPr>
+            </a:lvl7pPr>
+            <a:lvl8pPr marL="3657600" marR="0" lvl="7" indent="-355600" algn="l" rtl="0">
+              <a:lnSpc>
+                <a:spcPct val="100000"/>
+              </a:lnSpc>
+              <a:spcBef>
+                <a:spcPts val="0"/>
+              </a:spcBef>
+              <a:spcAft>
+                <a:spcPts val="0"/>
+              </a:spcAft>
+              <a:buClr>
+                <a:schemeClr val="lt1"/>
+              </a:buClr>
+              <a:buSzPts val="2000"/>
+              <a:buFont typeface="Quicksand"/>
+              <a:buChar char="○"/>
+              <a:defRPr sz="2000" b="0" i="0" u="none" strike="noStrike" cap="none">
+                <a:solidFill>
+                  <a:schemeClr val="lt1"/>
+                </a:solidFill>
+                <a:latin typeface="Quicksand"/>
+                <a:ea typeface="Quicksand"/>
+                <a:cs typeface="Quicksand"/>
+                <a:sym typeface="Quicksand"/>
+              </a:defRPr>
+            </a:lvl8pPr>
+            <a:lvl9pPr marL="4114800" marR="0" lvl="8" indent="-355600" algn="l" rtl="0">
+              <a:lnSpc>
+                <a:spcPct val="100000"/>
+              </a:lnSpc>
+              <a:spcBef>
+                <a:spcPts val="0"/>
+              </a:spcBef>
+              <a:spcAft>
+                <a:spcPts val="0"/>
+              </a:spcAft>
+              <a:buClr>
+                <a:schemeClr val="lt1"/>
+              </a:buClr>
+              <a:buSzPts val="2000"/>
+              <a:buFont typeface="Quicksand"/>
+              <a:buChar char="■"/>
+              <a:defRPr sz="2000" b="0" i="0" u="none" strike="noStrike" cap="none">
+                <a:solidFill>
+                  <a:schemeClr val="lt1"/>
+                </a:solidFill>
+                <a:latin typeface="Quicksand"/>
+                <a:ea typeface="Quicksand"/>
+                <a:cs typeface="Quicksand"/>
+                <a:sym typeface="Quicksand"/>
+              </a:defRPr>
+            </a:lvl9pPr>
+          </a:lstStyle>
+          <a:p>
+            <a:pPr marL="0" indent="0">
+              <a:buSzPts val="3000"/>
+              <a:buFont typeface="Quicksand"/>
+              <a:buNone/>
+            </a:pPr>
+            <a:r>
+              <a:rPr lang="en-US" sz="2400" dirty="0"/>
+              <a:t>Things that could have been done differently:</a:t>
+            </a:r>
+          </a:p>
+          <a:p>
+            <a:pPr marL="457200" lvl="0" indent="-355600" algn="l" rtl="0">
+              <a:lnSpc>
+                <a:spcPct val="100000"/>
+              </a:lnSpc>
+              <a:spcBef>
+                <a:spcPts val="600"/>
+              </a:spcBef>
+              <a:spcAft>
+                <a:spcPts val="0"/>
+              </a:spcAft>
+              <a:buSzPts val="2000"/>
+              <a:buChar char="◦"/>
+            </a:pPr>
+            <a:r>
+              <a:rPr lang="en-US" sz="2400" dirty="0"/>
+              <a:t>Implemented  a database</a:t>
+            </a:r>
+          </a:p>
+          <a:p>
+            <a:pPr marL="457200" lvl="0" indent="-355600" algn="l" rtl="0">
+              <a:lnSpc>
+                <a:spcPct val="100000"/>
+              </a:lnSpc>
+              <a:spcBef>
+                <a:spcPts val="600"/>
+              </a:spcBef>
+              <a:spcAft>
+                <a:spcPts val="0"/>
+              </a:spcAft>
+              <a:buSzPts val="2000"/>
+              <a:buChar char="◦"/>
+            </a:pPr>
+            <a:r>
+              <a:rPr lang="en-US" sz="2400" dirty="0"/>
+              <a:t>Streamlined interface – less input fields</a:t>
+            </a:r>
+          </a:p>
+          <a:p>
+            <a:pPr marL="457200" lvl="0" indent="-355600" algn="l" rtl="0">
+              <a:lnSpc>
+                <a:spcPct val="100000"/>
+              </a:lnSpc>
+              <a:spcBef>
+                <a:spcPts val="600"/>
+              </a:spcBef>
+              <a:spcAft>
+                <a:spcPts val="0"/>
+              </a:spcAft>
+              <a:buSzPts val="2000"/>
+              <a:buChar char="◦"/>
+            </a:pPr>
+            <a:r>
+              <a:rPr lang="en-US" sz="2400" dirty="0"/>
+              <a:t>Delve deeper into dataset</a:t>
+            </a:r>
+          </a:p>
+          <a:p>
+            <a:pPr marL="0" indent="0">
+              <a:buSzPts val="3000"/>
+              <a:buFont typeface="Quicksand"/>
+              <a:buNone/>
+            </a:pPr>
+            <a:endParaRPr lang="en-US" sz="2400" dirty="0"/>
+          </a:p>
+          <a:p>
+            <a:pPr marL="0" indent="0">
+              <a:buSzPts val="3000"/>
+              <a:buFont typeface="Quicksand"/>
+              <a:buNone/>
+            </a:pPr>
+            <a:r>
+              <a:rPr lang="en-US" sz="2400" dirty="0"/>
+              <a:t>This model allows us to confidently make predictions.</a:t>
+            </a:r>
+          </a:p>
+        </p:txBody>
+      </p:sp>
+    </p:spTree>
+    <p:extLst>
+      <p:ext uri="{BB962C8B-B14F-4D97-AF65-F5344CB8AC3E}">
+        <p14:creationId xmlns:p14="http://schemas.microsoft.com/office/powerpoint/2010/main" val="1680849642"/>
+      </p:ext>
+    </p:extLst>
+  </p:cSld>
+  <p:clrMapOvr>
+    <a:masterClrMapping/>
+  </p:clrMapOvr>
+</p:sld>
+</file>
+
+<file path=ppt/slides/slide43.xml><?xml version="1.0" encoding="utf-8"?>
 <p:sld xmlns:a="http://schemas.openxmlformats.org/drawingml/2006/main" xmlns:r="http://schemas.openxmlformats.org/officeDocument/2006/relationships" xmlns:p="http://schemas.openxmlformats.org/presentationml/2006/main">
   <p:cSld>
     <p:spTree>
@@ -24837,42 +26802,17 @@
               <a:buNone/>
             </a:pPr>
             <a:r>
-              <a:rPr lang="en-AU" sz="2400" b="0" i="0" u="none" strike="noStrike" cap="none" dirty="0">
+              <a:rPr lang="en-US" dirty="0">
                 <a:solidFill>
-                  <a:srgbClr val="FF0000"/>
+                  <a:schemeClr val="bg1"/>
                 </a:solidFill>
-                <a:highlight>
-                  <a:srgbClr val="FFFF00"/>
-                </a:highlight>
-                <a:latin typeface="Quicksand"/>
-                <a:ea typeface="Quicksand"/>
-                <a:cs typeface="Quicksand"/>
-                <a:sym typeface="Quicksand"/>
               </a:rPr>
-              <a:t>W</a:t>
-            </a:r>
-            <a:r>
-              <a:rPr lang="en" sz="2400" b="0" i="0" u="none" strike="noStrike" cap="none" dirty="0">
-                <a:solidFill>
-                  <a:srgbClr val="FF0000"/>
-                </a:solidFill>
-                <a:highlight>
-                  <a:srgbClr val="FFFF00"/>
-                </a:highlight>
-                <a:latin typeface="Quicksand"/>
-                <a:ea typeface="Quicksand"/>
-                <a:cs typeface="Quicksand"/>
-                <a:sym typeface="Quicksand"/>
-              </a:rPr>
-              <a:t>hat is the bottomlime message we want to get across?</a:t>
+              <a:t>Our tool achieves the objectives, by collecting information for a given customer or customers and predicting whether they are at risk of cancelling their credit card.</a:t>
             </a:r>
             <a:endParaRPr sz="2400" b="0" i="0" u="none" strike="noStrike" cap="none" dirty="0">
               <a:solidFill>
-                <a:srgbClr val="FF0000"/>
+                <a:schemeClr val="bg1"/>
               </a:solidFill>
-              <a:highlight>
-                <a:srgbClr val="FFFF00"/>
-              </a:highlight>
               <a:latin typeface="Quicksand"/>
               <a:ea typeface="Quicksand"/>
               <a:cs typeface="Quicksand"/>
@@ -24925,7 +26865,7 @@
             </a:pPr>
             <a:fld id="{00000000-1234-1234-1234-123412341234}" type="slidenum">
               <a:rPr lang="en"/>
-              <a:t>41</a:t>
+              <a:t>43</a:t>
             </a:fld>
             <a:endParaRPr/>
           </a:p>
@@ -27006,10 +28946,10 @@
               <a:buNone/>
             </a:pPr>
             <a:r>
-              <a:rPr lang="en" b="1"/>
+              <a:rPr lang="en" b="1" dirty="0"/>
               <a:t>Applicable</a:t>
             </a:r>
-            <a:endParaRPr b="1"/>
+            <a:endParaRPr b="1" dirty="0"/>
           </a:p>
           <a:p>
             <a:pPr marL="0" lvl="0" indent="0" algn="l" rtl="0">
@@ -27026,10 +28966,10 @@
               <a:buNone/>
             </a:pPr>
             <a:r>
-              <a:rPr lang="en"/>
+              <a:rPr lang="en" dirty="0"/>
               <a:t>If applied to the right data, the models can work with many different industries besides banks. From health insurance to fitness centres and streaming services.</a:t>
             </a:r>
-            <a:endParaRPr/>
+            <a:endParaRPr dirty="0"/>
           </a:p>
         </p:txBody>
       </p:sp>

--- a/Final Project - Presentation.pptx
+++ b/Final Project - Presentation.pptx
@@ -37,8 +37,8 @@
     <p:sldId id="309" r:id="rId28"/>
     <p:sldId id="310" r:id="rId29"/>
     <p:sldId id="311" r:id="rId30"/>
-    <p:sldId id="332" r:id="rId31"/>
-    <p:sldId id="331" r:id="rId32"/>
+    <p:sldId id="331" r:id="rId31"/>
+    <p:sldId id="332" r:id="rId32"/>
     <p:sldId id="312" r:id="rId33"/>
     <p:sldId id="273" r:id="rId34"/>
     <p:sldId id="314" r:id="rId35"/>
@@ -63,9 +63,10 @@
       <p:boldItalic r:id="rId49"/>
     </p:embeddedFont>
     <p:embeddedFont>
-      <p:font typeface="Quicksand" panose="020B0604020202020204" charset="0"/>
+      <p:font typeface="Quicksand" panose="02070303000000060000" pitchFamily="18" charset="77"/>
       <p:regular r:id="rId50"/>
       <p:bold r:id="rId51"/>
+      <p:italic r:id="rId52"/>
     </p:embeddedFont>
   </p:embeddedFontLst>
   <p:defaultTextStyle>
@@ -302,7 +303,7 @@
       <p15:sldGuideLst xmlns:p15="http://schemas.microsoft.com/office/powerpoint/2012/main"/>
     </p:ext>
     <p:ext uri="http://customooxmlschemas.google.com/">
-      <go:slidesCustomData xmlns="" xmlns:mc="http://schemas.openxmlformats.org/markup-compatibility/2006" xmlns:mv="urn:schemas-microsoft-com:mac:vml" xmlns:c="http://schemas.openxmlformats.org/drawingml/2006/chart" xmlns:dgm="http://schemas.openxmlformats.org/drawingml/2006/diagram" xmlns:o="urn:schemas-microsoft-com:office:office" xmlns:v="urn:schemas-microsoft-com:vml" xmlns:pvml="urn:schemas-microsoft-com:office:powerpoint" xmlns:com="http://schemas.openxmlformats.org/drawingml/2006/compatibility" xmlns:p14="http://schemas.microsoft.com/office/powerpoint/2010/main" xmlns:p15="http://schemas.microsoft.com/office/powerpoint/2012/main" xmlns:ahyp="http://schemas.microsoft.com/office/drawing/2018/hyperlinkcolor" xmlns:go="http://customooxmlschemas.google.com/" r:id="rId61" roundtripDataSignature="AMtx7mgei7ef6iks7B7X8ITjCQ6wJRgUvA=="/>
+      <go:slidesCustomData xmlns:go="http://customooxmlschemas.google.com/" xmlns:ahyp="http://schemas.microsoft.com/office/drawing/2018/hyperlinkcolor" xmlns:p15="http://schemas.microsoft.com/office/powerpoint/2012/main" xmlns:p14="http://schemas.microsoft.com/office/powerpoint/2010/main" xmlns:com="http://schemas.openxmlformats.org/drawingml/2006/compatibility" xmlns:pvml="urn:schemas-microsoft-com:office:powerpoint" xmlns:v="urn:schemas-microsoft-com:vml" xmlns:o="urn:schemas-microsoft-com:office:office" xmlns:dgm="http://schemas.openxmlformats.org/drawingml/2006/diagram" xmlns:c="http://schemas.openxmlformats.org/drawingml/2006/chart" xmlns:mv="urn:schemas-microsoft-com:mac:vml" xmlns:mc="http://schemas.openxmlformats.org/markup-compatibility/2006" xmlns="" r:id="rId61" roundtripDataSignature="AMtx7mgei7ef6iks7B7X8ITjCQ6wJRgUvA=="/>
     </p:ext>
   </p:extLst>
 </p:presentation>
@@ -4220,7 +4221,7 @@
     </p:spTree>
     <p:extLst>
       <p:ext uri="{BB962C8B-B14F-4D97-AF65-F5344CB8AC3E}">
-        <p14:creationId xmlns:p14="http://schemas.microsoft.com/office/powerpoint/2010/main" val="2915421195"/>
+        <p14:creationId xmlns:p14="http://schemas.microsoft.com/office/powerpoint/2010/main" val="1238288016"/>
       </p:ext>
     </p:extLst>
   </p:cSld>
@@ -4347,7 +4348,7 @@
     </p:spTree>
     <p:extLst>
       <p:ext uri="{BB962C8B-B14F-4D97-AF65-F5344CB8AC3E}">
-        <p14:creationId xmlns:p14="http://schemas.microsoft.com/office/powerpoint/2010/main" val="1238288016"/>
+        <p14:creationId xmlns:p14="http://schemas.microsoft.com/office/powerpoint/2010/main" val="2915421195"/>
       </p:ext>
     </p:extLst>
   </p:cSld>
@@ -21733,18 +21734,7 @@
             </a:pPr>
             <a:r>
               <a:rPr lang="en-US" dirty="0"/>
-              <a:t>Modelling Approach – Feature Importance </a:t>
-            </a:r>
-            <a:r>
-              <a:rPr lang="en-US" dirty="0">
-                <a:solidFill>
-                  <a:srgbClr val="FF0000"/>
-                </a:solidFill>
-                <a:highlight>
-                  <a:srgbClr val="FFFF00"/>
-                </a:highlight>
-              </a:rPr>
-              <a:t>JASON</a:t>
+              <a:t>Modelling Approach - Conclusion</a:t>
             </a:r>
             <a:endParaRPr dirty="0">
               <a:solidFill>
@@ -21823,7 +21813,7 @@
         </p:nvSpPr>
         <p:spPr>
           <a:xfrm>
-            <a:off x="1248602" y="868151"/>
+            <a:off x="1165475" y="894649"/>
             <a:ext cx="6858000" cy="3725700"/>
           </a:xfrm>
           <a:prstGeom prst="rect">
@@ -22091,7 +22081,56 @@
               <a:buFont typeface="Quicksand"/>
               <a:buNone/>
             </a:pPr>
-            <a:endParaRPr lang="en-US" sz="2400" dirty="0"/>
+            <a:r>
+              <a:rPr lang="en-US" sz="2400" dirty="0"/>
+              <a:t>After comparing model outcomes, we opted for </a:t>
+            </a:r>
+            <a:r>
+              <a:rPr lang="en-US" sz="2400" b="1" dirty="0"/>
+              <a:t>RANDOM FOREST</a:t>
+            </a:r>
+            <a:r>
+              <a:rPr lang="en-US" sz="2400" dirty="0"/>
+              <a:t>:</a:t>
+            </a:r>
+          </a:p>
+          <a:p>
+            <a:pPr marL="457200" lvl="0" indent="-355600" algn="l" rtl="0">
+              <a:lnSpc>
+                <a:spcPct val="100000"/>
+              </a:lnSpc>
+              <a:spcBef>
+                <a:spcPts val="600"/>
+              </a:spcBef>
+              <a:spcAft>
+                <a:spcPts val="0"/>
+              </a:spcAft>
+              <a:buSzPts val="2000"/>
+              <a:buChar char="◦"/>
+            </a:pPr>
+            <a:r>
+              <a:rPr lang="en-US" sz="2400" dirty="0"/>
+              <a:t>92.48% Actual Accuracy</a:t>
+            </a:r>
+          </a:p>
+          <a:p>
+            <a:pPr marL="457200" lvl="0" indent="-355600" algn="l" rtl="0">
+              <a:lnSpc>
+                <a:spcPct val="100000"/>
+              </a:lnSpc>
+              <a:spcBef>
+                <a:spcPts val="600"/>
+              </a:spcBef>
+              <a:spcAft>
+                <a:spcPts val="0"/>
+              </a:spcAft>
+              <a:buSzPts val="2000"/>
+              <a:buChar char="◦"/>
+            </a:pPr>
+            <a:r>
+              <a:rPr lang="en-US" sz="2400" dirty="0"/>
+              <a:t>27 customers incorrectly predicted out of 359</a:t>
+            </a:r>
           </a:p>
           <a:p>
             <a:pPr marL="0" indent="0">
@@ -22100,24 +22139,6 @@
               <a:buNone/>
             </a:pPr>
             <a:endParaRPr lang="en-US" sz="2400" dirty="0"/>
-          </a:p>
-          <a:p>
-            <a:pPr marL="0" indent="0">
-              <a:buSzPts val="3000"/>
-              <a:buFont typeface="Quicksand"/>
-              <a:buNone/>
-            </a:pPr>
-            <a:r>
-              <a:rPr lang="en-US" sz="2400" dirty="0">
-                <a:solidFill>
-                  <a:srgbClr val="FF0000"/>
-                </a:solidFill>
-                <a:highlight>
-                  <a:srgbClr val="FFFF00"/>
-                </a:highlight>
-              </a:rPr>
-              <a:t>PLOT WITH FEATURE IMPORTANCE</a:t>
-            </a:r>
           </a:p>
           <a:p>
             <a:pPr marL="0" indent="0">
@@ -22135,7 +22156,7 @@
     </p:spTree>
     <p:extLst>
       <p:ext uri="{BB962C8B-B14F-4D97-AF65-F5344CB8AC3E}">
-        <p14:creationId xmlns:p14="http://schemas.microsoft.com/office/powerpoint/2010/main" val="3236178598"/>
+        <p14:creationId xmlns:p14="http://schemas.microsoft.com/office/powerpoint/2010/main" val="2584584787"/>
       </p:ext>
     </p:extLst>
   </p:cSld>
@@ -22206,7 +22227,7 @@
             </a:pPr>
             <a:r>
               <a:rPr lang="en-US" dirty="0"/>
-              <a:t>Modelling Approach - Conclusion</a:t>
+              <a:t>Modelling Approach – Feature Importance</a:t>
             </a:r>
             <a:endParaRPr dirty="0">
               <a:solidFill>
@@ -22285,8 +22306,8 @@
         </p:nvSpPr>
         <p:spPr>
           <a:xfrm>
-            <a:off x="1165475" y="894649"/>
-            <a:ext cx="6858000" cy="3725700"/>
+            <a:off x="1248602" y="247974"/>
+            <a:ext cx="6858000" cy="2323776"/>
           </a:xfrm>
           <a:prstGeom prst="rect">
             <a:avLst/>
@@ -22553,56 +22574,7 @@
               <a:buFont typeface="Quicksand"/>
               <a:buNone/>
             </a:pPr>
-            <a:r>
-              <a:rPr lang="en-US" sz="2400" dirty="0"/>
-              <a:t>After comparing model outcomes, we opted for </a:t>
-            </a:r>
-            <a:r>
-              <a:rPr lang="en-US" sz="2400" b="1" dirty="0"/>
-              <a:t>RANDOM FOREST</a:t>
-            </a:r>
-            <a:r>
-              <a:rPr lang="en-US" sz="2400" dirty="0"/>
-              <a:t>:</a:t>
-            </a:r>
-          </a:p>
-          <a:p>
-            <a:pPr marL="457200" lvl="0" indent="-355600" algn="l" rtl="0">
-              <a:lnSpc>
-                <a:spcPct val="100000"/>
-              </a:lnSpc>
-              <a:spcBef>
-                <a:spcPts val="600"/>
-              </a:spcBef>
-              <a:spcAft>
-                <a:spcPts val="0"/>
-              </a:spcAft>
-              <a:buSzPts val="2000"/>
-              <a:buChar char="◦"/>
-            </a:pPr>
-            <a:r>
-              <a:rPr lang="en-US" sz="2400" dirty="0"/>
-              <a:t>92.48% Actual Accuracy</a:t>
-            </a:r>
-          </a:p>
-          <a:p>
-            <a:pPr marL="457200" lvl="0" indent="-355600" algn="l" rtl="0">
-              <a:lnSpc>
-                <a:spcPct val="100000"/>
-              </a:lnSpc>
-              <a:spcBef>
-                <a:spcPts val="600"/>
-              </a:spcBef>
-              <a:spcAft>
-                <a:spcPts val="0"/>
-              </a:spcAft>
-              <a:buSzPts val="2000"/>
-              <a:buChar char="◦"/>
-            </a:pPr>
-            <a:r>
-              <a:rPr lang="en-US" sz="2400" dirty="0"/>
-              <a:t>27 customers incorrectly predicted out of 359</a:t>
-            </a:r>
+            <a:endParaRPr lang="en-US" sz="2400" dirty="0"/>
           </a:p>
           <a:p>
             <a:pPr marL="0" indent="0">
@@ -22620,15 +22592,45 @@
             </a:pPr>
             <a:r>
               <a:rPr lang="en-US" sz="2400" dirty="0"/>
-              <a:t>This model allows us to confidently make predictions.</a:t>
+              <a:t>Further exploration could occur to determine if some features were unnecessary</a:t>
             </a:r>
           </a:p>
         </p:txBody>
       </p:sp>
+      <p:pic>
+        <p:nvPicPr>
+          <p:cNvPr id="5" name="Picture 4">
+            <a:extLst>
+              <a:ext uri="{FF2B5EF4-FFF2-40B4-BE49-F238E27FC236}">
+                <a16:creationId xmlns:a16="http://schemas.microsoft.com/office/drawing/2014/main" id="{1E7AFBE0-B1A4-434C-BA26-0DF22CF1EE0C}"/>
+              </a:ext>
+            </a:extLst>
+          </p:cNvPr>
+          <p:cNvPicPr>
+            <a:picLocks noChangeAspect="1"/>
+          </p:cNvPicPr>
+          <p:nvPr/>
+        </p:nvPicPr>
+        <p:blipFill>
+          <a:blip r:embed="rId3"/>
+          <a:stretch>
+            <a:fillRect/>
+          </a:stretch>
+        </p:blipFill>
+        <p:spPr>
+          <a:xfrm>
+            <a:off x="3395117" y="2162209"/>
+            <a:ext cx="5570652" cy="2589922"/>
+          </a:xfrm>
+          <a:prstGeom prst="rect">
+            <a:avLst/>
+          </a:prstGeom>
+        </p:spPr>
+      </p:pic>
     </p:spTree>
     <p:extLst>
       <p:ext uri="{BB962C8B-B14F-4D97-AF65-F5344CB8AC3E}">
-        <p14:creationId xmlns:p14="http://schemas.microsoft.com/office/powerpoint/2010/main" val="2584584787"/>
+        <p14:creationId xmlns:p14="http://schemas.microsoft.com/office/powerpoint/2010/main" val="3236178598"/>
       </p:ext>
     </p:extLst>
   </p:cSld>
@@ -24652,8 +24654,27 @@
               <a:buSzPts val="2400"/>
               <a:buNone/>
             </a:pPr>
+            <a:endParaRPr lang="en-US" sz="1200" b="1" dirty="0"/>
+          </a:p>
+          <a:p>
+            <a:pPr marL="76200" lvl="0" indent="0" algn="l" rtl="0">
+              <a:lnSpc>
+                <a:spcPct val="100000"/>
+              </a:lnSpc>
+              <a:spcBef>
+                <a:spcPts val="600"/>
+              </a:spcBef>
+              <a:spcAft>
+                <a:spcPts val="0"/>
+              </a:spcAft>
+              <a:buClr>
+                <a:schemeClr val="accent1"/>
+              </a:buClr>
+              <a:buSzPts val="2400"/>
+              <a:buNone/>
+            </a:pPr>
             <a:r>
-              <a:rPr lang="en-US" sz="1200" dirty="0"/>
+              <a:rPr lang="en-US" sz="1200" b="1" dirty="0"/>
               <a:t>User individual selection </a:t>
             </a:r>
           </a:p>
@@ -24703,8 +24724,27 @@
               <a:buSzPts val="2400"/>
               <a:buNone/>
             </a:pPr>
+            <a:endParaRPr lang="en-US" sz="1200" b="1" dirty="0"/>
+          </a:p>
+          <a:p>
+            <a:pPr marL="76200" lvl="0" indent="0" algn="l" rtl="0">
+              <a:lnSpc>
+                <a:spcPct val="100000"/>
+              </a:lnSpc>
+              <a:spcBef>
+                <a:spcPts val="600"/>
+              </a:spcBef>
+              <a:spcAft>
+                <a:spcPts val="0"/>
+              </a:spcAft>
+              <a:buClr>
+                <a:schemeClr val="accent1"/>
+              </a:buClr>
+              <a:buSzPts val="2400"/>
+              <a:buNone/>
+            </a:pPr>
             <a:r>
-              <a:rPr lang="en-US" sz="1200" dirty="0"/>
+              <a:rPr lang="en-US" sz="1200" b="1" dirty="0"/>
               <a:t>CSV file </a:t>
             </a:r>
           </a:p>
@@ -24810,7 +24850,7 @@
                   <a:schemeClr val="bg1"/>
                 </a:solidFill>
               </a:rPr>
-              <a:t>Machine Learning</a:t>
+              <a:t>Machine Learning – imported model</a:t>
             </a:r>
           </a:p>
           <a:p>
@@ -24829,7 +24869,23 @@
                   <a:schemeClr val="bg1"/>
                 </a:solidFill>
               </a:rPr>
-              <a:t>Return results</a:t>
+              <a:t>Return results to JavaScript to </a:t>
+            </a:r>
+            <a:r>
+              <a:rPr lang="en-US" sz="1200" dirty="0" err="1">
+                <a:solidFill>
+                  <a:schemeClr val="bg1"/>
+                </a:solidFill>
+              </a:rPr>
+              <a:t>visualise</a:t>
+            </a:r>
+            <a:r>
+              <a:rPr lang="en-US" sz="1200" dirty="0">
+                <a:solidFill>
+                  <a:schemeClr val="bg1"/>
+                </a:solidFill>
+              </a:rPr>
+              <a:t> on screen</a:t>
             </a:r>
           </a:p>
           <a:p>

--- a/Final Project - Presentation.pptx
+++ b/Final Project - Presentation.pptx
@@ -18585,6 +18585,22 @@
             <a:endParaRPr b="1" dirty="0"/>
           </a:p>
           <a:p>
+            <a:pPr marL="342900" lvl="0" indent="-342900"/>
+            <a:r>
+              <a:rPr lang="en-US" dirty="0"/>
+              <a:t>Decision Tree – </a:t>
+            </a:r>
+            <a:r>
+              <a:rPr lang="en-US"/>
+              <a:t>Score 0</a:t>
+            </a:r>
+            <a:r>
+              <a:rPr lang="en-AU"/>
+              <a:t>.937 </a:t>
+            </a:r>
+            <a:endParaRPr lang="en-US" dirty="0"/>
+          </a:p>
+          <a:p>
             <a:pPr marL="342900" lvl="0" indent="-342900" algn="l" rtl="0">
               <a:lnSpc>
                 <a:spcPct val="100000"/>

--- a/Final Project - Presentation.pptx
+++ b/Final Project - Presentation.pptx
@@ -3571,7 +3571,7 @@
           </a:bodyPr>
           <a:lstStyle/>
           <a:p>
-            <a:pPr marL="0" lvl="0" indent="0" algn="l" rtl="0">
+            <a:pPr marL="171450" lvl="0" indent="-171450" algn="l" rtl="0">
               <a:lnSpc>
                 <a:spcPct val="100000"/>
               </a:lnSpc>
@@ -3582,9 +3582,11 @@
                 <a:spcPts val="0"/>
               </a:spcAft>
               <a:buSzPts val="1400"/>
-              <a:buNone/>
-            </a:pPr>
-            <a:endParaRPr/>
+            </a:pPr>
+            <a:r>
+              <a:rPr lang="en-AU" dirty="0"/>
+              <a:t>Trialling 4 model, you can see that there was three vying for top place, but the winner is the Random Forest. </a:t>
+            </a:r>
           </a:p>
         </p:txBody>
       </p:sp>
@@ -4201,6 +4203,60 @@
           </a:bodyPr>
           <a:lstStyle/>
           <a:p>
+            <a:pPr marL="171450" lvl="0" indent="-171450" algn="l" rtl="0">
+              <a:lnSpc>
+                <a:spcPct val="100000"/>
+              </a:lnSpc>
+              <a:spcBef>
+                <a:spcPts val="0"/>
+              </a:spcBef>
+              <a:spcAft>
+                <a:spcPts val="0"/>
+              </a:spcAft>
+              <a:buSzPts val="1400"/>
+            </a:pPr>
+            <a:r>
+              <a:rPr lang="en-AU" dirty="0"/>
+              <a:t>This result was achieved without a Grid Search – I found that running a Grid Search could take quite a bit of time for the computer to process. If time was permitting, it would have interesting to see it would have resulted in a better score. </a:t>
+            </a:r>
+          </a:p>
+          <a:p>
+            <a:pPr marL="171450" lvl="0" indent="-171450" algn="l" rtl="0">
+              <a:lnSpc>
+                <a:spcPct val="100000"/>
+              </a:lnSpc>
+              <a:spcBef>
+                <a:spcPts val="0"/>
+              </a:spcBef>
+              <a:spcAft>
+                <a:spcPts val="0"/>
+              </a:spcAft>
+              <a:buSzPts val="1400"/>
+            </a:pPr>
+            <a:r>
+              <a:rPr lang="en-AU" dirty="0"/>
+              <a:t>We were pretty happy with 96% accuracy.</a:t>
+            </a:r>
+          </a:p>
+          <a:p>
+            <a:pPr marL="171450" lvl="0" indent="-171450" algn="l" rtl="0">
+              <a:lnSpc>
+                <a:spcPct val="100000"/>
+              </a:lnSpc>
+              <a:spcBef>
+                <a:spcPts val="0"/>
+              </a:spcBef>
+              <a:spcAft>
+                <a:spcPts val="0"/>
+              </a:spcAft>
+              <a:buSzPts val="1400"/>
+            </a:pPr>
+            <a:r>
+              <a:rPr lang="en-AU" dirty="0"/>
+              <a:t>I did a comparison data frame the success rate checked out</a:t>
+            </a:r>
+          </a:p>
+          <a:p>
             <a:pPr marL="0" lvl="0" indent="0" algn="l" rtl="0">
               <a:lnSpc>
                 <a:spcPct val="100000"/>
@@ -4214,7 +4270,7 @@
               <a:buSzPts val="1400"/>
               <a:buNone/>
             </a:pPr>
-            <a:endParaRPr/>
+            <a:endParaRPr dirty="0"/>
           </a:p>
         </p:txBody>
       </p:sp>
@@ -18588,14 +18644,10 @@
             <a:pPr marL="342900" lvl="0" indent="-342900"/>
             <a:r>
               <a:rPr lang="en-US" dirty="0"/>
-              <a:t>Decision Tree – </a:t>
+              <a:t>Decision Tree – Score 0</a:t>
             </a:r>
             <a:r>
-              <a:rPr lang="en-US"/>
-              <a:t>Score 0</a:t>
-            </a:r>
-            <a:r>
-              <a:rPr lang="en-AU"/>
+              <a:rPr lang="en-AU" dirty="0"/>
               <a:t>.937 </a:t>
             </a:r>
             <a:endParaRPr lang="en-US" dirty="0"/>
@@ -22098,10 +22150,6 @@
               <a:buNone/>
             </a:pPr>
             <a:r>
-              <a:rPr lang="en-US" sz="2400" dirty="0"/>
-              <a:t>After comparing model outcomes, we opted for </a:t>
-            </a:r>
-            <a:r>
               <a:rPr lang="en-US" sz="2400" b="1" dirty="0"/>
               <a:t>RANDOM FOREST</a:t>
             </a:r>
@@ -22125,8 +22173,12 @@
               <a:buChar char="◦"/>
             </a:pPr>
             <a:r>
+              <a:rPr lang="en-US" sz="2400"/>
+              <a:t>92.18% </a:t>
+            </a:r>
+            <a:r>
               <a:rPr lang="en-US" sz="2400" dirty="0"/>
-              <a:t>92.48% Actual Accuracy</a:t>
+              <a:t>Actual Accuracy</a:t>
             </a:r>
           </a:p>
           <a:p>
@@ -22145,7 +22197,7 @@
             </a:pPr>
             <a:r>
               <a:rPr lang="en-US" sz="2400" dirty="0"/>
-              <a:t>27 customers incorrectly predicted out of 359</a:t>
+              <a:t>28 customers incorrectly predicted out of 358</a:t>
             </a:r>
           </a:p>
           <a:p>

--- a/Final Project - Presentation.pptx
+++ b/Final Project - Presentation.pptx
@@ -3588,6 +3588,42 @@
               <a:t>Trialling 4 model, you can see that there was three vying for top place, but the winner is the Random Forest. </a:t>
             </a:r>
           </a:p>
+          <a:p>
+            <a:pPr marL="171450" lvl="0" indent="-171450" algn="l" rtl="0">
+              <a:lnSpc>
+                <a:spcPct val="100000"/>
+              </a:lnSpc>
+              <a:spcBef>
+                <a:spcPts val="0"/>
+              </a:spcBef>
+              <a:spcAft>
+                <a:spcPts val="0"/>
+              </a:spcAft>
+              <a:buSzPts val="1400"/>
+            </a:pPr>
+            <a:r>
+              <a:rPr lang="en-AU" dirty="0"/>
+              <a:t>This result was achieved without a Grid Search – I found that running a Grid Search could take quite a bit of time for the computer to process. If time was permitting, it would have interesting to see if it would have resulted in a better score. </a:t>
+            </a:r>
+          </a:p>
+          <a:p>
+            <a:pPr marL="171450" lvl="0" indent="-171450" algn="l" rtl="0">
+              <a:lnSpc>
+                <a:spcPct val="100000"/>
+              </a:lnSpc>
+              <a:spcBef>
+                <a:spcPts val="0"/>
+              </a:spcBef>
+              <a:spcAft>
+                <a:spcPts val="0"/>
+              </a:spcAft>
+              <a:buSzPts val="1400"/>
+            </a:pPr>
+            <a:r>
+              <a:rPr lang="en-AU" dirty="0"/>
+              <a:t>We were pretty happy with 96% accuracy.</a:t>
+            </a:r>
+          </a:p>
         </p:txBody>
       </p:sp>
     </p:spTree>
@@ -4217,43 +4253,7 @@
             </a:pPr>
             <a:r>
               <a:rPr lang="en-AU" dirty="0"/>
-              <a:t>This result was achieved without a Grid Search – I found that running a Grid Search could take quite a bit of time for the computer to process. If time was permitting, it would have interesting to see it would have resulted in a better score. </a:t>
-            </a:r>
-          </a:p>
-          <a:p>
-            <a:pPr marL="171450" lvl="0" indent="-171450" algn="l" rtl="0">
-              <a:lnSpc>
-                <a:spcPct val="100000"/>
-              </a:lnSpc>
-              <a:spcBef>
-                <a:spcPts val="0"/>
-              </a:spcBef>
-              <a:spcAft>
-                <a:spcPts val="0"/>
-              </a:spcAft>
-              <a:buSzPts val="1400"/>
-            </a:pPr>
-            <a:r>
-              <a:rPr lang="en-AU" dirty="0"/>
-              <a:t>We were pretty happy with 96% accuracy.</a:t>
-            </a:r>
-          </a:p>
-          <a:p>
-            <a:pPr marL="171450" lvl="0" indent="-171450" algn="l" rtl="0">
-              <a:lnSpc>
-                <a:spcPct val="100000"/>
-              </a:lnSpc>
-              <a:spcBef>
-                <a:spcPts val="0"/>
-              </a:spcBef>
-              <a:spcAft>
-                <a:spcPts val="0"/>
-              </a:spcAft>
-              <a:buSzPts val="1400"/>
-            </a:pPr>
-            <a:r>
-              <a:rPr lang="en-AU" dirty="0"/>
-              <a:t>I did a comparison data frame the success rate checked out</a:t>
+              <a:t>I did a comparison data frame the success slightly dipped but still happy with this accuracy</a:t>
             </a:r>
           </a:p>
           <a:p>
@@ -4384,7 +4384,7 @@
           </a:bodyPr>
           <a:lstStyle/>
           <a:p>
-            <a:pPr marL="0" lvl="0" indent="0" algn="l" rtl="0">
+            <a:pPr marL="171450" lvl="0" indent="-171450" algn="l" rtl="0">
               <a:lnSpc>
                 <a:spcPct val="100000"/>
               </a:lnSpc>
@@ -4395,9 +4395,149 @@
                 <a:spcPts val="0"/>
               </a:spcAft>
               <a:buSzPts val="1400"/>
-              <a:buNone/>
-            </a:pPr>
-            <a:endParaRPr/>
+            </a:pPr>
+            <a:r>
+              <a:rPr lang="en-AU" dirty="0"/>
+              <a:t>Generating the feature importance</a:t>
+            </a:r>
+          </a:p>
+          <a:p>
+            <a:pPr marL="171450" lvl="0" indent="-171450" algn="l" rtl="0">
+              <a:lnSpc>
+                <a:spcPct val="100000"/>
+              </a:lnSpc>
+              <a:spcBef>
+                <a:spcPts val="0"/>
+              </a:spcBef>
+              <a:spcAft>
+                <a:spcPts val="0"/>
+              </a:spcAft>
+              <a:buSzPts val="1400"/>
+            </a:pPr>
+            <a:r>
+              <a:rPr lang="en-AU" dirty="0" err="1"/>
+              <a:t>Open_To_Buy</a:t>
+            </a:r>
+            <a:endParaRPr lang="en-AU" dirty="0"/>
+          </a:p>
+          <a:p>
+            <a:pPr marL="171450" lvl="0" indent="-171450" algn="l" rtl="0">
+              <a:lnSpc>
+                <a:spcPct val="100000"/>
+              </a:lnSpc>
+              <a:spcBef>
+                <a:spcPts val="0"/>
+              </a:spcBef>
+              <a:spcAft>
+                <a:spcPts val="0"/>
+              </a:spcAft>
+              <a:buSzPts val="1400"/>
+            </a:pPr>
+            <a:r>
+              <a:rPr lang="en-AU" dirty="0"/>
+              <a:t>Total_Amt_Chng_Q4_Q1</a:t>
+            </a:r>
+          </a:p>
+          <a:p>
+            <a:pPr marL="171450" lvl="0" indent="-171450" algn="l" rtl="0">
+              <a:lnSpc>
+                <a:spcPct val="100000"/>
+              </a:lnSpc>
+              <a:spcBef>
+                <a:spcPts val="0"/>
+              </a:spcBef>
+              <a:spcAft>
+                <a:spcPts val="0"/>
+              </a:spcAft>
+              <a:buSzPts val="1400"/>
+            </a:pPr>
+            <a:r>
+              <a:rPr lang="en-AU" dirty="0" err="1"/>
+              <a:t>Trans_Amt</a:t>
+            </a:r>
+            <a:endParaRPr lang="en-AU" dirty="0"/>
+          </a:p>
+          <a:p>
+            <a:pPr marL="171450" lvl="0" indent="-171450" algn="l" rtl="0">
+              <a:lnSpc>
+                <a:spcPct val="100000"/>
+              </a:lnSpc>
+              <a:spcBef>
+                <a:spcPts val="0"/>
+              </a:spcBef>
+              <a:spcAft>
+                <a:spcPts val="0"/>
+              </a:spcAft>
+              <a:buSzPts val="1400"/>
+            </a:pPr>
+            <a:r>
+              <a:rPr lang="en-AU" dirty="0"/>
+              <a:t>Contacts_Count_12_mon</a:t>
+            </a:r>
+          </a:p>
+          <a:p>
+            <a:pPr marL="171450" lvl="0" indent="-171450" algn="l" rtl="0">
+              <a:lnSpc>
+                <a:spcPct val="100000"/>
+              </a:lnSpc>
+              <a:spcBef>
+                <a:spcPts val="0"/>
+              </a:spcBef>
+              <a:spcAft>
+                <a:spcPts val="0"/>
+              </a:spcAft>
+              <a:buSzPts val="1400"/>
+            </a:pPr>
+            <a:r>
+              <a:rPr lang="en-AU" dirty="0" err="1"/>
+              <a:t>Card_Category</a:t>
+            </a:r>
+            <a:endParaRPr lang="en-AU" dirty="0"/>
+          </a:p>
+          <a:p>
+            <a:pPr marL="171450" lvl="0" indent="-171450" algn="l" rtl="0">
+              <a:lnSpc>
+                <a:spcPct val="100000"/>
+              </a:lnSpc>
+              <a:spcBef>
+                <a:spcPts val="0"/>
+              </a:spcBef>
+              <a:spcAft>
+                <a:spcPts val="0"/>
+              </a:spcAft>
+              <a:buSzPts val="1400"/>
+            </a:pPr>
+            <a:r>
+              <a:rPr lang="en-AU" dirty="0" err="1"/>
+              <a:t>Total_Trans_Ct</a:t>
+            </a:r>
+            <a:r>
+              <a:rPr lang="en-AU" dirty="0"/>
+              <a:t>’),</a:t>
+            </a:r>
+          </a:p>
+          <a:p>
+            <a:pPr marL="171450" lvl="0" indent="-171450" algn="l" rtl="0">
+              <a:lnSpc>
+                <a:spcPct val="100000"/>
+              </a:lnSpc>
+              <a:spcBef>
+                <a:spcPts val="0"/>
+              </a:spcBef>
+              <a:spcAft>
+                <a:spcPts val="0"/>
+              </a:spcAft>
+              <a:buSzPts val="1400"/>
+            </a:pPr>
+            <a:r>
+              <a:rPr lang="en-AU" dirty="0" err="1"/>
+              <a:t>Total_Revolving_Bal</a:t>
+            </a:r>
+            <a:r>
+              <a:rPr lang="en-AU" dirty="0"/>
+              <a:t>'</a:t>
+            </a:r>
+            <a:endParaRPr dirty="0"/>
           </a:p>
         </p:txBody>
       </p:sp>
@@ -22173,12 +22313,8 @@
               <a:buChar char="◦"/>
             </a:pPr>
             <a:r>
-              <a:rPr lang="en-US" sz="2400"/>
-              <a:t>92.18% </a:t>
-            </a:r>
-            <a:r>
               <a:rPr lang="en-US" sz="2400" dirty="0"/>
-              <a:t>Actual Accuracy</a:t>
+              <a:t>92.18% Actual Accuracy</a:t>
             </a:r>
           </a:p>
           <a:p>
@@ -22663,6 +22799,101 @@
               <a:t>Further exploration could occur to determine if some features were unnecessary</a:t>
             </a:r>
           </a:p>
+          <a:p>
+            <a:pPr marL="171450" lvl="0" indent="-171450">
+              <a:spcBef>
+                <a:spcPts val="0"/>
+              </a:spcBef>
+              <a:buSzPts val="1400"/>
+            </a:pPr>
+            <a:r>
+              <a:rPr lang="en-AU" sz="1200" dirty="0" err="1"/>
+              <a:t>Open_To_Buy</a:t>
+            </a:r>
+            <a:endParaRPr lang="en-AU" sz="1200" dirty="0"/>
+          </a:p>
+          <a:p>
+            <a:pPr marL="171450" lvl="0" indent="-171450">
+              <a:spcBef>
+                <a:spcPts val="0"/>
+              </a:spcBef>
+              <a:buSzPts val="1400"/>
+            </a:pPr>
+            <a:r>
+              <a:rPr lang="en-AU" sz="1200" dirty="0"/>
+              <a:t>Total_Amt_Chng_Q4_Q1</a:t>
+            </a:r>
+          </a:p>
+          <a:p>
+            <a:pPr marL="171450" lvl="0" indent="-171450">
+              <a:spcBef>
+                <a:spcPts val="0"/>
+              </a:spcBef>
+              <a:buSzPts val="1400"/>
+            </a:pPr>
+            <a:r>
+              <a:rPr lang="en-AU" sz="1200" dirty="0" err="1"/>
+              <a:t>Trans_Amt</a:t>
+            </a:r>
+            <a:endParaRPr lang="en-AU" sz="1200" dirty="0"/>
+          </a:p>
+          <a:p>
+            <a:pPr marL="171450" lvl="0" indent="-171450">
+              <a:spcBef>
+                <a:spcPts val="0"/>
+              </a:spcBef>
+              <a:buSzPts val="1400"/>
+            </a:pPr>
+            <a:r>
+              <a:rPr lang="en-AU" sz="1200" dirty="0"/>
+              <a:t>Contacts_Count_12_mon</a:t>
+            </a:r>
+          </a:p>
+          <a:p>
+            <a:pPr marL="171450" lvl="0" indent="-171450">
+              <a:spcBef>
+                <a:spcPts val="0"/>
+              </a:spcBef>
+              <a:buSzPts val="1400"/>
+            </a:pPr>
+            <a:r>
+              <a:rPr lang="en-AU" sz="1200" dirty="0" err="1"/>
+              <a:t>Card_Category</a:t>
+            </a:r>
+            <a:endParaRPr lang="en-AU" sz="1200" dirty="0"/>
+          </a:p>
+          <a:p>
+            <a:pPr marL="171450" lvl="0" indent="-171450">
+              <a:spcBef>
+                <a:spcPts val="0"/>
+              </a:spcBef>
+              <a:buSzPts val="1400"/>
+            </a:pPr>
+            <a:r>
+              <a:rPr lang="en-AU" sz="1200" dirty="0" err="1"/>
+              <a:t>Total_Trans_Ct</a:t>
+            </a:r>
+            <a:r>
+              <a:rPr lang="en-AU" sz="1200" dirty="0"/>
+              <a:t>’),</a:t>
+            </a:r>
+          </a:p>
+          <a:p>
+            <a:pPr marL="171450" lvl="0" indent="-171450">
+              <a:spcBef>
+                <a:spcPts val="0"/>
+              </a:spcBef>
+              <a:buSzPts val="1400"/>
+            </a:pPr>
+            <a:r>
+              <a:rPr lang="en-AU" sz="1200" dirty="0" err="1"/>
+              <a:t>Total_Revolving_Bal</a:t>
+            </a:r>
+            <a:r>
+              <a:rPr lang="en-AU" sz="1200" dirty="0"/>
+              <a:t>'</a:t>
+            </a:r>
+          </a:p>
         </p:txBody>
       </p:sp>
       <p:pic>
@@ -22687,8 +22918,8 @@
         </p:blipFill>
         <p:spPr>
           <a:xfrm>
-            <a:off x="3395117" y="2162209"/>
-            <a:ext cx="5570652" cy="2589922"/>
+            <a:off x="3684493" y="2296747"/>
+            <a:ext cx="5281275" cy="2455384"/>
           </a:xfrm>
           <a:prstGeom prst="rect">
             <a:avLst/>

--- a/Final Project - Presentation.pptx
+++ b/Final Project - Presentation.pptx
@@ -3190,6 +3190,439 @@
           </a:bodyPr>
           <a:lstStyle/>
           <a:p>
+            <a:r>
+              <a:rPr lang="en-AU" sz="1100" b="1" i="0" u="none" strike="noStrike" cap="none" dirty="0">
+                <a:solidFill>
+                  <a:srgbClr val="000000"/>
+                </a:solidFill>
+                <a:effectLst/>
+                <a:latin typeface="Arial"/>
+                <a:ea typeface="Arial"/>
+                <a:cs typeface="Arial"/>
+                <a:sym typeface="Arial"/>
+              </a:rPr>
+              <a:t>Ordinal Categorical Features</a:t>
+            </a:r>
+          </a:p>
+          <a:p>
+            <a:r>
+              <a:rPr lang="en-AU" sz="1100" b="0" i="0" u="none" strike="noStrike" cap="none" dirty="0">
+                <a:solidFill>
+                  <a:srgbClr val="000000"/>
+                </a:solidFill>
+                <a:effectLst/>
+                <a:latin typeface="Arial"/>
+                <a:ea typeface="Arial"/>
+                <a:cs typeface="Arial"/>
+                <a:sym typeface="Arial"/>
+              </a:rPr>
+              <a:t>one class is higher than another – created by mapping the order</a:t>
+            </a:r>
+          </a:p>
+          <a:p>
+            <a:endParaRPr lang="en-AU" sz="1100" b="0" i="0" u="none" strike="noStrike" cap="none" dirty="0">
+              <a:solidFill>
+                <a:srgbClr val="000000"/>
+              </a:solidFill>
+              <a:effectLst/>
+              <a:latin typeface="Arial"/>
+              <a:ea typeface="Arial"/>
+              <a:cs typeface="Arial"/>
+              <a:sym typeface="Arial"/>
+            </a:endParaRPr>
+          </a:p>
+          <a:p>
+            <a:r>
+              <a:rPr lang="en-AU" sz="1100" b="0" i="0" u="none" strike="noStrike" cap="none" dirty="0" err="1">
+                <a:solidFill>
+                  <a:srgbClr val="000000"/>
+                </a:solidFill>
+                <a:effectLst/>
+                <a:latin typeface="Arial"/>
+                <a:ea typeface="Arial"/>
+                <a:cs typeface="Arial"/>
+                <a:sym typeface="Arial"/>
+              </a:rPr>
+              <a:t>Education_Level</a:t>
+            </a:r>
+            <a:endParaRPr lang="en-AU" sz="1100" b="0" i="0" u="none" strike="noStrike" cap="none" dirty="0">
+              <a:solidFill>
+                <a:srgbClr val="000000"/>
+              </a:solidFill>
+              <a:effectLst/>
+              <a:latin typeface="Arial"/>
+              <a:ea typeface="Arial"/>
+              <a:cs typeface="Arial"/>
+              <a:sym typeface="Arial"/>
+            </a:endParaRPr>
+          </a:p>
+          <a:p>
+            <a:r>
+              <a:rPr lang="en-AU" sz="1100" b="0" i="0" u="none" strike="noStrike" cap="none" dirty="0" err="1">
+                <a:solidFill>
+                  <a:srgbClr val="000000"/>
+                </a:solidFill>
+                <a:effectLst/>
+                <a:latin typeface="Arial"/>
+                <a:ea typeface="Arial"/>
+                <a:cs typeface="Arial"/>
+                <a:sym typeface="Arial"/>
+              </a:rPr>
+              <a:t>Income_Category</a:t>
+            </a:r>
+            <a:endParaRPr lang="en-AU" sz="1100" b="0" i="0" u="none" strike="noStrike" cap="none" dirty="0">
+              <a:solidFill>
+                <a:srgbClr val="000000"/>
+              </a:solidFill>
+              <a:effectLst/>
+              <a:latin typeface="Arial"/>
+              <a:ea typeface="Arial"/>
+              <a:cs typeface="Arial"/>
+              <a:sym typeface="Arial"/>
+            </a:endParaRPr>
+          </a:p>
+          <a:p>
+            <a:r>
+              <a:rPr lang="en-AU" sz="1100" b="0" i="0" u="none" strike="noStrike" cap="none" dirty="0">
+                <a:solidFill>
+                  <a:srgbClr val="000000"/>
+                </a:solidFill>
+                <a:effectLst/>
+                <a:latin typeface="Arial"/>
+                <a:ea typeface="Arial"/>
+                <a:cs typeface="Arial"/>
+                <a:sym typeface="Arial"/>
+              </a:rPr>
+              <a:t>Column - </a:t>
+            </a:r>
+            <a:r>
+              <a:rPr lang="en-AU" sz="1100" b="0" i="0" u="none" strike="noStrike" cap="none" dirty="0" err="1">
+                <a:solidFill>
+                  <a:srgbClr val="000000"/>
+                </a:solidFill>
+                <a:effectLst/>
+                <a:latin typeface="Arial"/>
+                <a:ea typeface="Arial"/>
+                <a:cs typeface="Arial"/>
+                <a:sym typeface="Arial"/>
+              </a:rPr>
+              <a:t>Card_Category</a:t>
+            </a:r>
+            <a:endParaRPr lang="en-AU" sz="1100" b="0" i="0" u="none" strike="noStrike" cap="none" dirty="0">
+              <a:solidFill>
+                <a:srgbClr val="000000"/>
+              </a:solidFill>
+              <a:effectLst/>
+              <a:latin typeface="Arial"/>
+              <a:ea typeface="Arial"/>
+              <a:cs typeface="Arial"/>
+              <a:sym typeface="Arial"/>
+            </a:endParaRPr>
+          </a:p>
+          <a:p>
+            <a:pPr marL="457200" marR="0" lvl="0" indent="-317500" algn="l" defTabSz="914400" rtl="0" eaLnBrk="1" fontAlgn="auto" latinLnBrk="0" hangingPunct="1">
+              <a:lnSpc>
+                <a:spcPct val="100000"/>
+              </a:lnSpc>
+              <a:spcBef>
+                <a:spcPts val="0"/>
+              </a:spcBef>
+              <a:spcAft>
+                <a:spcPts val="0"/>
+              </a:spcAft>
+              <a:buClr>
+                <a:srgbClr val="000000"/>
+              </a:buClr>
+              <a:buSzPts val="1400"/>
+              <a:buFont typeface="Arial"/>
+              <a:buChar char="●"/>
+              <a:tabLst/>
+              <a:defRPr/>
+            </a:pPr>
+            <a:endParaRPr lang="en-AU" sz="1100" b="1" i="0" u="none" strike="noStrike" cap="none" dirty="0">
+              <a:solidFill>
+                <a:srgbClr val="000000"/>
+              </a:solidFill>
+              <a:effectLst/>
+              <a:latin typeface="Arial"/>
+              <a:ea typeface="Arial"/>
+              <a:cs typeface="Arial"/>
+              <a:sym typeface="Arial"/>
+            </a:endParaRPr>
+          </a:p>
+          <a:p>
+            <a:pPr marL="457200" marR="0" lvl="0" indent="-317500" algn="l" defTabSz="914400" rtl="0" eaLnBrk="1" fontAlgn="auto" latinLnBrk="0" hangingPunct="1">
+              <a:lnSpc>
+                <a:spcPct val="100000"/>
+              </a:lnSpc>
+              <a:spcBef>
+                <a:spcPts val="0"/>
+              </a:spcBef>
+              <a:spcAft>
+                <a:spcPts val="0"/>
+              </a:spcAft>
+              <a:buClr>
+                <a:srgbClr val="000000"/>
+              </a:buClr>
+              <a:buSzPts val="1400"/>
+              <a:buFont typeface="Arial"/>
+              <a:buChar char="●"/>
+              <a:tabLst/>
+              <a:defRPr/>
+            </a:pPr>
+            <a:r>
+              <a:rPr lang="en-AU" sz="1100" b="1" i="0" u="none" strike="noStrike" cap="none" dirty="0">
+                <a:solidFill>
+                  <a:srgbClr val="000000"/>
+                </a:solidFill>
+                <a:effectLst/>
+                <a:latin typeface="Arial"/>
+                <a:ea typeface="Arial"/>
+                <a:cs typeface="Arial"/>
+                <a:sym typeface="Arial"/>
+              </a:rPr>
+              <a:t>Non-ordinal Categorical Features</a:t>
+            </a:r>
+          </a:p>
+          <a:p>
+            <a:pPr marL="457200" marR="0" lvl="0" indent="-317500" algn="l" defTabSz="914400" rtl="0" eaLnBrk="1" fontAlgn="auto" latinLnBrk="0" hangingPunct="1">
+              <a:lnSpc>
+                <a:spcPct val="100000"/>
+              </a:lnSpc>
+              <a:spcBef>
+                <a:spcPts val="0"/>
+              </a:spcBef>
+              <a:spcAft>
+                <a:spcPts val="0"/>
+              </a:spcAft>
+              <a:buClr>
+                <a:srgbClr val="000000"/>
+              </a:buClr>
+              <a:buSzPts val="1400"/>
+              <a:buFont typeface="Arial"/>
+              <a:buChar char="●"/>
+              <a:tabLst/>
+              <a:defRPr/>
+            </a:pPr>
+            <a:r>
+              <a:rPr lang="en-AU" sz="1100" b="0" i="0" u="none" strike="noStrike" cap="none" dirty="0">
+                <a:solidFill>
+                  <a:srgbClr val="000000"/>
+                </a:solidFill>
+                <a:effectLst/>
+                <a:latin typeface="Arial"/>
+                <a:ea typeface="Arial"/>
+                <a:cs typeface="Arial"/>
+                <a:sym typeface="Arial"/>
+              </a:rPr>
+              <a:t>No specific order of class – Scikit Learn </a:t>
+            </a:r>
+            <a:r>
+              <a:rPr lang="en-AU" sz="1100" b="0" i="0" u="none" strike="noStrike" cap="none" dirty="0" err="1">
+                <a:solidFill>
+                  <a:srgbClr val="000000"/>
+                </a:solidFill>
+                <a:effectLst/>
+                <a:latin typeface="Arial"/>
+                <a:ea typeface="Arial"/>
+                <a:cs typeface="Arial"/>
+                <a:sym typeface="Arial"/>
+              </a:rPr>
+              <a:t>LabelEncoder</a:t>
+            </a:r>
+            <a:endParaRPr lang="en-AU" sz="1100" b="0" i="0" u="none" strike="noStrike" cap="none" dirty="0">
+              <a:solidFill>
+                <a:srgbClr val="000000"/>
+              </a:solidFill>
+              <a:effectLst/>
+              <a:latin typeface="Arial"/>
+              <a:ea typeface="Arial"/>
+              <a:cs typeface="Arial"/>
+              <a:sym typeface="Arial"/>
+            </a:endParaRPr>
+          </a:p>
+          <a:p>
+            <a:pPr marL="457200" marR="0" lvl="0" indent="-317500" algn="l" defTabSz="914400" rtl="0" eaLnBrk="1" fontAlgn="auto" latinLnBrk="0" hangingPunct="1">
+              <a:lnSpc>
+                <a:spcPct val="100000"/>
+              </a:lnSpc>
+              <a:spcBef>
+                <a:spcPts val="0"/>
+              </a:spcBef>
+              <a:spcAft>
+                <a:spcPts val="0"/>
+              </a:spcAft>
+              <a:buClr>
+                <a:srgbClr val="000000"/>
+              </a:buClr>
+              <a:buSzPts val="1400"/>
+              <a:buFont typeface="Arial"/>
+              <a:buChar char="●"/>
+              <a:tabLst/>
+              <a:defRPr/>
+            </a:pPr>
+            <a:endParaRPr lang="en-AU" sz="1100" b="0" i="0" u="none" strike="noStrike" cap="none" dirty="0">
+              <a:solidFill>
+                <a:srgbClr val="000000"/>
+              </a:solidFill>
+              <a:effectLst/>
+              <a:latin typeface="Arial"/>
+              <a:ea typeface="Arial"/>
+              <a:cs typeface="Arial"/>
+              <a:sym typeface="Arial"/>
+            </a:endParaRPr>
+          </a:p>
+          <a:p>
+            <a:pPr marL="457200" marR="0" lvl="0" indent="-317500" algn="l" defTabSz="914400" rtl="0" eaLnBrk="1" fontAlgn="auto" latinLnBrk="0" hangingPunct="1">
+              <a:lnSpc>
+                <a:spcPct val="100000"/>
+              </a:lnSpc>
+              <a:spcBef>
+                <a:spcPts val="0"/>
+              </a:spcBef>
+              <a:spcAft>
+                <a:spcPts val="0"/>
+              </a:spcAft>
+              <a:buClr>
+                <a:srgbClr val="000000"/>
+              </a:buClr>
+              <a:buSzPts val="1400"/>
+              <a:buFont typeface="Arial"/>
+              <a:buChar char="●"/>
+              <a:tabLst/>
+              <a:defRPr/>
+            </a:pPr>
+            <a:r>
+              <a:rPr lang="en-AU" sz="1100" b="0" i="0" u="none" strike="noStrike" cap="none" dirty="0">
+                <a:solidFill>
+                  <a:srgbClr val="000000"/>
+                </a:solidFill>
+                <a:effectLst/>
+                <a:latin typeface="Arial"/>
+                <a:ea typeface="Arial"/>
+                <a:cs typeface="Arial"/>
+                <a:sym typeface="Arial"/>
+              </a:rPr>
+              <a:t>Gender</a:t>
+            </a:r>
+          </a:p>
+          <a:p>
+            <a:pPr marL="457200" marR="0" lvl="0" indent="-317500" algn="l" defTabSz="914400" rtl="0" eaLnBrk="1" fontAlgn="auto" latinLnBrk="0" hangingPunct="1">
+              <a:lnSpc>
+                <a:spcPct val="100000"/>
+              </a:lnSpc>
+              <a:spcBef>
+                <a:spcPts val="0"/>
+              </a:spcBef>
+              <a:spcAft>
+                <a:spcPts val="0"/>
+              </a:spcAft>
+              <a:buClr>
+                <a:srgbClr val="000000"/>
+              </a:buClr>
+              <a:buSzPts val="1400"/>
+              <a:buFont typeface="Arial"/>
+              <a:buChar char="●"/>
+              <a:tabLst/>
+              <a:defRPr/>
+            </a:pPr>
+            <a:r>
+              <a:rPr lang="en-AU" sz="1100" b="0" i="0" u="none" strike="noStrike" cap="none" dirty="0" err="1">
+                <a:solidFill>
+                  <a:srgbClr val="000000"/>
+                </a:solidFill>
+                <a:effectLst/>
+                <a:latin typeface="Arial"/>
+                <a:ea typeface="Arial"/>
+                <a:cs typeface="Arial"/>
+                <a:sym typeface="Arial"/>
+              </a:rPr>
+              <a:t>Marital_Status</a:t>
+            </a:r>
+            <a:endParaRPr lang="en-AU" sz="1100" b="0" i="0" u="none" strike="noStrike" cap="none" dirty="0">
+              <a:solidFill>
+                <a:srgbClr val="000000"/>
+              </a:solidFill>
+              <a:effectLst/>
+              <a:latin typeface="Arial"/>
+              <a:ea typeface="Arial"/>
+              <a:cs typeface="Arial"/>
+              <a:sym typeface="Arial"/>
+            </a:endParaRPr>
+          </a:p>
+          <a:p>
+            <a:pPr marL="457200" marR="0" lvl="0" indent="-317500" algn="l" defTabSz="914400" rtl="0" eaLnBrk="1" fontAlgn="auto" latinLnBrk="0" hangingPunct="1">
+              <a:lnSpc>
+                <a:spcPct val="100000"/>
+              </a:lnSpc>
+              <a:spcBef>
+                <a:spcPts val="0"/>
+              </a:spcBef>
+              <a:spcAft>
+                <a:spcPts val="0"/>
+              </a:spcAft>
+              <a:buClr>
+                <a:srgbClr val="000000"/>
+              </a:buClr>
+              <a:buSzPts val="1400"/>
+              <a:buFont typeface="Arial"/>
+              <a:buChar char="●"/>
+              <a:tabLst/>
+              <a:defRPr/>
+            </a:pPr>
+            <a:r>
+              <a:rPr lang="en-AU" sz="1100" b="1" i="0" u="none" strike="noStrike" cap="none" dirty="0">
+                <a:solidFill>
+                  <a:srgbClr val="000000"/>
+                </a:solidFill>
+                <a:effectLst/>
+                <a:latin typeface="Arial"/>
+                <a:ea typeface="Arial"/>
+                <a:cs typeface="Arial"/>
+                <a:sym typeface="Arial"/>
+              </a:rPr>
+              <a:t>Also scaled using </a:t>
+            </a:r>
+            <a:r>
+              <a:rPr lang="en-AU" sz="1100" b="1" i="0" u="none" strike="noStrike" cap="none" dirty="0" err="1">
+                <a:solidFill>
+                  <a:srgbClr val="000000"/>
+                </a:solidFill>
+                <a:effectLst/>
+                <a:latin typeface="Arial"/>
+                <a:ea typeface="Arial"/>
+                <a:cs typeface="Arial"/>
+                <a:sym typeface="Arial"/>
+              </a:rPr>
+              <a:t>MinMaxScaler</a:t>
+            </a:r>
+            <a:r>
+              <a:rPr lang="en-AU" sz="1100" b="1" i="0" u="none" strike="noStrike" cap="none" dirty="0">
+                <a:solidFill>
+                  <a:srgbClr val="000000"/>
+                </a:solidFill>
+                <a:effectLst/>
+                <a:latin typeface="Arial"/>
+                <a:ea typeface="Arial"/>
+                <a:cs typeface="Arial"/>
+                <a:sym typeface="Arial"/>
+              </a:rPr>
+              <a:t> – but only for continuous data – Wanted to leave the categorical features are their integers – which had its own challenges</a:t>
+            </a:r>
+          </a:p>
+          <a:p>
+            <a:endParaRPr lang="en-AU" sz="1100" b="0" i="0" u="none" strike="noStrike" cap="none" dirty="0">
+              <a:solidFill>
+                <a:srgbClr val="000000"/>
+              </a:solidFill>
+              <a:effectLst/>
+              <a:latin typeface="Arial"/>
+              <a:ea typeface="Arial"/>
+              <a:cs typeface="Arial"/>
+              <a:sym typeface="Arial"/>
+            </a:endParaRPr>
+          </a:p>
+          <a:p>
             <a:pPr marL="0" lvl="0" indent="0" algn="l" rtl="0">
               <a:lnSpc>
                 <a:spcPct val="100000"/>
@@ -3203,7 +3636,7 @@
               <a:buSzPts val="1400"/>
               <a:buNone/>
             </a:pPr>
-            <a:endParaRPr/>
+            <a:endParaRPr dirty="0"/>
           </a:p>
         </p:txBody>
       </p:sp>
@@ -3585,7 +4018,7 @@
             </a:pPr>
             <a:r>
               <a:rPr lang="en-AU" dirty="0"/>
-              <a:t>Trialling 4 model, you can see that there was three vying for top place, but the winner is the Random Forest. </a:t>
+              <a:t>Trialling 4 models, you can see that there was three vying for top place, but the clear winner is the Random Forest. </a:t>
             </a:r>
           </a:p>
           <a:p>
@@ -3603,7 +4036,7 @@
             </a:pPr>
             <a:r>
               <a:rPr lang="en-AU" dirty="0"/>
-              <a:t>This result was achieved without a Grid Search – I found that running a Grid Search could take quite a bit of time for the computer to process. If time was permitting, it would have interesting to see if it would have resulted in a better score. </a:t>
+              <a:t>This result was achieved without completing a Grid Search – I found that running a Grid Search could take quite a bit of time for the computer to process. If time was permitting, it would have interesting to see if it would have resulted in a better score. </a:t>
             </a:r>
           </a:p>
           <a:p>
@@ -4253,7 +4686,15 @@
             </a:pPr>
             <a:r>
               <a:rPr lang="en-AU" dirty="0"/>
-              <a:t>I did a comparison data frame the success slightly dipped but still happy with this accuracy</a:t>
+              <a:t>I did a comparison </a:t>
+            </a:r>
+            <a:r>
+              <a:rPr lang="en-AU" dirty="0" err="1"/>
+              <a:t>dataframe</a:t>
+            </a:r>
+            <a:r>
+              <a:rPr lang="en-AU" dirty="0"/>
+              <a:t> with the ACTUAL success rate slightly dipping but we were still happy with this accuracy</a:t>
             </a:r>
           </a:p>
           <a:p>
@@ -4415,10 +4856,9 @@
               <a:buSzPts val="1400"/>
             </a:pPr>
             <a:r>
-              <a:rPr lang="en-AU" dirty="0" err="1"/>
-              <a:t>Open_To_Buy</a:t>
+              <a:rPr lang="en-AU" dirty="0"/>
+              <a:t>It shows that the data of most relevance is around the amount of money customers have available and the amount of transaction carried out.</a:t>
             </a:r>
-            <a:endParaRPr lang="en-AU" dirty="0"/>
           </a:p>
           <a:p>
             <a:pPr marL="171450" lvl="0" indent="-171450" algn="l" rtl="0">
@@ -4435,27 +4875,8 @@
             </a:pPr>
             <a:r>
               <a:rPr lang="en-AU" dirty="0"/>
-              <a:t>Total_Amt_Chng_Q4_Q1</a:t>
+              <a:t>The customer demographics are all at the lower end of importance.</a:t>
             </a:r>
-          </a:p>
-          <a:p>
-            <a:pPr marL="171450" lvl="0" indent="-171450" algn="l" rtl="0">
-              <a:lnSpc>
-                <a:spcPct val="100000"/>
-              </a:lnSpc>
-              <a:spcBef>
-                <a:spcPts val="0"/>
-              </a:spcBef>
-              <a:spcAft>
-                <a:spcPts val="0"/>
-              </a:spcAft>
-              <a:buSzPts val="1400"/>
-            </a:pPr>
-            <a:r>
-              <a:rPr lang="en-AU" dirty="0" err="1"/>
-              <a:t>Trans_Amt</a:t>
-            </a:r>
-            <a:endParaRPr lang="en-AU" dirty="0"/>
           </a:p>
           <a:p>
             <a:pPr marL="171450" lvl="0" indent="-171450" algn="l" rtl="0">
@@ -4472,7 +4893,7 @@
             </a:pPr>
             <a:r>
               <a:rPr lang="en-AU" dirty="0"/>
-              <a:t>Contacts_Count_12_mon</a:t>
+              <a:t>More analyses could be done around whether those with less credit available are the ones who are the ultimate churn risk.</a:t>
             </a:r>
           </a:p>
           <a:p>
@@ -4488,56 +4909,10 @@
               </a:spcAft>
               <a:buSzPts val="1400"/>
             </a:pPr>
-            <a:r>
-              <a:rPr lang="en-AU" dirty="0" err="1"/>
-              <a:t>Card_Category</a:t>
-            </a:r>
-            <a:endParaRPr lang="en-AU" dirty="0"/>
-          </a:p>
-          <a:p>
-            <a:pPr marL="171450" lvl="0" indent="-171450" algn="l" rtl="0">
-              <a:lnSpc>
-                <a:spcPct val="100000"/>
-              </a:lnSpc>
-              <a:spcBef>
-                <a:spcPts val="0"/>
-              </a:spcBef>
-              <a:spcAft>
-                <a:spcPts val="0"/>
-              </a:spcAft>
-              <a:buSzPts val="1400"/>
-            </a:pPr>
-            <a:r>
-              <a:rPr lang="en-AU" dirty="0" err="1"/>
-              <a:t>Total_Trans_Ct</a:t>
-            </a:r>
             <a:r>
               <a:rPr lang="en-AU" dirty="0"/>
-              <a:t>’),</a:t>
+              <a:t>And whether dropping the demographics data would impact the accuracy.</a:t>
             </a:r>
-          </a:p>
-          <a:p>
-            <a:pPr marL="171450" lvl="0" indent="-171450" algn="l" rtl="0">
-              <a:lnSpc>
-                <a:spcPct val="100000"/>
-              </a:lnSpc>
-              <a:spcBef>
-                <a:spcPts val="0"/>
-              </a:spcBef>
-              <a:spcAft>
-                <a:spcPts val="0"/>
-              </a:spcAft>
-              <a:buSzPts val="1400"/>
-            </a:pPr>
-            <a:r>
-              <a:rPr lang="en-AU" dirty="0" err="1"/>
-              <a:t>Total_Revolving_Bal</a:t>
-            </a:r>
-            <a:r>
-              <a:rPr lang="en-AU" dirty="0"/>
-              <a:t>'</a:t>
-            </a:r>
-            <a:endParaRPr dirty="0"/>
           </a:p>
         </p:txBody>
       </p:sp>
@@ -5408,7 +5783,7 @@
           </a:bodyPr>
           <a:lstStyle/>
           <a:p>
-            <a:pPr marL="0" lvl="0" indent="0" algn="l" rtl="0">
+            <a:pPr marL="171450" lvl="0" indent="-171450" algn="l" rtl="0">
               <a:lnSpc>
                 <a:spcPct val="100000"/>
               </a:lnSpc>
@@ -5419,9 +5794,198 @@
                 <a:spcPts val="0"/>
               </a:spcAft>
               <a:buSzPts val="1400"/>
-              <a:buNone/>
-            </a:pPr>
-            <a:endParaRPr/>
+            </a:pPr>
+            <a:r>
+              <a:rPr lang="en-AU" dirty="0"/>
+              <a:t>Two routes</a:t>
+            </a:r>
+          </a:p>
+          <a:p>
+            <a:pPr marL="171450" lvl="0" indent="-171450" algn="l" rtl="0">
+              <a:lnSpc>
+                <a:spcPct val="100000"/>
+              </a:lnSpc>
+              <a:spcBef>
+                <a:spcPts val="0"/>
+              </a:spcBef>
+              <a:spcAft>
+                <a:spcPts val="0"/>
+              </a:spcAft>
+              <a:buSzPts val="1400"/>
+            </a:pPr>
+            <a:r>
+              <a:rPr lang="en-AU" dirty="0"/>
+              <a:t>Individual – input from the web form</a:t>
+            </a:r>
+          </a:p>
+          <a:p>
+            <a:pPr marL="171450" lvl="0" indent="-171450" algn="l" rtl="0">
+              <a:lnSpc>
+                <a:spcPct val="100000"/>
+              </a:lnSpc>
+              <a:spcBef>
+                <a:spcPts val="0"/>
+              </a:spcBef>
+              <a:spcAft>
+                <a:spcPts val="0"/>
+              </a:spcAft>
+              <a:buSzPts val="1400"/>
+            </a:pPr>
+            <a:r>
+              <a:rPr lang="en-AU" dirty="0"/>
+              <a:t>Bulk – input from the csv</a:t>
+            </a:r>
+          </a:p>
+          <a:p>
+            <a:pPr marL="171450" lvl="0" indent="-171450" algn="l" rtl="0">
+              <a:lnSpc>
+                <a:spcPct val="100000"/>
+              </a:lnSpc>
+              <a:spcBef>
+                <a:spcPts val="0"/>
+              </a:spcBef>
+              <a:spcAft>
+                <a:spcPts val="0"/>
+              </a:spcAft>
+              <a:buSzPts val="1400"/>
+            </a:pPr>
+            <a:endParaRPr lang="en-AU" dirty="0"/>
+          </a:p>
+          <a:p>
+            <a:pPr marL="171450" lvl="0" indent="-171450" algn="l" rtl="0">
+              <a:lnSpc>
+                <a:spcPct val="100000"/>
+              </a:lnSpc>
+              <a:spcBef>
+                <a:spcPts val="0"/>
+              </a:spcBef>
+              <a:spcAft>
+                <a:spcPts val="0"/>
+              </a:spcAft>
+              <a:buSzPts val="1400"/>
+            </a:pPr>
+            <a:r>
+              <a:rPr lang="en-AU" dirty="0"/>
+              <a:t>Input had to go through the full process of:</a:t>
+            </a:r>
+          </a:p>
+          <a:p>
+            <a:pPr marL="171450" lvl="0" indent="-171450" algn="l" rtl="0">
+              <a:lnSpc>
+                <a:spcPct val="100000"/>
+              </a:lnSpc>
+              <a:spcBef>
+                <a:spcPts val="0"/>
+              </a:spcBef>
+              <a:spcAft>
+                <a:spcPts val="0"/>
+              </a:spcAft>
+              <a:buSzPts val="1400"/>
+            </a:pPr>
+            <a:r>
+              <a:rPr lang="en-AU" dirty="0"/>
+              <a:t>Encoding – bulk only / for individual prediction categorical input was captured as numerical input from the web  from</a:t>
+            </a:r>
+          </a:p>
+          <a:p>
+            <a:pPr marL="171450" lvl="0" indent="-171450" algn="l" rtl="0">
+              <a:lnSpc>
+                <a:spcPct val="100000"/>
+              </a:lnSpc>
+              <a:spcBef>
+                <a:spcPts val="0"/>
+              </a:spcBef>
+              <a:spcAft>
+                <a:spcPts val="0"/>
+              </a:spcAft>
+              <a:buSzPts val="1400"/>
+            </a:pPr>
+            <a:r>
+              <a:rPr lang="en-AU" dirty="0"/>
+              <a:t>Scaling – imported model</a:t>
+            </a:r>
+          </a:p>
+          <a:p>
+            <a:pPr marL="171450" lvl="0" indent="-171450" algn="l" rtl="0">
+              <a:lnSpc>
+                <a:spcPct val="100000"/>
+              </a:lnSpc>
+              <a:spcBef>
+                <a:spcPts val="0"/>
+              </a:spcBef>
+              <a:spcAft>
+                <a:spcPts val="0"/>
+              </a:spcAft>
+              <a:buSzPts val="1400"/>
+            </a:pPr>
+            <a:r>
+              <a:rPr lang="en-AU" dirty="0"/>
+              <a:t>Machine Learning – imported model</a:t>
+            </a:r>
+          </a:p>
+          <a:p>
+            <a:pPr marL="171450" lvl="0" indent="-171450" algn="l" rtl="0">
+              <a:lnSpc>
+                <a:spcPct val="100000"/>
+              </a:lnSpc>
+              <a:spcBef>
+                <a:spcPts val="0"/>
+              </a:spcBef>
+              <a:spcAft>
+                <a:spcPts val="0"/>
+              </a:spcAft>
+              <a:buSzPts val="1400"/>
+            </a:pPr>
+            <a:r>
+              <a:rPr lang="en-AU" dirty="0"/>
+              <a:t>Returned the outcome to </a:t>
+            </a:r>
+            <a:r>
+              <a:rPr lang="en-AU" dirty="0" err="1"/>
+              <a:t>javascript</a:t>
+            </a:r>
+            <a:endParaRPr lang="en-AU" dirty="0"/>
+          </a:p>
+          <a:p>
+            <a:pPr marL="171450" lvl="0" indent="-171450" algn="l" rtl="0">
+              <a:lnSpc>
+                <a:spcPct val="100000"/>
+              </a:lnSpc>
+              <a:spcBef>
+                <a:spcPts val="0"/>
+              </a:spcBef>
+              <a:spcAft>
+                <a:spcPts val="0"/>
+              </a:spcAft>
+              <a:buSzPts val="1400"/>
+            </a:pPr>
+            <a:endParaRPr lang="en-AU" dirty="0"/>
+          </a:p>
+          <a:p>
+            <a:pPr marL="171450" lvl="0" indent="-171450" algn="l" rtl="0">
+              <a:lnSpc>
+                <a:spcPct val="100000"/>
+              </a:lnSpc>
+              <a:spcBef>
+                <a:spcPts val="0"/>
+              </a:spcBef>
+              <a:spcAft>
+                <a:spcPts val="0"/>
+              </a:spcAft>
+              <a:buSzPts val="1400"/>
+            </a:pPr>
+            <a:r>
+              <a:rPr lang="en-AU" dirty="0"/>
+              <a:t>The struggle was that returning data to </a:t>
+            </a:r>
+            <a:r>
+              <a:rPr lang="en-AU" dirty="0" err="1"/>
+              <a:t>javascript</a:t>
+            </a:r>
+            <a:r>
+              <a:rPr lang="en-AU" dirty="0"/>
+              <a:t> was a issue - process for individual didn’t work for bulk so that took a lot of problem solving.</a:t>
+            </a:r>
           </a:p>
         </p:txBody>
       </p:sp>
